--- a/Slides/09. Gerenciador de Cena.pptx
+++ b/Slides/09. Gerenciador de Cena.pptx
@@ -134,13 +134,588 @@
 <file path=ppt/revisionInfo.xml><?xml version="1.0" encoding="utf-8"?>
 <p1510:revInfo xmlns:a="http://schemas.openxmlformats.org/drawingml/2006/main" xmlns:r="http://schemas.openxmlformats.org/officeDocument/2006/relationships" xmlns:p1510="http://schemas.microsoft.com/office/powerpoint/2015/10/main">
   <p1510:revLst>
-    <p1510:client id="{ED713E2D-A50A-4DF3-A50C-5C3CB286DEE0}" v="10" dt="2019-05-29T19:45:10.934"/>
+    <p1510:client id="{D3605440-5448-4D68-BE71-4AADBB00E6F0}" v="7" dt="2021-08-18T23:46:46.921"/>
   </p1510:revLst>
 </p1510:revInfo>
 </file>
 
 <file path=ppt/changesInfos/changesInfo1.xml><?xml version="1.0" encoding="utf-8"?>
 <pc:chgInfo xmlns:a="http://schemas.openxmlformats.org/drawingml/2006/main" xmlns:r="http://schemas.openxmlformats.org/officeDocument/2006/relationships" xmlns:ac="http://schemas.microsoft.com/office/drawing/2013/main/command" xmlns:pc="http://schemas.microsoft.com/office/powerpoint/2013/main/command">
+  <pc:docChgLst>
+    <pc:chgData name="Judson Santiago" userId="ebb108da2f256286" providerId="LiveId" clId="{D3605440-5448-4D68-BE71-4AADBB00E6F0}"/>
+    <pc:docChg chg="undo custSel modSld modMainMaster">
+      <pc:chgData name="Judson Santiago" userId="ebb108da2f256286" providerId="LiveId" clId="{D3605440-5448-4D68-BE71-4AADBB00E6F0}" dt="2021-08-18T23:46:46.921" v="190"/>
+      <pc:docMkLst>
+        <pc:docMk/>
+      </pc:docMkLst>
+      <pc:sldChg chg="modSp mod">
+        <pc:chgData name="Judson Santiago" userId="ebb108da2f256286" providerId="LiveId" clId="{D3605440-5448-4D68-BE71-4AADBB00E6F0}" dt="2021-08-18T21:49:41.829" v="22" actId="20577"/>
+        <pc:sldMkLst>
+          <pc:docMk/>
+          <pc:sldMk cId="0" sldId="256"/>
+        </pc:sldMkLst>
+        <pc:spChg chg="mod">
+          <ac:chgData name="Judson Santiago" userId="ebb108da2f256286" providerId="LiveId" clId="{D3605440-5448-4D68-BE71-4AADBB00E6F0}" dt="2021-08-18T21:49:41.829" v="22" actId="20577"/>
+          <ac:spMkLst>
+            <pc:docMk/>
+            <pc:sldMk cId="0" sldId="256"/>
+            <ac:spMk id="2" creationId="{00000000-0000-0000-0000-000000000000}"/>
+          </ac:spMkLst>
+        </pc:spChg>
+        <pc:spChg chg="mod">
+          <ac:chgData name="Judson Santiago" userId="ebb108da2f256286" providerId="LiveId" clId="{D3605440-5448-4D68-BE71-4AADBB00E6F0}" dt="2021-08-18T21:48:29.755" v="3" actId="403"/>
+          <ac:spMkLst>
+            <pc:docMk/>
+            <pc:sldMk cId="0" sldId="256"/>
+            <ac:spMk id="3" creationId="{00000000-0000-0000-0000-000000000000}"/>
+          </ac:spMkLst>
+        </pc:spChg>
+      </pc:sldChg>
+      <pc:sldChg chg="modSp mod modTransition">
+        <pc:chgData name="Judson Santiago" userId="ebb108da2f256286" providerId="LiveId" clId="{D3605440-5448-4D68-BE71-4AADBB00E6F0}" dt="2021-08-18T23:46:46.921" v="190"/>
+        <pc:sldMkLst>
+          <pc:docMk/>
+          <pc:sldMk cId="3870021878" sldId="332"/>
+        </pc:sldMkLst>
+        <pc:spChg chg="mod">
+          <ac:chgData name="Judson Santiago" userId="ebb108da2f256286" providerId="LiveId" clId="{D3605440-5448-4D68-BE71-4AADBB00E6F0}" dt="2021-08-18T21:52:00.231" v="31" actId="20577"/>
+          <ac:spMkLst>
+            <pc:docMk/>
+            <pc:sldMk cId="3870021878" sldId="332"/>
+            <ac:spMk id="2" creationId="{00000000-0000-0000-0000-000000000000}"/>
+          </ac:spMkLst>
+        </pc:spChg>
+        <pc:spChg chg="mod">
+          <ac:chgData name="Judson Santiago" userId="ebb108da2f256286" providerId="LiveId" clId="{D3605440-5448-4D68-BE71-4AADBB00E6F0}" dt="2021-08-18T21:52:12.997" v="32" actId="1076"/>
+          <ac:spMkLst>
+            <pc:docMk/>
+            <pc:sldMk cId="3870021878" sldId="332"/>
+            <ac:spMk id="4" creationId="{00000000-0000-0000-0000-000000000000}"/>
+          </ac:spMkLst>
+        </pc:spChg>
+        <pc:spChg chg="mod">
+          <ac:chgData name="Judson Santiago" userId="ebb108da2f256286" providerId="LiveId" clId="{D3605440-5448-4D68-BE71-4AADBB00E6F0}" dt="2021-08-18T21:52:24.906" v="33" actId="1076"/>
+          <ac:spMkLst>
+            <pc:docMk/>
+            <pc:sldMk cId="3870021878" sldId="332"/>
+            <ac:spMk id="49" creationId="{00000000-0000-0000-0000-000000000000}"/>
+          </ac:spMkLst>
+        </pc:spChg>
+        <pc:spChg chg="mod">
+          <ac:chgData name="Judson Santiago" userId="ebb108da2f256286" providerId="LiveId" clId="{D3605440-5448-4D68-BE71-4AADBB00E6F0}" dt="2021-08-18T21:52:31.938" v="34" actId="1076"/>
+          <ac:spMkLst>
+            <pc:docMk/>
+            <pc:sldMk cId="3870021878" sldId="332"/>
+            <ac:spMk id="50" creationId="{00000000-0000-0000-0000-000000000000}"/>
+          </ac:spMkLst>
+        </pc:spChg>
+        <pc:grpChg chg="mod">
+          <ac:chgData name="Judson Santiago" userId="ebb108da2f256286" providerId="LiveId" clId="{D3605440-5448-4D68-BE71-4AADBB00E6F0}" dt="2021-08-18T21:51:30.653" v="28" actId="12788"/>
+          <ac:grpSpMkLst>
+            <pc:docMk/>
+            <pc:sldMk cId="3870021878" sldId="332"/>
+            <ac:grpSpMk id="20" creationId="{00000000-0000-0000-0000-000000000000}"/>
+          </ac:grpSpMkLst>
+        </pc:grpChg>
+        <pc:cxnChg chg="mod">
+          <ac:chgData name="Judson Santiago" userId="ebb108da2f256286" providerId="LiveId" clId="{D3605440-5448-4D68-BE71-4AADBB00E6F0}" dt="2021-08-18T21:52:31.938" v="34" actId="1076"/>
+          <ac:cxnSpMkLst>
+            <pc:docMk/>
+            <pc:sldMk cId="3870021878" sldId="332"/>
+            <ac:cxnSpMk id="51" creationId="{00000000-0000-0000-0000-000000000000}"/>
+          </ac:cxnSpMkLst>
+        </pc:cxnChg>
+        <pc:cxnChg chg="mod">
+          <ac:chgData name="Judson Santiago" userId="ebb108da2f256286" providerId="LiveId" clId="{D3605440-5448-4D68-BE71-4AADBB00E6F0}" dt="2021-08-18T21:52:24.906" v="33" actId="1076"/>
+          <ac:cxnSpMkLst>
+            <pc:docMk/>
+            <pc:sldMk cId="3870021878" sldId="332"/>
+            <ac:cxnSpMk id="59" creationId="{00000000-0000-0000-0000-000000000000}"/>
+          </ac:cxnSpMkLst>
+        </pc:cxnChg>
+        <pc:cxnChg chg="mod">
+          <ac:chgData name="Judson Santiago" userId="ebb108da2f256286" providerId="LiveId" clId="{D3605440-5448-4D68-BE71-4AADBB00E6F0}" dt="2021-08-18T21:52:12.997" v="32" actId="1076"/>
+          <ac:cxnSpMkLst>
+            <pc:docMk/>
+            <pc:sldMk cId="3870021878" sldId="332"/>
+            <ac:cxnSpMk id="60" creationId="{00000000-0000-0000-0000-000000000000}"/>
+          </ac:cxnSpMkLst>
+        </pc:cxnChg>
+      </pc:sldChg>
+      <pc:sldChg chg="modSp mod modTransition">
+        <pc:chgData name="Judson Santiago" userId="ebb108da2f256286" providerId="LiveId" clId="{D3605440-5448-4D68-BE71-4AADBB00E6F0}" dt="2021-08-18T23:46:46.921" v="190"/>
+        <pc:sldMkLst>
+          <pc:docMk/>
+          <pc:sldMk cId="770194530" sldId="334"/>
+        </pc:sldMkLst>
+        <pc:spChg chg="mod">
+          <ac:chgData name="Judson Santiago" userId="ebb108da2f256286" providerId="LiveId" clId="{D3605440-5448-4D68-BE71-4AADBB00E6F0}" dt="2021-08-18T21:55:29.297" v="38" actId="207"/>
+          <ac:spMkLst>
+            <pc:docMk/>
+            <pc:sldMk cId="770194530" sldId="334"/>
+            <ac:spMk id="2" creationId="{00000000-0000-0000-0000-000000000000}"/>
+          </ac:spMkLst>
+        </pc:spChg>
+        <pc:spChg chg="mod">
+          <ac:chgData name="Judson Santiago" userId="ebb108da2f256286" providerId="LiveId" clId="{D3605440-5448-4D68-BE71-4AADBB00E6F0}" dt="2021-08-18T22:06:11.537" v="169" actId="20577"/>
+          <ac:spMkLst>
+            <pc:docMk/>
+            <pc:sldMk cId="770194530" sldId="334"/>
+            <ac:spMk id="3" creationId="{00000000-0000-0000-0000-000000000000}"/>
+          </ac:spMkLst>
+        </pc:spChg>
+        <pc:spChg chg="mod">
+          <ac:chgData name="Judson Santiago" userId="ebb108da2f256286" providerId="LiveId" clId="{D3605440-5448-4D68-BE71-4AADBB00E6F0}" dt="2021-08-18T22:00:39.061" v="109" actId="14100"/>
+          <ac:spMkLst>
+            <pc:docMk/>
+            <pc:sldMk cId="770194530" sldId="334"/>
+            <ac:spMk id="7" creationId="{00000000-0000-0000-0000-000000000000}"/>
+          </ac:spMkLst>
+        </pc:spChg>
+        <pc:spChg chg="mod">
+          <ac:chgData name="Judson Santiago" userId="ebb108da2f256286" providerId="LiveId" clId="{D3605440-5448-4D68-BE71-4AADBB00E6F0}" dt="2021-08-18T22:00:48.670" v="110" actId="1582"/>
+          <ac:spMkLst>
+            <pc:docMk/>
+            <pc:sldMk cId="770194530" sldId="334"/>
+            <ac:spMk id="9" creationId="{00000000-0000-0000-0000-000000000000}"/>
+          </ac:spMkLst>
+        </pc:spChg>
+        <pc:grpChg chg="mod">
+          <ac:chgData name="Judson Santiago" userId="ebb108da2f256286" providerId="LiveId" clId="{D3605440-5448-4D68-BE71-4AADBB00E6F0}" dt="2021-08-18T21:54:55.672" v="37" actId="1076"/>
+          <ac:grpSpMkLst>
+            <pc:docMk/>
+            <pc:sldMk cId="770194530" sldId="334"/>
+            <ac:grpSpMk id="4" creationId="{00000000-0000-0000-0000-000000000000}"/>
+          </ac:grpSpMkLst>
+        </pc:grpChg>
+      </pc:sldChg>
+      <pc:sldChg chg="modSp mod modTransition">
+        <pc:chgData name="Judson Santiago" userId="ebb108da2f256286" providerId="LiveId" clId="{D3605440-5448-4D68-BE71-4AADBB00E6F0}" dt="2021-08-18T23:46:46.921" v="190"/>
+        <pc:sldMkLst>
+          <pc:docMk/>
+          <pc:sldMk cId="1132566250" sldId="338"/>
+        </pc:sldMkLst>
+        <pc:spChg chg="mod">
+          <ac:chgData name="Judson Santiago" userId="ebb108da2f256286" providerId="LiveId" clId="{D3605440-5448-4D68-BE71-4AADBB00E6F0}" dt="2021-08-18T22:10:06.851" v="185" actId="948"/>
+          <ac:spMkLst>
+            <pc:docMk/>
+            <pc:sldMk cId="1132566250" sldId="338"/>
+            <ac:spMk id="2" creationId="{00000000-0000-0000-0000-000000000000}"/>
+          </ac:spMkLst>
+        </pc:spChg>
+        <pc:spChg chg="mod">
+          <ac:chgData name="Judson Santiago" userId="ebb108da2f256286" providerId="LiveId" clId="{D3605440-5448-4D68-BE71-4AADBB00E6F0}" dt="2021-08-18T22:10:16.068" v="186" actId="1076"/>
+          <ac:spMkLst>
+            <pc:docMk/>
+            <pc:sldMk cId="1132566250" sldId="338"/>
+            <ac:spMk id="5" creationId="{00000000-0000-0000-0000-000000000000}"/>
+          </ac:spMkLst>
+        </pc:spChg>
+      </pc:sldChg>
+      <pc:sldChg chg="addSp delSp modSp mod modTransition">
+        <pc:chgData name="Judson Santiago" userId="ebb108da2f256286" providerId="LiveId" clId="{D3605440-5448-4D68-BE71-4AADBB00E6F0}" dt="2021-08-18T23:46:46.921" v="190"/>
+        <pc:sldMkLst>
+          <pc:docMk/>
+          <pc:sldMk cId="808676940" sldId="343"/>
+        </pc:sldMkLst>
+        <pc:spChg chg="mod">
+          <ac:chgData name="Judson Santiago" userId="ebb108da2f256286" providerId="LiveId" clId="{D3605440-5448-4D68-BE71-4AADBB00E6F0}" dt="2021-08-18T21:57:09.667" v="62" actId="20577"/>
+          <ac:spMkLst>
+            <pc:docMk/>
+            <pc:sldMk cId="808676940" sldId="343"/>
+            <ac:spMk id="2" creationId="{00000000-0000-0000-0000-000000000000}"/>
+          </ac:spMkLst>
+        </pc:spChg>
+        <pc:spChg chg="mod">
+          <ac:chgData name="Judson Santiago" userId="ebb108da2f256286" providerId="LiveId" clId="{D3605440-5448-4D68-BE71-4AADBB00E6F0}" dt="2021-08-18T22:05:22.509" v="161" actId="20577"/>
+          <ac:spMkLst>
+            <pc:docMk/>
+            <pc:sldMk cId="808676940" sldId="343"/>
+            <ac:spMk id="3" creationId="{00000000-0000-0000-0000-000000000000}"/>
+          </ac:spMkLst>
+        </pc:spChg>
+        <pc:spChg chg="mod">
+          <ac:chgData name="Judson Santiago" userId="ebb108da2f256286" providerId="LiveId" clId="{D3605440-5448-4D68-BE71-4AADBB00E6F0}" dt="2021-08-18T22:03:00.596" v="122" actId="164"/>
+          <ac:spMkLst>
+            <pc:docMk/>
+            <pc:sldMk cId="808676940" sldId="343"/>
+            <ac:spMk id="4" creationId="{00000000-0000-0000-0000-000000000000}"/>
+          </ac:spMkLst>
+        </pc:spChg>
+        <pc:spChg chg="mod">
+          <ac:chgData name="Judson Santiago" userId="ebb108da2f256286" providerId="LiveId" clId="{D3605440-5448-4D68-BE71-4AADBB00E6F0}" dt="2021-08-18T22:03:00.596" v="122" actId="164"/>
+          <ac:spMkLst>
+            <pc:docMk/>
+            <pc:sldMk cId="808676940" sldId="343"/>
+            <ac:spMk id="5" creationId="{8C80BC7D-8D85-4E31-96B7-18B7CD28E364}"/>
+          </ac:spMkLst>
+        </pc:spChg>
+        <pc:spChg chg="mod">
+          <ac:chgData name="Judson Santiago" userId="ebb108da2f256286" providerId="LiveId" clId="{D3605440-5448-4D68-BE71-4AADBB00E6F0}" dt="2021-08-18T22:03:15.316" v="131" actId="1037"/>
+          <ac:spMkLst>
+            <pc:docMk/>
+            <pc:sldMk cId="808676940" sldId="343"/>
+            <ac:spMk id="6" creationId="{00000000-0000-0000-0000-000000000000}"/>
+          </ac:spMkLst>
+        </pc:spChg>
+        <pc:spChg chg="mod">
+          <ac:chgData name="Judson Santiago" userId="ebb108da2f256286" providerId="LiveId" clId="{D3605440-5448-4D68-BE71-4AADBB00E6F0}" dt="2021-08-18T22:03:00.596" v="122" actId="164"/>
+          <ac:spMkLst>
+            <pc:docMk/>
+            <pc:sldMk cId="808676940" sldId="343"/>
+            <ac:spMk id="7" creationId="{00000000-0000-0000-0000-000000000000}"/>
+          </ac:spMkLst>
+        </pc:spChg>
+        <pc:spChg chg="mod">
+          <ac:chgData name="Judson Santiago" userId="ebb108da2f256286" providerId="LiveId" clId="{D3605440-5448-4D68-BE71-4AADBB00E6F0}" dt="2021-08-18T22:03:00.596" v="122" actId="164"/>
+          <ac:spMkLst>
+            <pc:docMk/>
+            <pc:sldMk cId="808676940" sldId="343"/>
+            <ac:spMk id="8" creationId="{00000000-0000-0000-0000-000000000000}"/>
+          </ac:spMkLst>
+        </pc:spChg>
+        <pc:spChg chg="mod">
+          <ac:chgData name="Judson Santiago" userId="ebb108da2f256286" providerId="LiveId" clId="{D3605440-5448-4D68-BE71-4AADBB00E6F0}" dt="2021-08-18T22:03:00.596" v="122" actId="164"/>
+          <ac:spMkLst>
+            <pc:docMk/>
+            <pc:sldMk cId="808676940" sldId="343"/>
+            <ac:spMk id="9" creationId="{00000000-0000-0000-0000-000000000000}"/>
+          </ac:spMkLst>
+        </pc:spChg>
+        <pc:spChg chg="del">
+          <ac:chgData name="Judson Santiago" userId="ebb108da2f256286" providerId="LiveId" clId="{D3605440-5448-4D68-BE71-4AADBB00E6F0}" dt="2021-08-18T21:59:13.385" v="98" actId="478"/>
+          <ac:spMkLst>
+            <pc:docMk/>
+            <pc:sldMk cId="808676940" sldId="343"/>
+            <ac:spMk id="11" creationId="{00000000-0000-0000-0000-000000000000}"/>
+          </ac:spMkLst>
+        </pc:spChg>
+        <pc:grpChg chg="mod">
+          <ac:chgData name="Judson Santiago" userId="ebb108da2f256286" providerId="LiveId" clId="{D3605440-5448-4D68-BE71-4AADBB00E6F0}" dt="2021-08-18T22:03:00.596" v="122" actId="164"/>
+          <ac:grpSpMkLst>
+            <pc:docMk/>
+            <pc:sldMk cId="808676940" sldId="343"/>
+            <ac:grpSpMk id="21" creationId="{00000000-0000-0000-0000-000000000000}"/>
+          </ac:grpSpMkLst>
+        </pc:grpChg>
+        <pc:grpChg chg="mod">
+          <ac:chgData name="Judson Santiago" userId="ebb108da2f256286" providerId="LiveId" clId="{D3605440-5448-4D68-BE71-4AADBB00E6F0}" dt="2021-08-18T22:03:00.596" v="122" actId="164"/>
+          <ac:grpSpMkLst>
+            <pc:docMk/>
+            <pc:sldMk cId="808676940" sldId="343"/>
+            <ac:grpSpMk id="22" creationId="{00000000-0000-0000-0000-000000000000}"/>
+          </ac:grpSpMkLst>
+        </pc:grpChg>
+        <pc:grpChg chg="mod">
+          <ac:chgData name="Judson Santiago" userId="ebb108da2f256286" providerId="LiveId" clId="{D3605440-5448-4D68-BE71-4AADBB00E6F0}" dt="2021-08-18T22:03:00.596" v="122" actId="164"/>
+          <ac:grpSpMkLst>
+            <pc:docMk/>
+            <pc:sldMk cId="808676940" sldId="343"/>
+            <ac:grpSpMk id="23" creationId="{00000000-0000-0000-0000-000000000000}"/>
+          </ac:grpSpMkLst>
+        </pc:grpChg>
+        <pc:grpChg chg="add mod">
+          <ac:chgData name="Judson Santiago" userId="ebb108da2f256286" providerId="LiveId" clId="{D3605440-5448-4D68-BE71-4AADBB00E6F0}" dt="2021-08-18T22:03:05.564" v="126" actId="1038"/>
+          <ac:grpSpMkLst>
+            <pc:docMk/>
+            <pc:sldMk cId="808676940" sldId="343"/>
+            <ac:grpSpMk id="29" creationId="{2EDF2E47-6D71-42F4-9387-F03DCA41C66A}"/>
+          </ac:grpSpMkLst>
+        </pc:grpChg>
+        <pc:cxnChg chg="mod">
+          <ac:chgData name="Judson Santiago" userId="ebb108da2f256286" providerId="LiveId" clId="{D3605440-5448-4D68-BE71-4AADBB00E6F0}" dt="2021-08-18T22:03:00.596" v="122" actId="164"/>
+          <ac:cxnSpMkLst>
+            <pc:docMk/>
+            <pc:sldMk cId="808676940" sldId="343"/>
+            <ac:cxnSpMk id="24" creationId="{0AF69A0C-403A-4789-8BFE-66B15D7131DC}"/>
+          </ac:cxnSpMkLst>
+        </pc:cxnChg>
+        <pc:cxnChg chg="mod">
+          <ac:chgData name="Judson Santiago" userId="ebb108da2f256286" providerId="LiveId" clId="{D3605440-5448-4D68-BE71-4AADBB00E6F0}" dt="2021-08-18T22:03:00.596" v="122" actId="164"/>
+          <ac:cxnSpMkLst>
+            <pc:docMk/>
+            <pc:sldMk cId="808676940" sldId="343"/>
+            <ac:cxnSpMk id="28" creationId="{685042CA-60AE-40C6-B611-6D9C81805275}"/>
+          </ac:cxnSpMkLst>
+        </pc:cxnChg>
+        <pc:cxnChg chg="mod">
+          <ac:chgData name="Judson Santiago" userId="ebb108da2f256286" providerId="LiveId" clId="{D3605440-5448-4D68-BE71-4AADBB00E6F0}" dt="2021-08-18T22:03:00.596" v="122" actId="164"/>
+          <ac:cxnSpMkLst>
+            <pc:docMk/>
+            <pc:sldMk cId="808676940" sldId="343"/>
+            <ac:cxnSpMk id="31" creationId="{627124EC-0328-4B32-9E1C-963A824750D7}"/>
+          </ac:cxnSpMkLst>
+        </pc:cxnChg>
+      </pc:sldChg>
+      <pc:sldChg chg="modSp mod modTransition">
+        <pc:chgData name="Judson Santiago" userId="ebb108da2f256286" providerId="LiveId" clId="{D3605440-5448-4D68-BE71-4AADBB00E6F0}" dt="2021-08-18T23:46:46.921" v="190"/>
+        <pc:sldMkLst>
+          <pc:docMk/>
+          <pc:sldMk cId="3941419351" sldId="344"/>
+        </pc:sldMkLst>
+        <pc:spChg chg="mod">
+          <ac:chgData name="Judson Santiago" userId="ebb108da2f256286" providerId="LiveId" clId="{D3605440-5448-4D68-BE71-4AADBB00E6F0}" dt="2021-08-18T22:12:03.515" v="188" actId="948"/>
+          <ac:spMkLst>
+            <pc:docMk/>
+            <pc:sldMk cId="3941419351" sldId="344"/>
+            <ac:spMk id="2" creationId="{00000000-0000-0000-0000-000000000000}"/>
+          </ac:spMkLst>
+        </pc:spChg>
+      </pc:sldChg>
+      <pc:sldMasterChg chg="addSp delSp modSp mod modSldLayout">
+        <pc:chgData name="Judson Santiago" userId="ebb108da2f256286" providerId="LiveId" clId="{D3605440-5448-4D68-BE71-4AADBB00E6F0}" dt="2021-08-18T23:46:15.116" v="189" actId="21"/>
+        <pc:sldMasterMkLst>
+          <pc:docMk/>
+          <pc:sldMasterMk cId="0" sldId="2147483780"/>
+        </pc:sldMasterMkLst>
+        <pc:spChg chg="del">
+          <ac:chgData name="Judson Santiago" userId="ebb108da2f256286" providerId="LiveId" clId="{D3605440-5448-4D68-BE71-4AADBB00E6F0}" dt="2021-08-18T22:03:42.155" v="135" actId="478"/>
+          <ac:spMkLst>
+            <pc:docMk/>
+            <pc:sldMasterMk cId="0" sldId="2147483780"/>
+            <ac:spMk id="12" creationId="{00000000-0000-0000-0000-000000000000}"/>
+          </ac:spMkLst>
+        </pc:spChg>
+        <pc:spChg chg="del">
+          <ac:chgData name="Judson Santiago" userId="ebb108da2f256286" providerId="LiveId" clId="{D3605440-5448-4D68-BE71-4AADBB00E6F0}" dt="2021-08-18T22:03:40.061" v="134" actId="478"/>
+          <ac:spMkLst>
+            <pc:docMk/>
+            <pc:sldMasterMk cId="0" sldId="2147483780"/>
+            <ac:spMk id="13" creationId="{00000000-0000-0000-0000-000000000000}"/>
+          </ac:spMkLst>
+        </pc:spChg>
+        <pc:spChg chg="del">
+          <ac:chgData name="Judson Santiago" userId="ebb108da2f256286" providerId="LiveId" clId="{D3605440-5448-4D68-BE71-4AADBB00E6F0}" dt="2021-08-18T22:03:39.108" v="133" actId="478"/>
+          <ac:spMkLst>
+            <pc:docMk/>
+            <pc:sldMasterMk cId="0" sldId="2147483780"/>
+            <ac:spMk id="14" creationId="{00000000-0000-0000-0000-000000000000}"/>
+          </ac:spMkLst>
+        </pc:spChg>
+        <pc:spChg chg="mod">
+          <ac:chgData name="Judson Santiago" userId="ebb108da2f256286" providerId="LiveId" clId="{D3605440-5448-4D68-BE71-4AADBB00E6F0}" dt="2021-08-13T23:49:03.344" v="0"/>
+          <ac:spMkLst>
+            <pc:docMk/>
+            <pc:sldMasterMk cId="0" sldId="2147483780"/>
+            <ac:spMk id="16" creationId="{4B691A2D-A594-4423-8E43-A26094682487}"/>
+          </ac:spMkLst>
+        </pc:spChg>
+        <pc:spChg chg="add mod ord">
+          <ac:chgData name="Judson Santiago" userId="ebb108da2f256286" providerId="LiveId" clId="{D3605440-5448-4D68-BE71-4AADBB00E6F0}" dt="2021-08-18T21:49:34.765" v="21" actId="167"/>
+          <ac:spMkLst>
+            <pc:docMk/>
+            <pc:sldMasterMk cId="0" sldId="2147483780"/>
+            <ac:spMk id="17" creationId="{D61314BE-E4E6-4EC6-AC3F-4DE0375FFD55}"/>
+          </ac:spMkLst>
+        </pc:spChg>
+        <pc:spChg chg="mod">
+          <ac:chgData name="Judson Santiago" userId="ebb108da2f256286" providerId="LiveId" clId="{D3605440-5448-4D68-BE71-4AADBB00E6F0}" dt="2021-08-18T21:49:32.057" v="20"/>
+          <ac:spMkLst>
+            <pc:docMk/>
+            <pc:sldMasterMk cId="0" sldId="2147483780"/>
+            <ac:spMk id="20" creationId="{5C31BD27-6750-4D91-9C2B-B1F815FA686C}"/>
+          </ac:spMkLst>
+        </pc:spChg>
+        <pc:spChg chg="mod">
+          <ac:chgData name="Judson Santiago" userId="ebb108da2f256286" providerId="LiveId" clId="{D3605440-5448-4D68-BE71-4AADBB00E6F0}" dt="2021-08-18T21:49:32.057" v="20"/>
+          <ac:spMkLst>
+            <pc:docMk/>
+            <pc:sldMasterMk cId="0" sldId="2147483780"/>
+            <ac:spMk id="21" creationId="{9A253BB5-73AA-4ACA-ADC8-14FB8E9DE78A}"/>
+          </ac:spMkLst>
+        </pc:spChg>
+        <pc:spChg chg="mod">
+          <ac:chgData name="Judson Santiago" userId="ebb108da2f256286" providerId="LiveId" clId="{D3605440-5448-4D68-BE71-4AADBB00E6F0}" dt="2021-08-18T21:49:32.057" v="20"/>
+          <ac:spMkLst>
+            <pc:docMk/>
+            <pc:sldMasterMk cId="0" sldId="2147483780"/>
+            <ac:spMk id="23" creationId="{6B10C075-E896-495B-B4AD-74CDFF9A898B}"/>
+          </ac:spMkLst>
+        </pc:spChg>
+        <pc:spChg chg="mod">
+          <ac:chgData name="Judson Santiago" userId="ebb108da2f256286" providerId="LiveId" clId="{D3605440-5448-4D68-BE71-4AADBB00E6F0}" dt="2021-08-18T22:03:43.608" v="136"/>
+          <ac:spMkLst>
+            <pc:docMk/>
+            <pc:sldMasterMk cId="0" sldId="2147483780"/>
+            <ac:spMk id="25" creationId="{BC4B59E1-C9C2-4792-80A4-04CE9B3F4303}"/>
+          </ac:spMkLst>
+        </pc:spChg>
+        <pc:spChg chg="mod">
+          <ac:chgData name="Judson Santiago" userId="ebb108da2f256286" providerId="LiveId" clId="{D3605440-5448-4D68-BE71-4AADBB00E6F0}" dt="2021-08-18T22:03:43.608" v="136"/>
+          <ac:spMkLst>
+            <pc:docMk/>
+            <pc:sldMasterMk cId="0" sldId="2147483780"/>
+            <ac:spMk id="26" creationId="{25EA2675-8659-49CE-B87C-3CBA42A76525}"/>
+          </ac:spMkLst>
+        </pc:spChg>
+        <pc:spChg chg="mod">
+          <ac:chgData name="Judson Santiago" userId="ebb108da2f256286" providerId="LiveId" clId="{D3605440-5448-4D68-BE71-4AADBB00E6F0}" dt="2021-08-18T22:03:43.608" v="136"/>
+          <ac:spMkLst>
+            <pc:docMk/>
+            <pc:sldMasterMk cId="0" sldId="2147483780"/>
+            <ac:spMk id="27" creationId="{44636549-F640-4411-901B-60125E5E7C24}"/>
+          </ac:spMkLst>
+        </pc:spChg>
+        <pc:grpChg chg="add del mod">
+          <ac:chgData name="Judson Santiago" userId="ebb108da2f256286" providerId="LiveId" clId="{D3605440-5448-4D68-BE71-4AADBB00E6F0}" dt="2021-08-18T23:46:15.116" v="189" actId="21"/>
+          <ac:grpSpMkLst>
+            <pc:docMk/>
+            <pc:sldMasterMk cId="0" sldId="2147483780"/>
+            <ac:grpSpMk id="11" creationId="{D333803D-0A9A-44FE-AA14-999D7D41A705}"/>
+          </ac:grpSpMkLst>
+        </pc:grpChg>
+        <pc:grpChg chg="add del mod ord">
+          <ac:chgData name="Judson Santiago" userId="ebb108da2f256286" providerId="LiveId" clId="{D3605440-5448-4D68-BE71-4AADBB00E6F0}" dt="2021-08-18T22:03:37.202" v="132" actId="21"/>
+          <ac:grpSpMkLst>
+            <pc:docMk/>
+            <pc:sldMasterMk cId="0" sldId="2147483780"/>
+            <ac:grpSpMk id="19" creationId="{3E370EE5-3C5A-4952-9045-A4A8DB8FED11}"/>
+          </ac:grpSpMkLst>
+        </pc:grpChg>
+        <pc:grpChg chg="add mod">
+          <ac:chgData name="Judson Santiago" userId="ebb108da2f256286" providerId="LiveId" clId="{D3605440-5448-4D68-BE71-4AADBB00E6F0}" dt="2021-08-18T22:03:43.608" v="136"/>
+          <ac:grpSpMkLst>
+            <pc:docMk/>
+            <pc:sldMasterMk cId="0" sldId="2147483780"/>
+            <ac:grpSpMk id="24" creationId="{02FC378C-C5A8-404C-87C8-712BCD841C59}"/>
+          </ac:grpSpMkLst>
+        </pc:grpChg>
+        <pc:picChg chg="mod">
+          <ac:chgData name="Judson Santiago" userId="ebb108da2f256286" providerId="LiveId" clId="{D3605440-5448-4D68-BE71-4AADBB00E6F0}" dt="2021-08-13T23:49:03.344" v="0"/>
+          <ac:picMkLst>
+            <pc:docMk/>
+            <pc:sldMasterMk cId="0" sldId="2147483780"/>
+            <ac:picMk id="15" creationId="{AE2A85D3-0D21-48DA-A6D6-1730F0F2717B}"/>
+          </ac:picMkLst>
+        </pc:picChg>
+        <pc:sldLayoutChg chg="addSp delSp modSp mod">
+          <pc:chgData name="Judson Santiago" userId="ebb108da2f256286" providerId="LiveId" clId="{D3605440-5448-4D68-BE71-4AADBB00E6F0}" dt="2021-08-18T21:49:14.599" v="19" actId="167"/>
+          <pc:sldLayoutMkLst>
+            <pc:docMk/>
+            <pc:sldMasterMk cId="0" sldId="2147483780"/>
+            <pc:sldLayoutMk cId="0" sldId="2147483781"/>
+          </pc:sldLayoutMkLst>
+          <pc:spChg chg="mod">
+            <ac:chgData name="Judson Santiago" userId="ebb108da2f256286" providerId="LiveId" clId="{D3605440-5448-4D68-BE71-4AADBB00E6F0}" dt="2021-08-18T21:49:10.753" v="18"/>
+            <ac:spMkLst>
+              <pc:docMk/>
+              <pc:sldMasterMk cId="0" sldId="2147483780"/>
+              <pc:sldLayoutMk cId="0" sldId="2147483781"/>
+              <ac:spMk id="13" creationId="{A7447CD7-1CDE-4F02-90D7-89D12CE3D02E}"/>
+            </ac:spMkLst>
+          </pc:spChg>
+          <pc:spChg chg="mod">
+            <ac:chgData name="Judson Santiago" userId="ebb108da2f256286" providerId="LiveId" clId="{D3605440-5448-4D68-BE71-4AADBB00E6F0}" dt="2021-08-18T21:49:10.753" v="18"/>
+            <ac:spMkLst>
+              <pc:docMk/>
+              <pc:sldMasterMk cId="0" sldId="2147483780"/>
+              <pc:sldLayoutMk cId="0" sldId="2147483781"/>
+              <ac:spMk id="14" creationId="{11D54128-3FBC-406F-B259-5C622F620FF1}"/>
+            </ac:spMkLst>
+          </pc:spChg>
+          <pc:spChg chg="mod">
+            <ac:chgData name="Judson Santiago" userId="ebb108da2f256286" providerId="LiveId" clId="{D3605440-5448-4D68-BE71-4AADBB00E6F0}" dt="2021-08-18T21:49:10.753" v="18"/>
+            <ac:spMkLst>
+              <pc:docMk/>
+              <pc:sldMasterMk cId="0" sldId="2147483780"/>
+              <pc:sldLayoutMk cId="0" sldId="2147483781"/>
+              <ac:spMk id="15" creationId="{B7FE2ECF-F45E-481B-8423-AD512E457740}"/>
+            </ac:spMkLst>
+          </pc:spChg>
+          <pc:spChg chg="mod">
+            <ac:chgData name="Judson Santiago" userId="ebb108da2f256286" providerId="LiveId" clId="{D3605440-5448-4D68-BE71-4AADBB00E6F0}" dt="2021-08-18T21:49:10.753" v="18"/>
+            <ac:spMkLst>
+              <pc:docMk/>
+              <pc:sldMasterMk cId="0" sldId="2147483780"/>
+              <pc:sldLayoutMk cId="0" sldId="2147483781"/>
+              <ac:spMk id="16" creationId="{F9BD23F8-A62D-4479-B791-A9DCFB55EC91}"/>
+            </ac:spMkLst>
+          </pc:spChg>
+          <pc:spChg chg="del">
+            <ac:chgData name="Judson Santiago" userId="ebb108da2f256286" providerId="LiveId" clId="{D3605440-5448-4D68-BE71-4AADBB00E6F0}" dt="2021-08-18T21:49:08.019" v="17" actId="478"/>
+            <ac:spMkLst>
+              <pc:docMk/>
+              <pc:sldMasterMk cId="0" sldId="2147483780"/>
+              <pc:sldLayoutMk cId="0" sldId="2147483781"/>
+              <ac:spMk id="18" creationId="{5A220385-B966-4253-843A-E451294CA1FD}"/>
+            </ac:spMkLst>
+          </pc:spChg>
+          <pc:spChg chg="mod">
+            <ac:chgData name="Judson Santiago" userId="ebb108da2f256286" providerId="LiveId" clId="{D3605440-5448-4D68-BE71-4AADBB00E6F0}" dt="2021-08-18T21:49:10.753" v="18"/>
+            <ac:spMkLst>
+              <pc:docMk/>
+              <pc:sldMasterMk cId="0" sldId="2147483780"/>
+              <pc:sldLayoutMk cId="0" sldId="2147483781"/>
+              <ac:spMk id="19" creationId="{7C39CB1E-8220-4BC4-BDCB-DE71DF9ED8AE}"/>
+            </ac:spMkLst>
+          </pc:spChg>
+          <pc:spChg chg="mod">
+            <ac:chgData name="Judson Santiago" userId="ebb108da2f256286" providerId="LiveId" clId="{D3605440-5448-4D68-BE71-4AADBB00E6F0}" dt="2021-08-18T21:49:10.753" v="18"/>
+            <ac:spMkLst>
+              <pc:docMk/>
+              <pc:sldMasterMk cId="0" sldId="2147483780"/>
+              <pc:sldLayoutMk cId="0" sldId="2147483781"/>
+              <ac:spMk id="20" creationId="{95D45DB9-3748-4530-B3E8-0FAE1719478C}"/>
+            </ac:spMkLst>
+          </pc:spChg>
+          <pc:spChg chg="del">
+            <ac:chgData name="Judson Santiago" userId="ebb108da2f256286" providerId="LiveId" clId="{D3605440-5448-4D68-BE71-4AADBB00E6F0}" dt="2021-08-18T21:49:08.019" v="17" actId="478"/>
+            <ac:spMkLst>
+              <pc:docMk/>
+              <pc:sldMasterMk cId="0" sldId="2147483780"/>
+              <pc:sldLayoutMk cId="0" sldId="2147483781"/>
+              <ac:spMk id="21" creationId="{C29DE278-AE37-49F2-B1EA-B8D92DF3162B}"/>
+            </ac:spMkLst>
+          </pc:spChg>
+          <pc:spChg chg="del">
+            <ac:chgData name="Judson Santiago" userId="ebb108da2f256286" providerId="LiveId" clId="{D3605440-5448-4D68-BE71-4AADBB00E6F0}" dt="2021-08-18T21:49:08.019" v="17" actId="478"/>
+            <ac:spMkLst>
+              <pc:docMk/>
+              <pc:sldMasterMk cId="0" sldId="2147483780"/>
+              <pc:sldLayoutMk cId="0" sldId="2147483781"/>
+              <ac:spMk id="22" creationId="{2DF81AB9-4C7D-4120-814B-47469CF05A96}"/>
+            </ac:spMkLst>
+          </pc:spChg>
+          <pc:spChg chg="del">
+            <ac:chgData name="Judson Santiago" userId="ebb108da2f256286" providerId="LiveId" clId="{D3605440-5448-4D68-BE71-4AADBB00E6F0}" dt="2021-08-18T21:49:08.019" v="17" actId="478"/>
+            <ac:spMkLst>
+              <pc:docMk/>
+              <pc:sldMasterMk cId="0" sldId="2147483780"/>
+              <pc:sldLayoutMk cId="0" sldId="2147483781"/>
+              <ac:spMk id="23" creationId="{A39B90EC-6902-4928-A585-C9D2050A0516}"/>
+            </ac:spMkLst>
+          </pc:spChg>
+          <pc:spChg chg="add mod ord">
+            <ac:chgData name="Judson Santiago" userId="ebb108da2f256286" providerId="LiveId" clId="{D3605440-5448-4D68-BE71-4AADBB00E6F0}" dt="2021-08-18T21:49:14.599" v="19" actId="167"/>
+            <ac:spMkLst>
+              <pc:docMk/>
+              <pc:sldMasterMk cId="0" sldId="2147483780"/>
+              <pc:sldLayoutMk cId="0" sldId="2147483781"/>
+              <ac:spMk id="26" creationId="{F61D294B-2C65-4696-958B-C6DB13778D4D}"/>
+            </ac:spMkLst>
+          </pc:spChg>
+          <pc:grpChg chg="add mod ord">
+            <ac:chgData name="Judson Santiago" userId="ebb108da2f256286" providerId="LiveId" clId="{D3605440-5448-4D68-BE71-4AADBB00E6F0}" dt="2021-08-18T21:49:14.599" v="19" actId="167"/>
+            <ac:grpSpMkLst>
+              <pc:docMk/>
+              <pc:sldMasterMk cId="0" sldId="2147483780"/>
+              <pc:sldLayoutMk cId="0" sldId="2147483781"/>
+              <ac:grpSpMk id="10" creationId="{FFF34D9A-3A27-48B9-A261-DEA6067157AD}"/>
+            </ac:grpSpMkLst>
+          </pc:grpChg>
+          <pc:grpChg chg="add mod ord">
+            <ac:chgData name="Judson Santiago" userId="ebb108da2f256286" providerId="LiveId" clId="{D3605440-5448-4D68-BE71-4AADBB00E6F0}" dt="2021-08-18T21:49:14.599" v="19" actId="167"/>
+            <ac:grpSpMkLst>
+              <pc:docMk/>
+              <pc:sldMasterMk cId="0" sldId="2147483780"/>
+              <pc:sldLayoutMk cId="0" sldId="2147483781"/>
+              <ac:grpSpMk id="17" creationId="{6B14723F-6124-45A9-8499-4F050E71AAEF}"/>
+            </ac:grpSpMkLst>
+          </pc:grpChg>
+        </pc:sldLayoutChg>
+      </pc:sldMasterChg>
+    </pc:docChg>
+  </pc:docChgLst>
   <pc:docChgLst>
     <pc:chgData name="Judson Santiago" userId="ebb108da2f256286" providerId="LiveId" clId="{ED713E2D-A50A-4DF3-A50C-5C3CB286DEE0}"/>
     <pc:docChg chg="undo custSel modSld modMainMaster">
@@ -580,7 +1155,7 @@
             <a:fld id="{4C457FC9-8E1D-4A40-BFF1-0E630693B1AB}" type="datetimeFigureOut">
               <a:rPr lang="pt-BR" smtClean="0"/>
               <a:pPr/>
-              <a:t>29/05/2019</a:t>
+              <a:t>18/08/2021</a:t>
             </a:fld>
             <a:endParaRPr lang="pt-BR"/>
           </a:p>
@@ -900,15 +1475,7 @@
             </a:r>
             <a:r>
               <a:rPr lang="pt-BR" baseline="0" dirty="0"/>
-              <a:t> da classe base </a:t>
-            </a:r>
-            <a:r>
-              <a:rPr lang="pt-BR" baseline="0" dirty="0" err="1"/>
-              <a:t>Object</a:t>
-            </a:r>
-            <a:r>
-              <a:rPr lang="pt-BR" baseline="0" dirty="0"/>
-              <a:t>.</a:t>
+              <a:t> da classe base Object.</a:t>
             </a:r>
             <a:endParaRPr lang="pt-BR" dirty="0"/>
           </a:p>
@@ -1124,6 +1691,646 @@
           <a:chExt cx="0" cy="0"/>
         </a:xfrm>
       </p:grpSpPr>
+      <p:grpSp>
+        <p:nvGrpSpPr>
+          <p:cNvPr id="10" name="Agrupar 9">
+            <a:extLst>
+              <a:ext uri="{FF2B5EF4-FFF2-40B4-BE49-F238E27FC236}">
+                <a16:creationId xmlns:a16="http://schemas.microsoft.com/office/drawing/2014/main" id="{FFF34D9A-3A27-48B9-A261-DEA6067157AD}"/>
+              </a:ext>
+            </a:extLst>
+          </p:cNvPr>
+          <p:cNvGrpSpPr/>
+          <p:nvPr userDrawn="1"/>
+        </p:nvGrpSpPr>
+        <p:grpSpPr>
+          <a:xfrm>
+            <a:off x="-2" y="5142592"/>
+            <a:ext cx="12192002" cy="1728726"/>
+            <a:chOff x="-2" y="5142592"/>
+            <a:chExt cx="12192002" cy="1728726"/>
+          </a:xfrm>
+        </p:grpSpPr>
+        <p:sp>
+          <p:nvSpPr>
+            <p:cNvPr id="13" name="Triângulo retângulo 13">
+              <a:extLst>
+                <a:ext uri="{FF2B5EF4-FFF2-40B4-BE49-F238E27FC236}">
+                  <a16:creationId xmlns:a16="http://schemas.microsoft.com/office/drawing/2014/main" id="{A7447CD7-1CDE-4F02-90D7-89D12CE3D02E}"/>
+                </a:ext>
+              </a:extLst>
+            </p:cNvPr>
+            <p:cNvSpPr>
+              <a:spLocks/>
+            </p:cNvSpPr>
+            <p:nvPr userDrawn="1"/>
+          </p:nvSpPr>
+          <p:spPr bwMode="auto">
+            <a:xfrm>
+              <a:off x="-2" y="5142592"/>
+              <a:ext cx="9192346" cy="1715408"/>
+            </a:xfrm>
+            <a:prstGeom prst="rtTriangle">
+              <a:avLst/>
+            </a:prstGeom>
+            <a:blipFill>
+              <a:blip r:embed="rId2">
+                <a:alphaModFix amt="50000"/>
+              </a:blip>
+              <a:tile tx="0" ty="0" sx="50000" sy="50000" flip="none" algn="t"/>
+            </a:blipFill>
+            <a:ln w="12700" cap="rnd" cmpd="thickThin" algn="ctr">
+              <a:noFill/>
+              <a:prstDash val="solid"/>
+            </a:ln>
+            <a:effectLst>
+              <a:fillOverlay blend="mult">
+                <a:gradFill flip="none" rotWithShape="1">
+                  <a:gsLst>
+                    <a:gs pos="0">
+                      <a:schemeClr val="accent1">
+                        <a:shade val="20000"/>
+                        <a:satMod val="176000"/>
+                        <a:alpha val="100000"/>
+                      </a:schemeClr>
+                    </a:gs>
+                    <a:gs pos="18000">
+                      <a:schemeClr val="accent1">
+                        <a:shade val="48000"/>
+                        <a:satMod val="153000"/>
+                        <a:alpha val="100000"/>
+                      </a:schemeClr>
+                    </a:gs>
+                    <a:gs pos="43000">
+                      <a:schemeClr val="accent1">
+                        <a:tint val="86000"/>
+                        <a:satMod val="149000"/>
+                        <a:alpha val="100000"/>
+                      </a:schemeClr>
+                    </a:gs>
+                    <a:gs pos="45000">
+                      <a:schemeClr val="accent1">
+                        <a:tint val="85000"/>
+                        <a:satMod val="150000"/>
+                        <a:alpha val="100000"/>
+                      </a:schemeClr>
+                    </a:gs>
+                    <a:gs pos="50000">
+                      <a:schemeClr val="accent1">
+                        <a:tint val="86000"/>
+                        <a:satMod val="149000"/>
+                        <a:alpha val="100000"/>
+                      </a:schemeClr>
+                    </a:gs>
+                    <a:gs pos="79000">
+                      <a:schemeClr val="accent1">
+                        <a:shade val="53000"/>
+                        <a:satMod val="150000"/>
+                        <a:alpha val="100000"/>
+                      </a:schemeClr>
+                    </a:gs>
+                    <a:gs pos="100000">
+                      <a:schemeClr val="accent1">
+                        <a:shade val="25000"/>
+                        <a:satMod val="170000"/>
+                        <a:alpha val="100000"/>
+                      </a:schemeClr>
+                    </a:gs>
+                  </a:gsLst>
+                  <a:lin ang="450000" scaled="1"/>
+                  <a:tileRect/>
+                </a:gradFill>
+              </a:fillOverlay>
+            </a:effectLst>
+          </p:spPr>
+          <p:style>
+            <a:lnRef idx="3">
+              <a:schemeClr val="lt1"/>
+            </a:lnRef>
+            <a:fillRef idx="1">
+              <a:schemeClr val="accent1"/>
+            </a:fillRef>
+            <a:effectRef idx="1">
+              <a:schemeClr val="accent1"/>
+            </a:effectRef>
+            <a:fontRef idx="minor">
+              <a:schemeClr val="lt1"/>
+            </a:fontRef>
+          </p:style>
+          <p:txBody>
+            <a:bodyPr vert="horz" wrap="square" lIns="91440" tIns="45720" rIns="91440" bIns="45720" anchor="ctr" compatLnSpc="1"/>
+            <a:lstStyle/>
+            <a:p>
+              <a:pPr algn="ctr" eaLnBrk="1" latinLnBrk="0" hangingPunct="1"/>
+              <a:endParaRPr kumimoji="0" lang="en-US" sz="1800" dirty="0"/>
+            </a:p>
+          </p:txBody>
+        </p:sp>
+        <p:sp>
+          <p:nvSpPr>
+            <p:cNvPr id="14" name="Forma livre 12">
+              <a:extLst>
+                <a:ext uri="{FF2B5EF4-FFF2-40B4-BE49-F238E27FC236}">
+                  <a16:creationId xmlns:a16="http://schemas.microsoft.com/office/drawing/2014/main" id="{11D54128-3FBC-406F-B259-5C622F620FF1}"/>
+                </a:ext>
+              </a:extLst>
+            </p:cNvPr>
+            <p:cNvSpPr>
+              <a:spLocks/>
+            </p:cNvSpPr>
+            <p:nvPr userDrawn="1"/>
+          </p:nvSpPr>
+          <p:spPr bwMode="auto">
+            <a:xfrm>
+              <a:off x="-2" y="5186981"/>
+              <a:ext cx="12192002" cy="1671020"/>
+            </a:xfrm>
+            <a:custGeom>
+              <a:avLst>
+                <a:gd name="A1" fmla="val 0"/>
+                <a:gd name="A2" fmla="val 0"/>
+                <a:gd name="A3" fmla="val 0"/>
+                <a:gd name="A4" fmla="val 0"/>
+                <a:gd name="A5" fmla="val 0"/>
+                <a:gd name="A6" fmla="val 0"/>
+                <a:gd name="A7" fmla="val 0"/>
+                <a:gd name="A8" fmla="val 0"/>
+              </a:avLst>
+              <a:gdLst/>
+              <a:ahLst/>
+              <a:cxnLst>
+                <a:cxn ang="0">
+                  <a:pos x="0" y="0"/>
+                </a:cxn>
+                <a:cxn ang="0">
+                  <a:pos x="5760" y="0"/>
+                </a:cxn>
+                <a:cxn ang="0">
+                  <a:pos x="5760" y="528"/>
+                </a:cxn>
+                <a:cxn ang="0">
+                  <a:pos x="48" y="0"/>
+                </a:cxn>
+              </a:cxnLst>
+              <a:rect l="0" t="0" r="0" b="0"/>
+              <a:pathLst>
+                <a:path w="7485" h="337">
+                  <a:moveTo>
+                    <a:pt x="0" y="2"/>
+                  </a:moveTo>
+                  <a:lnTo>
+                    <a:pt x="7485" y="337"/>
+                  </a:lnTo>
+                  <a:lnTo>
+                    <a:pt x="5558" y="337"/>
+                  </a:lnTo>
+                  <a:lnTo>
+                    <a:pt x="1" y="0"/>
+                  </a:lnTo>
+                </a:path>
+              </a:pathLst>
+            </a:custGeom>
+            <a:solidFill>
+              <a:schemeClr val="accent1">
+                <a:tint val="65000"/>
+                <a:satMod val="115000"/>
+                <a:alpha val="40000"/>
+              </a:schemeClr>
+            </a:solidFill>
+            <a:ln w="9525" cap="flat" cmpd="sng" algn="ctr">
+              <a:noFill/>
+              <a:prstDash val="solid"/>
+              <a:round/>
+              <a:headEnd type="none" w="med" len="med"/>
+              <a:tailEnd type="none" w="med" len="med"/>
+            </a:ln>
+            <a:effectLst/>
+          </p:spPr>
+          <p:txBody>
+            <a:bodyPr vert="horz" wrap="square" lIns="91440" tIns="45720" rIns="91440" bIns="45720" anchor="t" compatLnSpc="1"/>
+            <a:lstStyle/>
+            <a:p>
+              <a:endParaRPr kumimoji="0" lang="en-US" sz="1800"/>
+            </a:p>
+          </p:txBody>
+        </p:sp>
+        <p:sp>
+          <p:nvSpPr>
+            <p:cNvPr id="15" name="TextBox 20">
+              <a:extLst>
+                <a:ext uri="{FF2B5EF4-FFF2-40B4-BE49-F238E27FC236}">
+                  <a16:creationId xmlns:a16="http://schemas.microsoft.com/office/drawing/2014/main" id="{B7FE2ECF-F45E-481B-8423-AD512E457740}"/>
+                </a:ext>
+              </a:extLst>
+            </p:cNvPr>
+            <p:cNvSpPr txBox="1"/>
+            <p:nvPr userDrawn="1"/>
+          </p:nvSpPr>
+          <p:spPr>
+            <a:xfrm>
+              <a:off x="983432" y="6274667"/>
+              <a:ext cx="2877344" cy="369332"/>
+            </a:xfrm>
+            <a:prstGeom prst="rect">
+              <a:avLst/>
+            </a:prstGeom>
+            <a:noFill/>
+          </p:spPr>
+          <p:txBody>
+            <a:bodyPr wrap="square" rtlCol="0">
+              <a:spAutoFit/>
+            </a:bodyPr>
+            <a:lstStyle/>
+            <a:p>
+              <a:pPr algn="r"/>
+              <a:r>
+                <a:rPr lang="pt-BR" sz="1800" b="1" dirty="0">
+                  <a:solidFill>
+                    <a:schemeClr val="tx1"/>
+                  </a:solidFill>
+                </a:rPr>
+                <a:t>Judson</a:t>
+              </a:r>
+              <a:r>
+                <a:rPr lang="pt-BR" sz="1800" b="1" baseline="0" dirty="0">
+                  <a:solidFill>
+                    <a:schemeClr val="tx1"/>
+                  </a:solidFill>
+                </a:rPr>
+                <a:t> Santos Santiago</a:t>
+              </a:r>
+              <a:endParaRPr lang="pt-BR" sz="1800" b="1" dirty="0">
+                <a:solidFill>
+                  <a:schemeClr val="tx1"/>
+                </a:solidFill>
+              </a:endParaRPr>
+            </a:p>
+          </p:txBody>
+        </p:sp>
+        <p:sp>
+          <p:nvSpPr>
+            <p:cNvPr id="16" name="Forma livre 11">
+              <a:extLst>
+                <a:ext uri="{FF2B5EF4-FFF2-40B4-BE49-F238E27FC236}">
+                  <a16:creationId xmlns:a16="http://schemas.microsoft.com/office/drawing/2014/main" id="{F9BD23F8-A62D-4479-B791-A9DCFB55EC91}"/>
+                </a:ext>
+              </a:extLst>
+            </p:cNvPr>
+            <p:cNvSpPr>
+              <a:spLocks/>
+            </p:cNvSpPr>
+            <p:nvPr userDrawn="1"/>
+          </p:nvSpPr>
+          <p:spPr bwMode="auto">
+            <a:xfrm>
+              <a:off x="-2" y="5142592"/>
+              <a:ext cx="9408370" cy="1728726"/>
+            </a:xfrm>
+            <a:custGeom>
+              <a:avLst>
+                <a:gd name="A1" fmla="val 0"/>
+                <a:gd name="A2" fmla="val 0"/>
+                <a:gd name="A3" fmla="val 0"/>
+                <a:gd name="A4" fmla="val 0"/>
+                <a:gd name="A5" fmla="val 0"/>
+                <a:gd name="A6" fmla="val 0"/>
+                <a:gd name="A7" fmla="val 0"/>
+                <a:gd name="A8" fmla="val 0"/>
+              </a:avLst>
+              <a:gdLst/>
+              <a:ahLst/>
+              <a:cxnLst>
+                <a:cxn ang="0">
+                  <a:pos x="0" y="0"/>
+                </a:cxn>
+                <a:cxn ang="0">
+                  <a:pos x="5760" y="0"/>
+                </a:cxn>
+                <a:cxn ang="0">
+                  <a:pos x="5760" y="528"/>
+                </a:cxn>
+                <a:cxn ang="0">
+                  <a:pos x="48" y="0"/>
+                </a:cxn>
+              </a:cxnLst>
+              <a:rect l="0" t="0" r="0" b="0"/>
+              <a:pathLst>
+                <a:path w="5591" h="588">
+                  <a:moveTo>
+                    <a:pt x="0" y="0"/>
+                  </a:moveTo>
+                  <a:lnTo>
+                    <a:pt x="5591" y="585"/>
+                  </a:lnTo>
+                  <a:lnTo>
+                    <a:pt x="4415" y="588"/>
+                  </a:lnTo>
+                  <a:lnTo>
+                    <a:pt x="12" y="4"/>
+                  </a:lnTo>
+                </a:path>
+              </a:pathLst>
+            </a:custGeom>
+            <a:solidFill>
+              <a:srgbClr val="000000">
+                <a:alpha val="100000"/>
+              </a:srgbClr>
+            </a:solidFill>
+            <a:ln w="9525" cap="flat" cmpd="sng" algn="ctr">
+              <a:noFill/>
+              <a:prstDash val="solid"/>
+              <a:round/>
+              <a:headEnd type="none" w="med" len="med"/>
+              <a:tailEnd type="none" w="med" len="med"/>
+            </a:ln>
+            <a:effectLst/>
+          </p:spPr>
+          <p:txBody>
+            <a:bodyPr vert="horz" wrap="square" lIns="91440" tIns="45720" rIns="91440" bIns="45720" anchor="t" compatLnSpc="1"/>
+            <a:lstStyle/>
+            <a:p>
+              <a:endParaRPr kumimoji="0" lang="en-US" sz="1800"/>
+            </a:p>
+          </p:txBody>
+        </p:sp>
+      </p:grpSp>
+      <p:grpSp>
+        <p:nvGrpSpPr>
+          <p:cNvPr id="17" name="Agrupar 16">
+            <a:extLst>
+              <a:ext uri="{FF2B5EF4-FFF2-40B4-BE49-F238E27FC236}">
+                <a16:creationId xmlns:a16="http://schemas.microsoft.com/office/drawing/2014/main" id="{6B14723F-6124-45A9-8499-4F050E71AAEF}"/>
+              </a:ext>
+            </a:extLst>
+          </p:cNvPr>
+          <p:cNvGrpSpPr/>
+          <p:nvPr userDrawn="1"/>
+        </p:nvGrpSpPr>
+        <p:grpSpPr>
+          <a:xfrm>
+            <a:off x="-2" y="-5"/>
+            <a:ext cx="12192002" cy="892457"/>
+            <a:chOff x="-2" y="-5"/>
+            <a:chExt cx="12192002" cy="892457"/>
+          </a:xfrm>
+        </p:grpSpPr>
+        <p:sp>
+          <p:nvSpPr>
+            <p:cNvPr id="19" name="Triângulo retângulo 13">
+              <a:extLst>
+                <a:ext uri="{FF2B5EF4-FFF2-40B4-BE49-F238E27FC236}">
+                  <a16:creationId xmlns:a16="http://schemas.microsoft.com/office/drawing/2014/main" id="{7C39CB1E-8220-4BC4-BDCB-DE71DF9ED8AE}"/>
+                </a:ext>
+              </a:extLst>
+            </p:cNvPr>
+            <p:cNvSpPr>
+              <a:spLocks/>
+            </p:cNvSpPr>
+            <p:nvPr userDrawn="1"/>
+          </p:nvSpPr>
+          <p:spPr bwMode="auto">
+            <a:xfrm rot="10800000" flipH="1">
+              <a:off x="0" y="-5"/>
+              <a:ext cx="6600056" cy="836713"/>
+            </a:xfrm>
+            <a:prstGeom prst="rtTriangle">
+              <a:avLst/>
+            </a:prstGeom>
+            <a:blipFill>
+              <a:blip r:embed="rId2">
+                <a:alphaModFix amt="50000"/>
+              </a:blip>
+              <a:tile tx="0" ty="0" sx="50000" sy="50000" flip="none" algn="t"/>
+            </a:blipFill>
+            <a:ln w="12700" cap="rnd" cmpd="thickThin" algn="ctr">
+              <a:noFill/>
+              <a:prstDash val="solid"/>
+            </a:ln>
+            <a:effectLst>
+              <a:fillOverlay blend="mult">
+                <a:gradFill flip="none" rotWithShape="1">
+                  <a:gsLst>
+                    <a:gs pos="0">
+                      <a:schemeClr val="accent1">
+                        <a:shade val="20000"/>
+                        <a:satMod val="176000"/>
+                        <a:alpha val="100000"/>
+                      </a:schemeClr>
+                    </a:gs>
+                    <a:gs pos="18000">
+                      <a:schemeClr val="accent1">
+                        <a:shade val="48000"/>
+                        <a:satMod val="153000"/>
+                        <a:alpha val="100000"/>
+                      </a:schemeClr>
+                    </a:gs>
+                    <a:gs pos="43000">
+                      <a:schemeClr val="accent1">
+                        <a:tint val="86000"/>
+                        <a:satMod val="149000"/>
+                        <a:alpha val="100000"/>
+                      </a:schemeClr>
+                    </a:gs>
+                    <a:gs pos="45000">
+                      <a:schemeClr val="accent1">
+                        <a:tint val="85000"/>
+                        <a:satMod val="150000"/>
+                        <a:alpha val="100000"/>
+                      </a:schemeClr>
+                    </a:gs>
+                    <a:gs pos="50000">
+                      <a:schemeClr val="accent1">
+                        <a:tint val="86000"/>
+                        <a:satMod val="149000"/>
+                        <a:alpha val="100000"/>
+                      </a:schemeClr>
+                    </a:gs>
+                    <a:gs pos="79000">
+                      <a:schemeClr val="accent1">
+                        <a:shade val="53000"/>
+                        <a:satMod val="150000"/>
+                        <a:alpha val="100000"/>
+                      </a:schemeClr>
+                    </a:gs>
+                    <a:gs pos="100000">
+                      <a:schemeClr val="accent1">
+                        <a:shade val="25000"/>
+                        <a:satMod val="170000"/>
+                        <a:alpha val="100000"/>
+                      </a:schemeClr>
+                    </a:gs>
+                  </a:gsLst>
+                  <a:lin ang="450000" scaled="1"/>
+                  <a:tileRect/>
+                </a:gradFill>
+              </a:fillOverlay>
+            </a:effectLst>
+          </p:spPr>
+          <p:style>
+            <a:lnRef idx="3">
+              <a:schemeClr val="lt1"/>
+            </a:lnRef>
+            <a:fillRef idx="1">
+              <a:schemeClr val="accent1"/>
+            </a:fillRef>
+            <a:effectRef idx="1">
+              <a:schemeClr val="accent1"/>
+            </a:effectRef>
+            <a:fontRef idx="minor">
+              <a:schemeClr val="lt1"/>
+            </a:fontRef>
+          </p:style>
+          <p:txBody>
+            <a:bodyPr vert="horz" wrap="square" lIns="91440" tIns="45720" rIns="91440" bIns="45720" anchor="ctr" compatLnSpc="1"/>
+            <a:lstStyle/>
+            <a:p>
+              <a:pPr algn="ctr" eaLnBrk="1" latinLnBrk="0" hangingPunct="1"/>
+              <a:endParaRPr kumimoji="0" lang="en-US" sz="1800"/>
+            </a:p>
+          </p:txBody>
+        </p:sp>
+        <p:sp>
+          <p:nvSpPr>
+            <p:cNvPr id="20" name="Forma livre 12">
+              <a:extLst>
+                <a:ext uri="{FF2B5EF4-FFF2-40B4-BE49-F238E27FC236}">
+                  <a16:creationId xmlns:a16="http://schemas.microsoft.com/office/drawing/2014/main" id="{95D45DB9-3748-4530-B3E8-0FAE1719478C}"/>
+                </a:ext>
+              </a:extLst>
+            </p:cNvPr>
+            <p:cNvSpPr>
+              <a:spLocks/>
+            </p:cNvSpPr>
+            <p:nvPr userDrawn="1"/>
+          </p:nvSpPr>
+          <p:spPr bwMode="auto">
+            <a:xfrm flipV="1">
+              <a:off x="-2" y="0"/>
+              <a:ext cx="12192002" cy="892452"/>
+            </a:xfrm>
+            <a:custGeom>
+              <a:avLst>
+                <a:gd name="A1" fmla="val 0"/>
+                <a:gd name="A2" fmla="val 0"/>
+                <a:gd name="A3" fmla="val 0"/>
+                <a:gd name="A4" fmla="val 0"/>
+                <a:gd name="A5" fmla="val 0"/>
+                <a:gd name="A6" fmla="val 0"/>
+                <a:gd name="A7" fmla="val 0"/>
+                <a:gd name="A8" fmla="val 0"/>
+              </a:avLst>
+              <a:gdLst/>
+              <a:ahLst/>
+              <a:cxnLst>
+                <a:cxn ang="0">
+                  <a:pos x="0" y="0"/>
+                </a:cxn>
+                <a:cxn ang="0">
+                  <a:pos x="5760" y="0"/>
+                </a:cxn>
+                <a:cxn ang="0">
+                  <a:pos x="5760" y="528"/>
+                </a:cxn>
+                <a:cxn ang="0">
+                  <a:pos x="48" y="0"/>
+                </a:cxn>
+              </a:cxnLst>
+              <a:rect l="0" t="0" r="0" b="0"/>
+              <a:pathLst>
+                <a:path w="7485" h="337">
+                  <a:moveTo>
+                    <a:pt x="0" y="2"/>
+                  </a:moveTo>
+                  <a:lnTo>
+                    <a:pt x="7485" y="337"/>
+                  </a:lnTo>
+                  <a:lnTo>
+                    <a:pt x="5558" y="337"/>
+                  </a:lnTo>
+                  <a:lnTo>
+                    <a:pt x="1" y="0"/>
+                  </a:lnTo>
+                </a:path>
+              </a:pathLst>
+            </a:custGeom>
+            <a:solidFill>
+              <a:schemeClr val="accent1">
+                <a:tint val="65000"/>
+                <a:satMod val="115000"/>
+                <a:alpha val="40000"/>
+              </a:schemeClr>
+            </a:solidFill>
+            <a:ln w="9525" cap="flat" cmpd="sng" algn="ctr">
+              <a:noFill/>
+              <a:prstDash val="solid"/>
+              <a:round/>
+              <a:headEnd type="none" w="med" len="med"/>
+              <a:tailEnd type="none" w="med" len="med"/>
+            </a:ln>
+            <a:effectLst/>
+          </p:spPr>
+          <p:txBody>
+            <a:bodyPr vert="horz" wrap="square" lIns="91440" tIns="45720" rIns="91440" bIns="45720" anchor="t" compatLnSpc="1"/>
+            <a:lstStyle/>
+            <a:p>
+              <a:endParaRPr kumimoji="0" lang="en-US" sz="1800"/>
+            </a:p>
+          </p:txBody>
+        </p:sp>
+      </p:grpSp>
+      <p:sp>
+        <p:nvSpPr>
+          <p:cNvPr id="26" name="TextBox 20">
+            <a:extLst>
+              <a:ext uri="{FF2B5EF4-FFF2-40B4-BE49-F238E27FC236}">
+                <a16:creationId xmlns:a16="http://schemas.microsoft.com/office/drawing/2014/main" id="{F61D294B-2C65-4696-958B-C6DB13778D4D}"/>
+              </a:ext>
+            </a:extLst>
+          </p:cNvPr>
+          <p:cNvSpPr txBox="1"/>
+          <p:nvPr userDrawn="1"/>
+        </p:nvSpPr>
+        <p:spPr>
+          <a:xfrm>
+            <a:off x="983432" y="6274667"/>
+            <a:ext cx="2877344" cy="369332"/>
+          </a:xfrm>
+          <a:prstGeom prst="rect">
+            <a:avLst/>
+          </a:prstGeom>
+          <a:noFill/>
+        </p:spPr>
+        <p:txBody>
+          <a:bodyPr wrap="square" rtlCol="0">
+            <a:spAutoFit/>
+          </a:bodyPr>
+          <a:lstStyle/>
+          <a:p>
+            <a:pPr algn="r"/>
+            <a:r>
+              <a:rPr lang="pt-BR" sz="1800" dirty="0">
+                <a:solidFill>
+                  <a:schemeClr val="tx1"/>
+                </a:solidFill>
+              </a:rPr>
+              <a:t>Judson</a:t>
+            </a:r>
+            <a:r>
+              <a:rPr lang="pt-BR" sz="1800" baseline="0" dirty="0">
+                <a:solidFill>
+                  <a:schemeClr val="tx1"/>
+                </a:solidFill>
+              </a:rPr>
+              <a:t> Santos Santiago</a:t>
+            </a:r>
+            <a:endParaRPr lang="pt-BR" sz="1800" dirty="0">
+              <a:solidFill>
+                <a:schemeClr val="tx1"/>
+              </a:solidFill>
+            </a:endParaRPr>
+          </a:p>
+        </p:txBody>
+      </p:sp>
       <p:sp>
         <p:nvSpPr>
           <p:cNvPr id="11" name="Triângulo retângulo 9">
@@ -1246,348 +2453,6 @@
       </p:sp>
       <p:sp>
         <p:nvSpPr>
-          <p:cNvPr id="18" name="Forma livre 12">
-            <a:extLst>
-              <a:ext uri="{FF2B5EF4-FFF2-40B4-BE49-F238E27FC236}">
-                <a16:creationId xmlns:a16="http://schemas.microsoft.com/office/drawing/2014/main" id="{5A220385-B966-4253-843A-E451294CA1FD}"/>
-              </a:ext>
-            </a:extLst>
-          </p:cNvPr>
-          <p:cNvSpPr>
-            <a:spLocks/>
-          </p:cNvSpPr>
-          <p:nvPr userDrawn="1"/>
-        </p:nvSpPr>
-        <p:spPr bwMode="auto">
-          <a:xfrm>
-            <a:off x="-2" y="5186981"/>
-            <a:ext cx="12192002" cy="1671020"/>
-          </a:xfrm>
-          <a:custGeom>
-            <a:avLst>
-              <a:gd name="A1" fmla="val 0"/>
-              <a:gd name="A2" fmla="val 0"/>
-              <a:gd name="A3" fmla="val 0"/>
-              <a:gd name="A4" fmla="val 0"/>
-              <a:gd name="A5" fmla="val 0"/>
-              <a:gd name="A6" fmla="val 0"/>
-              <a:gd name="A7" fmla="val 0"/>
-              <a:gd name="A8" fmla="val 0"/>
-            </a:avLst>
-            <a:gdLst/>
-            <a:ahLst/>
-            <a:cxnLst>
-              <a:cxn ang="0">
-                <a:pos x="0" y="0"/>
-              </a:cxn>
-              <a:cxn ang="0">
-                <a:pos x="5760" y="0"/>
-              </a:cxn>
-              <a:cxn ang="0">
-                <a:pos x="5760" y="528"/>
-              </a:cxn>
-              <a:cxn ang="0">
-                <a:pos x="48" y="0"/>
-              </a:cxn>
-            </a:cxnLst>
-            <a:rect l="0" t="0" r="0" b="0"/>
-            <a:pathLst>
-              <a:path w="7485" h="337">
-                <a:moveTo>
-                  <a:pt x="0" y="2"/>
-                </a:moveTo>
-                <a:lnTo>
-                  <a:pt x="7485" y="337"/>
-                </a:lnTo>
-                <a:lnTo>
-                  <a:pt x="5558" y="337"/>
-                </a:lnTo>
-                <a:lnTo>
-                  <a:pt x="1" y="0"/>
-                </a:lnTo>
-              </a:path>
-            </a:pathLst>
-          </a:custGeom>
-          <a:solidFill>
-            <a:schemeClr val="accent1">
-              <a:tint val="65000"/>
-              <a:satMod val="115000"/>
-              <a:alpha val="40000"/>
-            </a:schemeClr>
-          </a:solidFill>
-          <a:ln w="9525" cap="flat" cmpd="sng" algn="ctr">
-            <a:noFill/>
-            <a:prstDash val="solid"/>
-            <a:round/>
-            <a:headEnd type="none" w="med" len="med"/>
-            <a:tailEnd type="none" w="med" len="med"/>
-          </a:ln>
-          <a:effectLst/>
-        </p:spPr>
-        <p:txBody>
-          <a:bodyPr vert="horz" wrap="square" lIns="91440" tIns="45720" rIns="91440" bIns="45720" anchor="t" compatLnSpc="1"/>
-          <a:lstStyle/>
-          <a:p>
-            <a:endParaRPr kumimoji="0" lang="en-US" sz="1800"/>
-          </a:p>
-        </p:txBody>
-      </p:sp>
-      <p:sp>
-        <p:nvSpPr>
-          <p:cNvPr id="21" name="Triângulo retângulo 13">
-            <a:extLst>
-              <a:ext uri="{FF2B5EF4-FFF2-40B4-BE49-F238E27FC236}">
-                <a16:creationId xmlns:a16="http://schemas.microsoft.com/office/drawing/2014/main" id="{C29DE278-AE37-49F2-B1EA-B8D92DF3162B}"/>
-              </a:ext>
-            </a:extLst>
-          </p:cNvPr>
-          <p:cNvSpPr>
-            <a:spLocks/>
-          </p:cNvSpPr>
-          <p:nvPr userDrawn="1"/>
-        </p:nvSpPr>
-        <p:spPr bwMode="auto">
-          <a:xfrm>
-            <a:off x="-2" y="5142592"/>
-            <a:ext cx="9192346" cy="1715408"/>
-          </a:xfrm>
-          <a:prstGeom prst="rtTriangle">
-            <a:avLst/>
-          </a:prstGeom>
-          <a:blipFill>
-            <a:blip r:embed="rId2">
-              <a:alphaModFix amt="50000"/>
-            </a:blip>
-            <a:tile tx="0" ty="0" sx="50000" sy="50000" flip="none" algn="t"/>
-          </a:blipFill>
-          <a:ln w="12700" cap="rnd" cmpd="thickThin" algn="ctr">
-            <a:noFill/>
-            <a:prstDash val="solid"/>
-          </a:ln>
-          <a:effectLst>
-            <a:fillOverlay blend="mult">
-              <a:gradFill flip="none" rotWithShape="1">
-                <a:gsLst>
-                  <a:gs pos="0">
-                    <a:schemeClr val="accent1">
-                      <a:shade val="20000"/>
-                      <a:satMod val="176000"/>
-                      <a:alpha val="100000"/>
-                    </a:schemeClr>
-                  </a:gs>
-                  <a:gs pos="18000">
-                    <a:schemeClr val="accent1">
-                      <a:shade val="48000"/>
-                      <a:satMod val="153000"/>
-                      <a:alpha val="100000"/>
-                    </a:schemeClr>
-                  </a:gs>
-                  <a:gs pos="43000">
-                    <a:schemeClr val="accent1">
-                      <a:tint val="86000"/>
-                      <a:satMod val="149000"/>
-                      <a:alpha val="100000"/>
-                    </a:schemeClr>
-                  </a:gs>
-                  <a:gs pos="45000">
-                    <a:schemeClr val="accent1">
-                      <a:tint val="85000"/>
-                      <a:satMod val="150000"/>
-                      <a:alpha val="100000"/>
-                    </a:schemeClr>
-                  </a:gs>
-                  <a:gs pos="50000">
-                    <a:schemeClr val="accent1">
-                      <a:tint val="86000"/>
-                      <a:satMod val="149000"/>
-                      <a:alpha val="100000"/>
-                    </a:schemeClr>
-                  </a:gs>
-                  <a:gs pos="79000">
-                    <a:schemeClr val="accent1">
-                      <a:shade val="53000"/>
-                      <a:satMod val="150000"/>
-                      <a:alpha val="100000"/>
-                    </a:schemeClr>
-                  </a:gs>
-                  <a:gs pos="100000">
-                    <a:schemeClr val="accent1">
-                      <a:shade val="25000"/>
-                      <a:satMod val="170000"/>
-                      <a:alpha val="100000"/>
-                    </a:schemeClr>
-                  </a:gs>
-                </a:gsLst>
-                <a:lin ang="450000" scaled="1"/>
-                <a:tileRect/>
-              </a:gradFill>
-            </a:fillOverlay>
-          </a:effectLst>
-        </p:spPr>
-        <p:style>
-          <a:lnRef idx="3">
-            <a:schemeClr val="lt1"/>
-          </a:lnRef>
-          <a:fillRef idx="1">
-            <a:schemeClr val="accent1"/>
-          </a:fillRef>
-          <a:effectRef idx="1">
-            <a:schemeClr val="accent1"/>
-          </a:effectRef>
-          <a:fontRef idx="minor">
-            <a:schemeClr val="lt1"/>
-          </a:fontRef>
-        </p:style>
-        <p:txBody>
-          <a:bodyPr vert="horz" wrap="square" lIns="91440" tIns="45720" rIns="91440" bIns="45720" anchor="ctr" compatLnSpc="1"/>
-          <a:lstStyle/>
-          <a:p>
-            <a:pPr algn="ctr" eaLnBrk="1" latinLnBrk="0" hangingPunct="1"/>
-            <a:endParaRPr kumimoji="0" lang="en-US" sz="1800" dirty="0"/>
-          </a:p>
-        </p:txBody>
-      </p:sp>
-      <p:sp>
-        <p:nvSpPr>
-          <p:cNvPr id="22" name="TextBox 20">
-            <a:extLst>
-              <a:ext uri="{FF2B5EF4-FFF2-40B4-BE49-F238E27FC236}">
-                <a16:creationId xmlns:a16="http://schemas.microsoft.com/office/drawing/2014/main" id="{2DF81AB9-4C7D-4120-814B-47469CF05A96}"/>
-              </a:ext>
-            </a:extLst>
-          </p:cNvPr>
-          <p:cNvSpPr txBox="1"/>
-          <p:nvPr userDrawn="1"/>
-        </p:nvSpPr>
-        <p:spPr>
-          <a:xfrm>
-            <a:off x="983432" y="6274667"/>
-            <a:ext cx="2877344" cy="369332"/>
-          </a:xfrm>
-          <a:prstGeom prst="rect">
-            <a:avLst/>
-          </a:prstGeom>
-          <a:noFill/>
-        </p:spPr>
-        <p:txBody>
-          <a:bodyPr wrap="square" rtlCol="0">
-            <a:spAutoFit/>
-          </a:bodyPr>
-          <a:lstStyle/>
-          <a:p>
-            <a:pPr algn="r"/>
-            <a:r>
-              <a:rPr lang="pt-BR" sz="1800" dirty="0">
-                <a:solidFill>
-                  <a:schemeClr val="tx1"/>
-                </a:solidFill>
-              </a:rPr>
-              <a:t>Judson</a:t>
-            </a:r>
-            <a:r>
-              <a:rPr lang="pt-BR" sz="1800" baseline="0" dirty="0">
-                <a:solidFill>
-                  <a:schemeClr val="tx1"/>
-                </a:solidFill>
-              </a:rPr>
-              <a:t> Santos Santiago</a:t>
-            </a:r>
-            <a:endParaRPr lang="pt-BR" sz="1800" dirty="0">
-              <a:solidFill>
-                <a:schemeClr val="tx1"/>
-              </a:solidFill>
-            </a:endParaRPr>
-          </a:p>
-        </p:txBody>
-      </p:sp>
-      <p:sp>
-        <p:nvSpPr>
-          <p:cNvPr id="23" name="Forma livre 11">
-            <a:extLst>
-              <a:ext uri="{FF2B5EF4-FFF2-40B4-BE49-F238E27FC236}">
-                <a16:creationId xmlns:a16="http://schemas.microsoft.com/office/drawing/2014/main" id="{A39B90EC-6902-4928-A585-C9D2050A0516}"/>
-              </a:ext>
-            </a:extLst>
-          </p:cNvPr>
-          <p:cNvSpPr>
-            <a:spLocks/>
-          </p:cNvSpPr>
-          <p:nvPr userDrawn="1"/>
-        </p:nvSpPr>
-        <p:spPr bwMode="auto">
-          <a:xfrm>
-            <a:off x="-2" y="5142592"/>
-            <a:ext cx="9408370" cy="1728726"/>
-          </a:xfrm>
-          <a:custGeom>
-            <a:avLst>
-              <a:gd name="A1" fmla="val 0"/>
-              <a:gd name="A2" fmla="val 0"/>
-              <a:gd name="A3" fmla="val 0"/>
-              <a:gd name="A4" fmla="val 0"/>
-              <a:gd name="A5" fmla="val 0"/>
-              <a:gd name="A6" fmla="val 0"/>
-              <a:gd name="A7" fmla="val 0"/>
-              <a:gd name="A8" fmla="val 0"/>
-            </a:avLst>
-            <a:gdLst/>
-            <a:ahLst/>
-            <a:cxnLst>
-              <a:cxn ang="0">
-                <a:pos x="0" y="0"/>
-              </a:cxn>
-              <a:cxn ang="0">
-                <a:pos x="5760" y="0"/>
-              </a:cxn>
-              <a:cxn ang="0">
-                <a:pos x="5760" y="528"/>
-              </a:cxn>
-              <a:cxn ang="0">
-                <a:pos x="48" y="0"/>
-              </a:cxn>
-            </a:cxnLst>
-            <a:rect l="0" t="0" r="0" b="0"/>
-            <a:pathLst>
-              <a:path w="5591" h="588">
-                <a:moveTo>
-                  <a:pt x="0" y="0"/>
-                </a:moveTo>
-                <a:lnTo>
-                  <a:pt x="5591" y="585"/>
-                </a:lnTo>
-                <a:lnTo>
-                  <a:pt x="4415" y="588"/>
-                </a:lnTo>
-                <a:lnTo>
-                  <a:pt x="12" y="4"/>
-                </a:lnTo>
-              </a:path>
-            </a:pathLst>
-          </a:custGeom>
-          <a:solidFill>
-            <a:srgbClr val="000000">
-              <a:alpha val="100000"/>
-            </a:srgbClr>
-          </a:solidFill>
-          <a:ln w="9525" cap="flat" cmpd="sng" algn="ctr">
-            <a:noFill/>
-            <a:prstDash val="solid"/>
-            <a:round/>
-            <a:headEnd type="none" w="med" len="med"/>
-            <a:tailEnd type="none" w="med" len="med"/>
-          </a:ln>
-          <a:effectLst/>
-        </p:spPr>
-        <p:txBody>
-          <a:bodyPr vert="horz" wrap="square" lIns="91440" tIns="45720" rIns="91440" bIns="45720" anchor="t" compatLnSpc="1"/>
-          <a:lstStyle/>
-          <a:p>
-            <a:endParaRPr kumimoji="0" lang="en-US" sz="1800"/>
-          </a:p>
-        </p:txBody>
-      </p:sp>
-      <p:sp>
-        <p:nvSpPr>
           <p:cNvPr id="24" name="Título 8">
             <a:extLst>
               <a:ext uri="{FF2B5EF4-FFF2-40B4-BE49-F238E27FC236}">
@@ -1841,7 +2706,7 @@
             <a:fld id="{B41ABA4E-CD72-497B-97AA-7213B3980F60}" type="datetimeFigureOut">
               <a:rPr lang="en-US" smtClean="0"/>
               <a:pPr/>
-              <a:t>5/29/2019</a:t>
+              <a:t>8/18/2021</a:t>
             </a:fld>
             <a:endParaRPr lang="en-US" dirty="0"/>
           </a:p>
@@ -2018,7 +2883,7 @@
             <a:fld id="{B41ABA4E-CD72-497B-97AA-7213B3980F60}" type="datetimeFigureOut">
               <a:rPr lang="en-US" smtClean="0"/>
               <a:pPr/>
-              <a:t>5/29/2019</a:t>
+              <a:t>8/18/2021</a:t>
             </a:fld>
             <a:endParaRPr lang="en-US" dirty="0"/>
           </a:p>
@@ -2214,7 +3079,7 @@
             <a:fld id="{B41ABA4E-CD72-497B-97AA-7213B3980F60}" type="datetimeFigureOut">
               <a:rPr lang="en-US" smtClean="0"/>
               <a:pPr/>
-              <a:t>5/29/2019</a:t>
+              <a:t>8/18/2021</a:t>
             </a:fld>
             <a:endParaRPr lang="en-US" dirty="0"/>
           </a:p>
@@ -2475,7 +3340,7 @@
             <a:fld id="{B41ABA4E-CD72-497B-97AA-7213B3980F60}" type="datetimeFigureOut">
               <a:rPr lang="en-US" smtClean="0"/>
               <a:pPr/>
-              <a:t>5/29/2019</a:t>
+              <a:t>8/18/2021</a:t>
             </a:fld>
             <a:endParaRPr lang="en-US" dirty="0"/>
           </a:p>
@@ -2876,7 +3741,7 @@
             <a:fld id="{B41ABA4E-CD72-497B-97AA-7213B3980F60}" type="datetimeFigureOut">
               <a:rPr lang="en-US" smtClean="0"/>
               <a:pPr/>
-              <a:t>5/29/2019</a:t>
+              <a:t>8/18/2021</a:t>
             </a:fld>
             <a:endParaRPr lang="en-US" dirty="0"/>
           </a:p>
@@ -3316,7 +4181,7 @@
             <a:fld id="{B41ABA4E-CD72-497B-97AA-7213B3980F60}" type="datetimeFigureOut">
               <a:rPr lang="en-US" smtClean="0"/>
               <a:pPr/>
-              <a:t>5/29/2019</a:t>
+              <a:t>8/18/2021</a:t>
             </a:fld>
             <a:endParaRPr lang="en-US" dirty="0"/>
           </a:p>
@@ -3413,7 +4278,7 @@
             <a:fld id="{B41ABA4E-CD72-497B-97AA-7213B3980F60}" type="datetimeFigureOut">
               <a:rPr lang="en-US" smtClean="0"/>
               <a:pPr/>
-              <a:t>5/29/2019</a:t>
+              <a:t>8/18/2021</a:t>
             </a:fld>
             <a:endParaRPr lang="en-US" dirty="0"/>
           </a:p>
@@ -3528,7 +4393,7 @@
             <a:fld id="{B41ABA4E-CD72-497B-97AA-7213B3980F60}" type="datetimeFigureOut">
               <a:rPr lang="en-US" smtClean="0"/>
               <a:pPr/>
-              <a:t>5/29/2019</a:t>
+              <a:t>8/18/2021</a:t>
             </a:fld>
             <a:endParaRPr lang="en-US" dirty="0"/>
           </a:p>
@@ -3798,7 +4663,7 @@
             <a:fld id="{B41ABA4E-CD72-497B-97AA-7213B3980F60}" type="datetimeFigureOut">
               <a:rPr lang="en-US" smtClean="0"/>
               <a:pPr/>
-              <a:t>5/29/2019</a:t>
+              <a:t>8/18/2021</a:t>
             </a:fld>
             <a:endParaRPr lang="en-US" dirty="0"/>
           </a:p>
@@ -4001,7 +4866,7 @@
             <a:fld id="{B41ABA4E-CD72-497B-97AA-7213B3980F60}" type="datetimeFigureOut">
               <a:rPr lang="en-US" smtClean="0"/>
               <a:pPr/>
-              <a:t>5/29/2019</a:t>
+              <a:t>8/18/2021</a:t>
             </a:fld>
             <a:endParaRPr lang="en-US" dirty="0"/>
           </a:p>
@@ -4636,178 +5501,22 @@
       </p:grpSpPr>
       <p:sp>
         <p:nvSpPr>
-          <p:cNvPr id="13" name="Forma livre 12"/>
+          <p:cNvPr id="17" name="Triângulo retângulo 13">
+            <a:extLst>
+              <a:ext uri="{FF2B5EF4-FFF2-40B4-BE49-F238E27FC236}">
+                <a16:creationId xmlns:a16="http://schemas.microsoft.com/office/drawing/2014/main" id="{D61314BE-E4E6-4EC6-AC3F-4DE0375FFD55}"/>
+              </a:ext>
+            </a:extLst>
+          </p:cNvPr>
           <p:cNvSpPr>
             <a:spLocks/>
           </p:cNvSpPr>
-          <p:nvPr/>
+          <p:nvPr userDrawn="1"/>
         </p:nvSpPr>
         <p:spPr bwMode="auto">
-          <a:xfrm>
-            <a:off x="665698" y="6405474"/>
-            <a:ext cx="4086153" cy="460538"/>
-          </a:xfrm>
-          <a:custGeom>
-            <a:avLst>
-              <a:gd name="A1" fmla="val 0"/>
-              <a:gd name="A2" fmla="val 0"/>
-              <a:gd name="A3" fmla="val 0"/>
-              <a:gd name="A4" fmla="val 0"/>
-              <a:gd name="A5" fmla="val 0"/>
-              <a:gd name="A6" fmla="val 0"/>
-              <a:gd name="A7" fmla="val 0"/>
-              <a:gd name="A8" fmla="val 0"/>
-            </a:avLst>
-            <a:gdLst/>
-            <a:ahLst/>
-            <a:cxnLst>
-              <a:cxn ang="0">
-                <a:pos x="0" y="0"/>
-              </a:cxn>
-              <a:cxn ang="0">
-                <a:pos x="5760" y="0"/>
-              </a:cxn>
-              <a:cxn ang="0">
-                <a:pos x="5760" y="528"/>
-              </a:cxn>
-              <a:cxn ang="0">
-                <a:pos x="48" y="0"/>
-              </a:cxn>
-            </a:cxnLst>
-            <a:rect l="0" t="0" r="0" b="0"/>
-            <a:pathLst>
-              <a:path w="7485" h="337">
-                <a:moveTo>
-                  <a:pt x="0" y="2"/>
-                </a:moveTo>
-                <a:lnTo>
-                  <a:pt x="7485" y="337"/>
-                </a:lnTo>
-                <a:lnTo>
-                  <a:pt x="5558" y="337"/>
-                </a:lnTo>
-                <a:lnTo>
-                  <a:pt x="1" y="0"/>
-                </a:lnTo>
-              </a:path>
-            </a:pathLst>
-          </a:custGeom>
-          <a:solidFill>
-            <a:schemeClr val="accent1">
-              <a:tint val="65000"/>
-              <a:satMod val="115000"/>
-              <a:alpha val="40000"/>
-            </a:schemeClr>
-          </a:solidFill>
-          <a:ln w="9525" cap="flat" cmpd="sng" algn="ctr">
-            <a:noFill/>
-            <a:prstDash val="solid"/>
-            <a:round/>
-            <a:headEnd type="none" w="med" len="med"/>
-            <a:tailEnd type="none" w="med" len="med"/>
-          </a:ln>
-          <a:effectLst/>
-        </p:spPr>
-        <p:txBody>
-          <a:bodyPr vert="horz" wrap="square" lIns="91440" tIns="45720" rIns="91440" bIns="45720" anchor="t" compatLnSpc="1"/>
-          <a:lstStyle/>
-          <a:p>
-            <a:endParaRPr kumimoji="0" lang="en-US" sz="1800"/>
-          </a:p>
-        </p:txBody>
-      </p:sp>
-      <p:sp>
-        <p:nvSpPr>
-          <p:cNvPr id="12" name="Forma livre 11"/>
-          <p:cNvSpPr>
-            <a:spLocks/>
-          </p:cNvSpPr>
-          <p:nvPr/>
-        </p:nvSpPr>
-        <p:spPr bwMode="auto">
-          <a:xfrm>
-            <a:off x="647624" y="6418660"/>
-            <a:ext cx="3052195" cy="447352"/>
-          </a:xfrm>
-          <a:custGeom>
-            <a:avLst>
-              <a:gd name="A1" fmla="val 0"/>
-              <a:gd name="A2" fmla="val 0"/>
-              <a:gd name="A3" fmla="val 0"/>
-              <a:gd name="A4" fmla="val 0"/>
-              <a:gd name="A5" fmla="val 0"/>
-              <a:gd name="A6" fmla="val 0"/>
-              <a:gd name="A7" fmla="val 0"/>
-              <a:gd name="A8" fmla="val 0"/>
-            </a:avLst>
-            <a:gdLst/>
-            <a:ahLst/>
-            <a:cxnLst>
-              <a:cxn ang="0">
-                <a:pos x="0" y="0"/>
-              </a:cxn>
-              <a:cxn ang="0">
-                <a:pos x="5760" y="0"/>
-              </a:cxn>
-              <a:cxn ang="0">
-                <a:pos x="5760" y="528"/>
-              </a:cxn>
-              <a:cxn ang="0">
-                <a:pos x="48" y="0"/>
-              </a:cxn>
-            </a:cxnLst>
-            <a:rect l="0" t="0" r="0" b="0"/>
-            <a:pathLst>
-              <a:path w="5591" h="588">
-                <a:moveTo>
-                  <a:pt x="0" y="0"/>
-                </a:moveTo>
-                <a:lnTo>
-                  <a:pt x="5591" y="585"/>
-                </a:lnTo>
-                <a:lnTo>
-                  <a:pt x="4415" y="588"/>
-                </a:lnTo>
-                <a:lnTo>
-                  <a:pt x="12" y="4"/>
-                </a:lnTo>
-              </a:path>
-            </a:pathLst>
-          </a:custGeom>
-          <a:solidFill>
-            <a:srgbClr val="000000">
-              <a:alpha val="100000"/>
-            </a:srgbClr>
-          </a:solidFill>
-          <a:ln w="9525" cap="flat" cmpd="sng" algn="ctr">
-            <a:noFill/>
-            <a:prstDash val="solid"/>
-            <a:round/>
-            <a:headEnd type="none" w="med" len="med"/>
-            <a:tailEnd type="none" w="med" len="med"/>
-          </a:ln>
-          <a:effectLst/>
-        </p:spPr>
-        <p:txBody>
-          <a:bodyPr vert="horz" wrap="square" lIns="91440" tIns="45720" rIns="91440" bIns="45720" anchor="t" compatLnSpc="1"/>
-          <a:lstStyle/>
-          <a:p>
-            <a:endParaRPr kumimoji="0" lang="en-US" sz="1800"/>
-          </a:p>
-        </p:txBody>
-      </p:sp>
-      <p:sp>
-        <p:nvSpPr>
-          <p:cNvPr id="14" name="Triângulo retângulo 13"/>
-          <p:cNvSpPr>
-            <a:spLocks/>
-          </p:cNvSpPr>
-          <p:nvPr/>
-        </p:nvSpPr>
-        <p:spPr bwMode="auto">
-          <a:xfrm>
-            <a:off x="-8056" y="6331687"/>
-            <a:ext cx="2813891" cy="540434"/>
+          <a:xfrm rot="10800000">
+            <a:off x="6600056" y="-2"/>
+            <a:ext cx="5600000" cy="836713"/>
           </a:xfrm>
           <a:prstGeom prst="rtTriangle">
             <a:avLst/>
@@ -5042,7 +5751,7 @@
             <a:fld id="{B41ABA4E-CD72-497B-97AA-7213B3980F60}" type="datetimeFigureOut">
               <a:rPr lang="en-US" smtClean="0"/>
               <a:pPr/>
-              <a:t>5/29/2019</a:t>
+              <a:t>8/18/2021</a:t>
             </a:fld>
             <a:endParaRPr lang="en-US" dirty="0"/>
           </a:p>
@@ -5125,6 +5834,316 @@
           </a:p>
         </p:txBody>
       </p:sp>
+      <p:grpSp>
+        <p:nvGrpSpPr>
+          <p:cNvPr id="24" name="Agrupar 23">
+            <a:extLst>
+              <a:ext uri="{FF2B5EF4-FFF2-40B4-BE49-F238E27FC236}">
+                <a16:creationId xmlns:a16="http://schemas.microsoft.com/office/drawing/2014/main" id="{02FC378C-C5A8-404C-87C8-712BCD841C59}"/>
+              </a:ext>
+            </a:extLst>
+          </p:cNvPr>
+          <p:cNvGrpSpPr/>
+          <p:nvPr userDrawn="1"/>
+        </p:nvGrpSpPr>
+        <p:grpSpPr>
+          <a:xfrm>
+            <a:off x="0" y="6007292"/>
+            <a:ext cx="5591944" cy="850708"/>
+            <a:chOff x="0" y="6317566"/>
+            <a:chExt cx="4759907" cy="540434"/>
+          </a:xfrm>
+        </p:grpSpPr>
+        <p:sp>
+          <p:nvSpPr>
+            <p:cNvPr id="25" name="Forma livre 12">
+              <a:extLst>
+                <a:ext uri="{FF2B5EF4-FFF2-40B4-BE49-F238E27FC236}">
+                  <a16:creationId xmlns:a16="http://schemas.microsoft.com/office/drawing/2014/main" id="{BC4B59E1-C9C2-4792-80A4-04CE9B3F4303}"/>
+                </a:ext>
+              </a:extLst>
+            </p:cNvPr>
+            <p:cNvSpPr>
+              <a:spLocks/>
+            </p:cNvSpPr>
+            <p:nvPr/>
+          </p:nvSpPr>
+          <p:spPr bwMode="auto">
+            <a:xfrm>
+              <a:off x="673754" y="6391353"/>
+              <a:ext cx="4086153" cy="460538"/>
+            </a:xfrm>
+            <a:custGeom>
+              <a:avLst>
+                <a:gd name="A1" fmla="val 0"/>
+                <a:gd name="A2" fmla="val 0"/>
+                <a:gd name="A3" fmla="val 0"/>
+                <a:gd name="A4" fmla="val 0"/>
+                <a:gd name="A5" fmla="val 0"/>
+                <a:gd name="A6" fmla="val 0"/>
+                <a:gd name="A7" fmla="val 0"/>
+                <a:gd name="A8" fmla="val 0"/>
+              </a:avLst>
+              <a:gdLst/>
+              <a:ahLst/>
+              <a:cxnLst>
+                <a:cxn ang="0">
+                  <a:pos x="0" y="0"/>
+                </a:cxn>
+                <a:cxn ang="0">
+                  <a:pos x="5760" y="0"/>
+                </a:cxn>
+                <a:cxn ang="0">
+                  <a:pos x="5760" y="528"/>
+                </a:cxn>
+                <a:cxn ang="0">
+                  <a:pos x="48" y="0"/>
+                </a:cxn>
+              </a:cxnLst>
+              <a:rect l="0" t="0" r="0" b="0"/>
+              <a:pathLst>
+                <a:path w="7485" h="337">
+                  <a:moveTo>
+                    <a:pt x="0" y="2"/>
+                  </a:moveTo>
+                  <a:lnTo>
+                    <a:pt x="7485" y="337"/>
+                  </a:lnTo>
+                  <a:lnTo>
+                    <a:pt x="5558" y="337"/>
+                  </a:lnTo>
+                  <a:lnTo>
+                    <a:pt x="1" y="0"/>
+                  </a:lnTo>
+                </a:path>
+              </a:pathLst>
+            </a:custGeom>
+            <a:solidFill>
+              <a:schemeClr val="accent1">
+                <a:tint val="65000"/>
+                <a:satMod val="115000"/>
+                <a:alpha val="40000"/>
+              </a:schemeClr>
+            </a:solidFill>
+            <a:ln w="9525" cap="flat" cmpd="sng" algn="ctr">
+              <a:noFill/>
+              <a:prstDash val="solid"/>
+              <a:round/>
+              <a:headEnd type="none" w="med" len="med"/>
+              <a:tailEnd type="none" w="med" len="med"/>
+            </a:ln>
+            <a:effectLst/>
+          </p:spPr>
+          <p:txBody>
+            <a:bodyPr vert="horz" wrap="square" lIns="91440" tIns="45720" rIns="91440" bIns="45720" anchor="t" compatLnSpc="1"/>
+            <a:lstStyle/>
+            <a:p>
+              <a:endParaRPr kumimoji="0" lang="en-US" sz="1800"/>
+            </a:p>
+          </p:txBody>
+        </p:sp>
+        <p:sp>
+          <p:nvSpPr>
+            <p:cNvPr id="26" name="Forma livre 11">
+              <a:extLst>
+                <a:ext uri="{FF2B5EF4-FFF2-40B4-BE49-F238E27FC236}">
+                  <a16:creationId xmlns:a16="http://schemas.microsoft.com/office/drawing/2014/main" id="{25EA2675-8659-49CE-B87C-3CBA42A76525}"/>
+                </a:ext>
+              </a:extLst>
+            </p:cNvPr>
+            <p:cNvSpPr>
+              <a:spLocks/>
+            </p:cNvSpPr>
+            <p:nvPr/>
+          </p:nvSpPr>
+          <p:spPr bwMode="auto">
+            <a:xfrm>
+              <a:off x="655680" y="6404539"/>
+              <a:ext cx="3052195" cy="447352"/>
+            </a:xfrm>
+            <a:custGeom>
+              <a:avLst>
+                <a:gd name="A1" fmla="val 0"/>
+                <a:gd name="A2" fmla="val 0"/>
+                <a:gd name="A3" fmla="val 0"/>
+                <a:gd name="A4" fmla="val 0"/>
+                <a:gd name="A5" fmla="val 0"/>
+                <a:gd name="A6" fmla="val 0"/>
+                <a:gd name="A7" fmla="val 0"/>
+                <a:gd name="A8" fmla="val 0"/>
+              </a:avLst>
+              <a:gdLst/>
+              <a:ahLst/>
+              <a:cxnLst>
+                <a:cxn ang="0">
+                  <a:pos x="0" y="0"/>
+                </a:cxn>
+                <a:cxn ang="0">
+                  <a:pos x="5760" y="0"/>
+                </a:cxn>
+                <a:cxn ang="0">
+                  <a:pos x="5760" y="528"/>
+                </a:cxn>
+                <a:cxn ang="0">
+                  <a:pos x="48" y="0"/>
+                </a:cxn>
+              </a:cxnLst>
+              <a:rect l="0" t="0" r="0" b="0"/>
+              <a:pathLst>
+                <a:path w="5591" h="588">
+                  <a:moveTo>
+                    <a:pt x="0" y="0"/>
+                  </a:moveTo>
+                  <a:lnTo>
+                    <a:pt x="5591" y="585"/>
+                  </a:lnTo>
+                  <a:lnTo>
+                    <a:pt x="4415" y="588"/>
+                  </a:lnTo>
+                  <a:lnTo>
+                    <a:pt x="12" y="4"/>
+                  </a:lnTo>
+                </a:path>
+              </a:pathLst>
+            </a:custGeom>
+            <a:solidFill>
+              <a:srgbClr val="000000">
+                <a:alpha val="100000"/>
+              </a:srgbClr>
+            </a:solidFill>
+            <a:ln w="9525" cap="flat" cmpd="sng" algn="ctr">
+              <a:noFill/>
+              <a:prstDash val="solid"/>
+              <a:round/>
+              <a:headEnd type="none" w="med" len="med"/>
+              <a:tailEnd type="none" w="med" len="med"/>
+            </a:ln>
+            <a:effectLst/>
+          </p:spPr>
+          <p:txBody>
+            <a:bodyPr vert="horz" wrap="square" lIns="91440" tIns="45720" rIns="91440" bIns="45720" anchor="t" compatLnSpc="1"/>
+            <a:lstStyle/>
+            <a:p>
+              <a:endParaRPr kumimoji="0" lang="en-US" sz="1800"/>
+            </a:p>
+          </p:txBody>
+        </p:sp>
+        <p:sp>
+          <p:nvSpPr>
+            <p:cNvPr id="27" name="Triângulo retângulo 13">
+              <a:extLst>
+                <a:ext uri="{FF2B5EF4-FFF2-40B4-BE49-F238E27FC236}">
+                  <a16:creationId xmlns:a16="http://schemas.microsoft.com/office/drawing/2014/main" id="{44636549-F640-4411-901B-60125E5E7C24}"/>
+                </a:ext>
+              </a:extLst>
+            </p:cNvPr>
+            <p:cNvSpPr>
+              <a:spLocks/>
+            </p:cNvSpPr>
+            <p:nvPr/>
+          </p:nvSpPr>
+          <p:spPr bwMode="auto">
+            <a:xfrm>
+              <a:off x="0" y="6317566"/>
+              <a:ext cx="2813891" cy="540434"/>
+            </a:xfrm>
+            <a:prstGeom prst="rtTriangle">
+              <a:avLst/>
+            </a:prstGeom>
+            <a:blipFill>
+              <a:blip r:embed="rId13">
+                <a:alphaModFix amt="50000"/>
+              </a:blip>
+              <a:tile tx="0" ty="0" sx="50000" sy="50000" flip="none" algn="t"/>
+            </a:blipFill>
+            <a:ln w="12700" cap="rnd" cmpd="thickThin" algn="ctr">
+              <a:noFill/>
+              <a:prstDash val="solid"/>
+            </a:ln>
+            <a:effectLst>
+              <a:fillOverlay blend="mult">
+                <a:gradFill flip="none" rotWithShape="1">
+                  <a:gsLst>
+                    <a:gs pos="0">
+                      <a:schemeClr val="accent1">
+                        <a:shade val="20000"/>
+                        <a:satMod val="176000"/>
+                        <a:alpha val="100000"/>
+                      </a:schemeClr>
+                    </a:gs>
+                    <a:gs pos="18000">
+                      <a:schemeClr val="accent1">
+                        <a:shade val="48000"/>
+                        <a:satMod val="153000"/>
+                        <a:alpha val="100000"/>
+                      </a:schemeClr>
+                    </a:gs>
+                    <a:gs pos="43000">
+                      <a:schemeClr val="accent1">
+                        <a:tint val="86000"/>
+                        <a:satMod val="149000"/>
+                        <a:alpha val="100000"/>
+                      </a:schemeClr>
+                    </a:gs>
+                    <a:gs pos="45000">
+                      <a:schemeClr val="accent1">
+                        <a:tint val="85000"/>
+                        <a:satMod val="150000"/>
+                        <a:alpha val="100000"/>
+                      </a:schemeClr>
+                    </a:gs>
+                    <a:gs pos="50000">
+                      <a:schemeClr val="accent1">
+                        <a:tint val="86000"/>
+                        <a:satMod val="149000"/>
+                        <a:alpha val="100000"/>
+                      </a:schemeClr>
+                    </a:gs>
+                    <a:gs pos="79000">
+                      <a:schemeClr val="accent1">
+                        <a:shade val="53000"/>
+                        <a:satMod val="150000"/>
+                        <a:alpha val="100000"/>
+                      </a:schemeClr>
+                    </a:gs>
+                    <a:gs pos="100000">
+                      <a:schemeClr val="accent1">
+                        <a:shade val="25000"/>
+                        <a:satMod val="170000"/>
+                        <a:alpha val="100000"/>
+                      </a:schemeClr>
+                    </a:gs>
+                  </a:gsLst>
+                  <a:lin ang="450000" scaled="1"/>
+                  <a:tileRect/>
+                </a:gradFill>
+              </a:fillOverlay>
+            </a:effectLst>
+          </p:spPr>
+          <p:style>
+            <a:lnRef idx="3">
+              <a:schemeClr val="lt1"/>
+            </a:lnRef>
+            <a:fillRef idx="1">
+              <a:schemeClr val="accent1"/>
+            </a:fillRef>
+            <a:effectRef idx="1">
+              <a:schemeClr val="accent1"/>
+            </a:effectRef>
+            <a:fontRef idx="minor">
+              <a:schemeClr val="lt1"/>
+            </a:fontRef>
+          </p:style>
+          <p:txBody>
+            <a:bodyPr vert="horz" wrap="square" lIns="91440" tIns="45720" rIns="91440" bIns="45720" anchor="ctr" compatLnSpc="1"/>
+            <a:lstStyle/>
+            <a:p>
+              <a:pPr algn="ctr" eaLnBrk="1" latinLnBrk="0" hangingPunct="1"/>
+              <a:endParaRPr kumimoji="0" lang="en-US" sz="1800"/>
+            </a:p>
+          </p:txBody>
+        </p:sp>
+      </p:grpSp>
     </p:spTree>
   </p:cSld>
   <p:clrMap bg1="lt1" tx1="dk1" bg2="lt2" tx2="dk2" accent1="accent1" accent2="accent2" accent3="accent3" accent4="accent4" accent5="accent5" accent6="accent6" hlink="hlink" folHlink="folHlink"/>
@@ -5467,11 +6486,13 @@
           </a:xfrm>
         </p:spPr>
         <p:txBody>
-          <a:bodyPr/>
+          <a:bodyPr>
+            <a:normAutofit/>
+          </a:bodyPr>
           <a:lstStyle/>
           <a:p>
             <a:r>
-              <a:rPr lang="pt-BR" dirty="0"/>
+              <a:rPr lang="pt-BR" sz="6600" dirty="0"/>
               <a:t>Gerenciador de Cena</a:t>
             </a:r>
           </a:p>
@@ -5494,21 +6515,23 @@
           </a:xfrm>
         </p:spPr>
         <p:txBody>
-          <a:bodyPr lIns="36000" rIns="36000"/>
+          <a:bodyPr lIns="36000" rIns="36000">
+            <a:normAutofit/>
+          </a:bodyPr>
           <a:lstStyle/>
           <a:p>
             <a:pPr marL="109728" indent="0">
               <a:buNone/>
             </a:pPr>
             <a:r>
-              <a:rPr lang="pt-BR" dirty="0">
+              <a:rPr lang="pt-BR" sz="3600" dirty="0">
                 <a:solidFill>
                   <a:schemeClr val="accent1">
                     <a:lumMod val="50000"/>
                   </a:schemeClr>
                 </a:solidFill>
               </a:rPr>
-              <a:t>Desenvolvimento de Jogos</a:t>
+              <a:t>Programação de Jogos</a:t>
             </a:r>
           </a:p>
         </p:txBody>
@@ -5555,7 +6578,14 @@
           <a:p>
             <a:r>
               <a:rPr lang="pt-BR" dirty="0"/>
-              <a:t>Um jogo 2D é composto por um grande número de objetos que precisam ser </a:t>
+              <a:t>Um jogo é composto por um grande número de </a:t>
+            </a:r>
+            <a:br>
+              <a:rPr lang="pt-BR" dirty="0"/>
+            </a:br>
+            <a:r>
+              <a:rPr lang="pt-BR" dirty="0"/>
+              <a:t>objetos que precisam ser </a:t>
             </a:r>
             <a:r>
               <a:rPr lang="pt-BR" dirty="0">
@@ -5567,6 +6597,15 @@
               </a:rPr>
               <a:t>atualizados e desenhados </a:t>
             </a:r>
+            <a:br>
+              <a:rPr lang="pt-BR" dirty="0">
+                <a:solidFill>
+                  <a:schemeClr val="accent1">
+                    <a:lumMod val="75000"/>
+                  </a:schemeClr>
+                </a:solidFill>
+              </a:rPr>
+            </a:br>
             <a:r>
               <a:rPr lang="pt-BR" dirty="0"/>
               <a:t>a cada quadro</a:t>
@@ -5611,8 +6650,8 @@
         </p:nvGrpSpPr>
         <p:grpSpPr>
           <a:xfrm>
-            <a:off x="2711624" y="2852936"/>
-            <a:ext cx="6414485" cy="3564396"/>
+            <a:off x="3542561" y="3097382"/>
+            <a:ext cx="5106879" cy="2837787"/>
             <a:chOff x="2403463" y="2852936"/>
             <a:chExt cx="6414485" cy="3564396"/>
           </a:xfrm>
@@ -6676,7 +7715,7 @@
         </p:nvSpPr>
         <p:spPr>
           <a:xfrm>
-            <a:off x="9310761" y="3226103"/>
+            <a:off x="8946848" y="3382811"/>
             <a:ext cx="779381" cy="369332"/>
           </a:xfrm>
           <a:prstGeom prst="rect">
@@ -6718,7 +7757,7 @@
         </p:nvSpPr>
         <p:spPr>
           <a:xfrm>
-            <a:off x="7275010" y="6027502"/>
+            <a:off x="7281545" y="5584966"/>
             <a:ext cx="851515" cy="369332"/>
           </a:xfrm>
           <a:prstGeom prst="rect">
@@ -6753,7 +7792,7 @@
         </p:nvSpPr>
         <p:spPr>
           <a:xfrm>
-            <a:off x="4661258" y="5519473"/>
+            <a:off x="4867320" y="5160716"/>
             <a:ext cx="580608" cy="369332"/>
           </a:xfrm>
           <a:prstGeom prst="rect">
@@ -6790,7 +7829,7 @@
         </p:nvCxnSpPr>
         <p:spPr>
           <a:xfrm rot="10800000">
-            <a:off x="5241866" y="5704139"/>
+            <a:off x="5447928" y="5345382"/>
             <a:ext cx="625476" cy="165794"/>
           </a:xfrm>
           <a:prstGeom prst="bentConnector3">
@@ -6830,7 +7869,7 @@
         </p:nvCxnSpPr>
         <p:spPr>
           <a:xfrm>
-            <a:off x="6528048" y="6212168"/>
+            <a:off x="6534583" y="5769632"/>
             <a:ext cx="746962" cy="0"/>
           </a:xfrm>
           <a:prstGeom prst="straightConnector1">
@@ -6868,7 +7907,7 @@
         </p:nvCxnSpPr>
         <p:spPr>
           <a:xfrm>
-            <a:off x="8555309" y="3410769"/>
+            <a:off x="8191396" y="3567477"/>
             <a:ext cx="746962" cy="0"/>
           </a:xfrm>
           <a:prstGeom prst="straightConnector1">
@@ -6908,6 +7947,9 @@
   <p:clrMapOvr>
     <a:masterClrMapping/>
   </p:clrMapOvr>
+  <p:transition spd="slow">
+    <p:wipe/>
+  </p:transition>
 </p:sld>
 </file>
 
@@ -6959,7 +8001,14 @@
             </a:r>
             <a:r>
               <a:rPr lang="pt-BR" dirty="0"/>
-              <a:t>para representar objetos de um jogo simplifica a sua construção:</a:t>
+              <a:t>para representar objetos de </a:t>
+            </a:r>
+            <a:br>
+              <a:rPr lang="pt-BR" dirty="0"/>
+            </a:br>
+            <a:r>
+              <a:rPr lang="pt-BR" dirty="0"/>
+              <a:t>um jogo simplifica a sua construção:</a:t>
             </a:r>
           </a:p>
           <a:p>
@@ -6970,7 +8019,14 @@
             <a:pPr lvl="1"/>
             <a:r>
               <a:rPr lang="pt-BR" dirty="0"/>
-              <a:t>Todos os objetos são obrigados a implementar métodos para </a:t>
+              <a:t>Todos os objetos são obrigados a implementar </a:t>
+            </a:r>
+            <a:br>
+              <a:rPr lang="pt-BR" dirty="0"/>
+            </a:br>
+            <a:r>
+              <a:rPr lang="pt-BR" dirty="0"/>
+              <a:t>métodos para </a:t>
             </a:r>
             <a:r>
               <a:rPr lang="pt-BR" dirty="0">
@@ -7026,13 +8082,35 @@
             </a:br>
             <a:r>
               <a:rPr lang="pt-BR" dirty="0"/>
-              <a:t>Ex.: Player, Ball e </a:t>
-            </a:r>
-            <a:r>
-              <a:rPr lang="pt-BR" dirty="0" err="1"/>
+              <a:t>Ex.: </a:t>
+            </a:r>
+            <a:r>
+              <a:rPr lang="pt-BR" dirty="0">
+                <a:solidFill>
+                  <a:schemeClr val="accent2">
+                    <a:lumMod val="75000"/>
+                  </a:schemeClr>
+                </a:solidFill>
+              </a:rPr>
+              <a:t>Player, Ball e </a:t>
+            </a:r>
+            <a:r>
+              <a:rPr lang="pt-BR" dirty="0" err="1">
+                <a:solidFill>
+                  <a:schemeClr val="accent2">
+                    <a:lumMod val="75000"/>
+                  </a:schemeClr>
+                </a:solidFill>
+              </a:rPr>
               <a:t>Block</a:t>
             </a:r>
-            <a:endParaRPr lang="pt-BR" dirty="0"/>
+            <a:endParaRPr lang="pt-BR" dirty="0">
+              <a:solidFill>
+                <a:schemeClr val="accent2">
+                  <a:lumMod val="75000"/>
+                </a:schemeClr>
+              </a:solidFill>
+            </a:endParaRPr>
           </a:p>
         </p:txBody>
       </p:sp>
@@ -7066,10 +8144,10 @@
         </p:nvGrpSpPr>
         <p:grpSpPr>
           <a:xfrm>
-            <a:off x="8472264" y="3429000"/>
-            <a:ext cx="2304256" cy="2736304"/>
-            <a:chOff x="1199456" y="2924944"/>
-            <a:chExt cx="2304256" cy="2736304"/>
+            <a:off x="9048328" y="2780928"/>
+            <a:ext cx="2160240" cy="2736304"/>
+            <a:chOff x="1271464" y="2924944"/>
+            <a:chExt cx="2160240" cy="2736304"/>
           </a:xfrm>
         </p:grpSpPr>
         <p:sp>
@@ -7080,8 +8158,8 @@
           </p:nvSpPr>
           <p:spPr>
             <a:xfrm>
-              <a:off x="1199456" y="2924944"/>
-              <a:ext cx="2304256" cy="2736304"/>
+              <a:off x="1271464" y="2924944"/>
+              <a:ext cx="2160240" cy="2736304"/>
             </a:xfrm>
             <a:prstGeom prst="rect">
               <a:avLst/>
@@ -7112,7 +8190,7 @@
             <a:p>
               <a:pPr algn="ctr"/>
               <a:r>
-                <a:rPr lang="pt-BR" dirty="0" err="1">
+                <a:rPr lang="pt-BR" dirty="0">
                   <a:solidFill>
                     <a:schemeClr val="bg1">
                       <a:lumMod val="85000"/>
@@ -7289,7 +8367,7 @@
               <a:avLst/>
             </a:prstGeom>
             <a:noFill/>
-            <a:ln>
+            <a:ln w="19050">
               <a:solidFill>
                 <a:schemeClr val="accent1">
                   <a:lumMod val="75000"/>
@@ -7329,6 +8407,9 @@
   <p:clrMapOvr>
     <a:masterClrMapping/>
   </p:clrMapOvr>
+  <p:transition spd="slow">
+    <p:wipe/>
+  </p:transition>
 </p:sld>
 </file>
 
@@ -7366,7 +8447,7 @@
           <a:p>
             <a:r>
               <a:rPr lang="pt-BR" dirty="0"/>
-              <a:t>Se todos os objetos do jogo </a:t>
+              <a:t>Se todos os objetos </a:t>
             </a:r>
             <a:r>
               <a:rPr lang="pt-BR" dirty="0">
@@ -7376,21 +8457,18 @@
                   </a:schemeClr>
                 </a:solidFill>
               </a:rPr>
-              <a:t>derivam da classe </a:t>
-            </a:r>
-            <a:r>
-              <a:rPr lang="pt-BR" dirty="0" err="1">
-                <a:solidFill>
-                  <a:schemeClr val="accent1">
-                    <a:lumMod val="75000"/>
-                  </a:schemeClr>
-                </a:solidFill>
-              </a:rPr>
-              <a:t>Object</a:t>
+              <a:t>derivam da classe Object</a:t>
             </a:r>
             <a:r>
               <a:rPr lang="pt-BR" dirty="0"/>
-              <a:t>, podemos criar coleções de objetos:</a:t>
+              <a:t>, </a:t>
+            </a:r>
+            <a:br>
+              <a:rPr lang="pt-BR" dirty="0"/>
+            </a:br>
+            <a:r>
+              <a:rPr lang="pt-BR" dirty="0"/>
+              <a:t>podemos criar coleções de objetos:</a:t>
             </a:r>
           </a:p>
         </p:txBody>
@@ -7412,7 +8490,7 @@
           <a:p>
             <a:r>
               <a:rPr lang="pt-BR" dirty="0"/>
-              <a:t>Coleções de Objetos</a:t>
+              <a:t>Coleção de Objetos</a:t>
             </a:r>
           </a:p>
         </p:txBody>
@@ -7425,8 +8503,8 @@
         </p:nvSpPr>
         <p:spPr>
           <a:xfrm>
-            <a:off x="1010072" y="2643792"/>
-            <a:ext cx="6002800" cy="3416320"/>
+            <a:off x="1199456" y="2643792"/>
+            <a:ext cx="4365567" cy="3693319"/>
           </a:xfrm>
           <a:prstGeom prst="rect">
             <a:avLst/>
@@ -7478,7 +8556,7 @@
               <a:t>&lt;</a:t>
             </a:r>
             <a:r>
-              <a:rPr lang="pt-BR" dirty="0" err="1">
+              <a:rPr lang="pt-BR" dirty="0">
                 <a:solidFill>
                   <a:schemeClr val="accent1">
                     <a:lumMod val="75000"/>
@@ -7759,6 +8837,18 @@
             <a:r>
               <a:rPr lang="pt-BR" dirty="0">
                 <a:solidFill>
+                  <a:schemeClr val="accent1">
+                    <a:lumMod val="75000"/>
+                  </a:schemeClr>
+                </a:solidFill>
+                <a:latin typeface="Consolas" panose="020B0609020204030204" pitchFamily="49" charset="0"/>
+                <a:cs typeface="Consolas" panose="020B0609020204030204" pitchFamily="49" charset="0"/>
+              </a:rPr>
+              <a:t>for</a:t>
+            </a:r>
+            <a:r>
+              <a:rPr lang="pt-BR" dirty="0">
+                <a:solidFill>
                   <a:schemeClr val="bg1">
                     <a:lumMod val="85000"/>
                   </a:schemeClr>
@@ -7766,7 +8856,7 @@
                 <a:latin typeface="Consolas" panose="020B0609020204030204" pitchFamily="49" charset="0"/>
                 <a:cs typeface="Consolas" panose="020B0609020204030204" pitchFamily="49" charset="0"/>
               </a:rPr>
-              <a:t>for (</a:t>
+              <a:t> (</a:t>
             </a:r>
             <a:r>
               <a:rPr lang="pt-BR" dirty="0">
@@ -7858,245 +8948,36 @@
           </a:p>
         </p:txBody>
       </p:sp>
-      <p:sp>
-        <p:nvSpPr>
-          <p:cNvPr id="4" name="Retângulo 3"/>
-          <p:cNvSpPr/>
-          <p:nvPr/>
-        </p:nvSpPr>
-        <p:spPr>
-          <a:xfrm>
-            <a:off x="7320136" y="2924944"/>
-            <a:ext cx="648072" cy="312510"/>
-          </a:xfrm>
-          <a:prstGeom prst="rect">
-            <a:avLst/>
-          </a:prstGeom>
-          <a:solidFill>
-            <a:schemeClr val="accent1">
-              <a:lumMod val="50000"/>
-            </a:schemeClr>
-          </a:solidFill>
-        </p:spPr>
-        <p:style>
-          <a:lnRef idx="1">
-            <a:schemeClr val="accent1"/>
-          </a:lnRef>
-          <a:fillRef idx="2">
-            <a:schemeClr val="accent1"/>
-          </a:fillRef>
-          <a:effectRef idx="1">
-            <a:schemeClr val="accent1"/>
-          </a:effectRef>
-          <a:fontRef idx="minor">
-            <a:schemeClr val="dk1"/>
-          </a:fontRef>
-        </p:style>
-        <p:txBody>
-          <a:bodyPr rtlCol="0" anchor="ctr"/>
-          <a:lstStyle/>
-          <a:p>
-            <a:pPr algn="ctr"/>
-            <a:endParaRPr lang="pt-BR" dirty="0"/>
-          </a:p>
-        </p:txBody>
-      </p:sp>
-      <p:sp>
-        <p:nvSpPr>
-          <p:cNvPr id="7" name="Retângulo 6"/>
-          <p:cNvSpPr/>
-          <p:nvPr/>
-        </p:nvSpPr>
-        <p:spPr>
-          <a:xfrm>
-            <a:off x="7975910" y="2924944"/>
-            <a:ext cx="648072" cy="312510"/>
-          </a:xfrm>
-          <a:prstGeom prst="rect">
-            <a:avLst/>
-          </a:prstGeom>
-          <a:solidFill>
-            <a:schemeClr val="accent1">
-              <a:lumMod val="50000"/>
-            </a:schemeClr>
-          </a:solidFill>
-        </p:spPr>
-        <p:style>
-          <a:lnRef idx="1">
-            <a:schemeClr val="accent1"/>
-          </a:lnRef>
-          <a:fillRef idx="2">
-            <a:schemeClr val="accent1"/>
-          </a:fillRef>
-          <a:effectRef idx="1">
-            <a:schemeClr val="accent1"/>
-          </a:effectRef>
-          <a:fontRef idx="minor">
-            <a:schemeClr val="dk1"/>
-          </a:fontRef>
-        </p:style>
-        <p:txBody>
-          <a:bodyPr rtlCol="0" anchor="ctr"/>
-          <a:lstStyle/>
-          <a:p>
-            <a:pPr algn="ctr"/>
-            <a:endParaRPr lang="pt-BR"/>
-          </a:p>
-        </p:txBody>
-      </p:sp>
-      <p:sp>
-        <p:nvSpPr>
-          <p:cNvPr id="8" name="Retângulo 7"/>
-          <p:cNvSpPr/>
-          <p:nvPr/>
-        </p:nvSpPr>
-        <p:spPr>
-          <a:xfrm>
-            <a:off x="8630878" y="2924944"/>
-            <a:ext cx="648072" cy="312510"/>
-          </a:xfrm>
-          <a:prstGeom prst="rect">
-            <a:avLst/>
-          </a:prstGeom>
-          <a:solidFill>
-            <a:schemeClr val="accent1">
-              <a:lumMod val="50000"/>
-            </a:schemeClr>
-          </a:solidFill>
-        </p:spPr>
-        <p:style>
-          <a:lnRef idx="1">
-            <a:schemeClr val="accent1"/>
-          </a:lnRef>
-          <a:fillRef idx="2">
-            <a:schemeClr val="accent1"/>
-          </a:fillRef>
-          <a:effectRef idx="1">
-            <a:schemeClr val="accent1"/>
-          </a:effectRef>
-          <a:fontRef idx="minor">
-            <a:schemeClr val="dk1"/>
-          </a:fontRef>
-        </p:style>
-        <p:txBody>
-          <a:bodyPr rtlCol="0" anchor="ctr"/>
-          <a:lstStyle/>
-          <a:p>
-            <a:pPr algn="ctr"/>
-            <a:endParaRPr lang="pt-BR"/>
-          </a:p>
-        </p:txBody>
-      </p:sp>
-      <p:sp>
-        <p:nvSpPr>
-          <p:cNvPr id="9" name="Retângulo 8"/>
-          <p:cNvSpPr/>
-          <p:nvPr/>
-        </p:nvSpPr>
-        <p:spPr>
-          <a:xfrm>
-            <a:off x="9285846" y="2924944"/>
-            <a:ext cx="648072" cy="312510"/>
-          </a:xfrm>
-          <a:prstGeom prst="rect">
-            <a:avLst/>
-          </a:prstGeom>
-          <a:solidFill>
-            <a:schemeClr val="accent1">
-              <a:lumMod val="50000"/>
-            </a:schemeClr>
-          </a:solidFill>
-        </p:spPr>
-        <p:style>
-          <a:lnRef idx="1">
-            <a:schemeClr val="accent1"/>
-          </a:lnRef>
-          <a:fillRef idx="2">
-            <a:schemeClr val="accent1"/>
-          </a:fillRef>
-          <a:effectRef idx="1">
-            <a:schemeClr val="accent1"/>
-          </a:effectRef>
-          <a:fontRef idx="minor">
-            <a:schemeClr val="dk1"/>
-          </a:fontRef>
-        </p:style>
-        <p:txBody>
-          <a:bodyPr rtlCol="0" anchor="ctr"/>
-          <a:lstStyle/>
-          <a:p>
-            <a:pPr algn="ctr"/>
-            <a:endParaRPr lang="pt-BR"/>
-          </a:p>
-        </p:txBody>
-      </p:sp>
-      <p:sp>
-        <p:nvSpPr>
-          <p:cNvPr id="11" name="Retângulo 10"/>
-          <p:cNvSpPr/>
-          <p:nvPr/>
-        </p:nvSpPr>
-        <p:spPr>
-          <a:xfrm>
-            <a:off x="9933918" y="2924944"/>
-            <a:ext cx="648072" cy="312510"/>
-          </a:xfrm>
-          <a:prstGeom prst="rect">
-            <a:avLst/>
-          </a:prstGeom>
-          <a:solidFill>
-            <a:schemeClr val="accent1">
-              <a:lumMod val="50000"/>
-            </a:schemeClr>
-          </a:solidFill>
-        </p:spPr>
-        <p:style>
-          <a:lnRef idx="1">
-            <a:schemeClr val="accent1"/>
-          </a:lnRef>
-          <a:fillRef idx="2">
-            <a:schemeClr val="accent1"/>
-          </a:fillRef>
-          <a:effectRef idx="1">
-            <a:schemeClr val="accent1"/>
-          </a:effectRef>
-          <a:fontRef idx="minor">
-            <a:schemeClr val="dk1"/>
-          </a:fontRef>
-        </p:style>
-        <p:txBody>
-          <a:bodyPr rtlCol="0" anchor="ctr"/>
-          <a:lstStyle/>
-          <a:p>
-            <a:pPr algn="ctr"/>
-            <a:endParaRPr lang="pt-BR"/>
-          </a:p>
-        </p:txBody>
-      </p:sp>
       <p:grpSp>
         <p:nvGrpSpPr>
-          <p:cNvPr id="22" name="Grupo 21"/>
+          <p:cNvPr id="29" name="Agrupar 28">
+            <a:extLst>
+              <a:ext uri="{FF2B5EF4-FFF2-40B4-BE49-F238E27FC236}">
+                <a16:creationId xmlns:a16="http://schemas.microsoft.com/office/drawing/2014/main" id="{2EDF2E47-6D71-42F4-9387-F03DCA41C66A}"/>
+              </a:ext>
+            </a:extLst>
+          </p:cNvPr>
           <p:cNvGrpSpPr/>
           <p:nvPr/>
         </p:nvGrpSpPr>
         <p:grpSpPr>
           <a:xfrm>
-            <a:off x="7543861" y="4032419"/>
-            <a:ext cx="1512169" cy="2186894"/>
-            <a:chOff x="7843931" y="4005064"/>
-            <a:chExt cx="1512169" cy="2186894"/>
+            <a:off x="6131723" y="2536240"/>
+            <a:ext cx="4860821" cy="3683073"/>
+            <a:chOff x="5869535" y="2536240"/>
+            <a:chExt cx="4860821" cy="3683073"/>
           </a:xfrm>
         </p:grpSpPr>
         <p:sp>
           <p:nvSpPr>
-            <p:cNvPr id="17" name="Retângulo 16"/>
+            <p:cNvPr id="4" name="Retângulo 3"/>
             <p:cNvSpPr/>
             <p:nvPr/>
           </p:nvSpPr>
           <p:spPr>
             <a:xfrm>
-              <a:off x="7843931" y="4005064"/>
-              <a:ext cx="1512169" cy="2186894"/>
+              <a:off x="7320136" y="2924944"/>
+              <a:ext cx="648072" cy="312510"/>
             </a:xfrm>
             <a:prstGeom prst="rect">
               <a:avLst/>
@@ -8122,39 +9003,31 @@
             </a:fontRef>
           </p:style>
           <p:txBody>
-            <a:bodyPr lIns="288000" tIns="144000" rIns="288000" rtlCol="0" anchor="t"/>
+            <a:bodyPr rtlCol="0" anchor="ctr"/>
             <a:lstStyle/>
             <a:p>
               <a:pPr algn="ctr"/>
-              <a:endParaRPr lang="pt-BR" sz="1200" dirty="0">
-                <a:solidFill>
-                  <a:schemeClr val="bg1">
-                    <a:lumMod val="85000"/>
-                  </a:schemeClr>
-                </a:solidFill>
-                <a:latin typeface="Consolas" pitchFamily="49" charset="0"/>
-                <a:cs typeface="Consolas" pitchFamily="49" charset="0"/>
-              </a:endParaRPr>
+              <a:endParaRPr lang="pt-BR" dirty="0"/>
             </a:p>
           </p:txBody>
         </p:sp>
         <p:sp>
           <p:nvSpPr>
-            <p:cNvPr id="18" name="Retângulo 17"/>
+            <p:cNvPr id="7" name="Retângulo 6"/>
             <p:cNvSpPr/>
             <p:nvPr/>
           </p:nvSpPr>
           <p:spPr>
             <a:xfrm>
-              <a:off x="7951944" y="4767450"/>
-              <a:ext cx="1332148" cy="1303533"/>
+              <a:off x="7975910" y="2924944"/>
+              <a:ext cx="648072" cy="312510"/>
             </a:xfrm>
             <a:prstGeom prst="rect">
               <a:avLst/>
             </a:prstGeom>
             <a:solidFill>
               <a:schemeClr val="accent1">
-                <a:lumMod val="75000"/>
+                <a:lumMod val="50000"/>
               </a:schemeClr>
             </a:solidFill>
           </p:spPr>
@@ -8173,120 +9046,67 @@
             </a:fontRef>
           </p:style>
           <p:txBody>
-            <a:bodyPr lIns="0" tIns="0" rIns="0" bIns="0" rtlCol="0" anchor="ctr" anchorCtr="0"/>
+            <a:bodyPr rtlCol="0" anchor="ctr"/>
             <a:lstStyle/>
             <a:p>
-              <a:r>
-                <a:rPr lang="pt-BR" sz="1200" dirty="0">
-                  <a:solidFill>
-                    <a:schemeClr val="bg1"/>
-                  </a:solidFill>
-                  <a:latin typeface="Consolas" pitchFamily="49" charset="0"/>
-                  <a:cs typeface="Consolas" pitchFamily="49" charset="0"/>
-                </a:rPr>
-                <a:t>  </a:t>
-              </a:r>
-              <a:r>
-                <a:rPr lang="pt-BR" sz="1200" dirty="0" err="1">
-                  <a:solidFill>
-                    <a:schemeClr val="bg1"/>
-                  </a:solidFill>
-                  <a:latin typeface="Consolas" pitchFamily="49" charset="0"/>
-                  <a:cs typeface="Consolas" pitchFamily="49" charset="0"/>
-                </a:rPr>
-                <a:t>Translate</a:t>
-              </a:r>
-              <a:r>
-                <a:rPr lang="pt-BR" sz="1200" dirty="0">
-                  <a:solidFill>
-                    <a:schemeClr val="bg1"/>
-                  </a:solidFill>
-                  <a:latin typeface="Consolas" pitchFamily="49" charset="0"/>
-                  <a:cs typeface="Consolas" pitchFamily="49" charset="0"/>
-                </a:rPr>
-                <a:t>()</a:t>
-              </a:r>
-            </a:p>
-            <a:p>
-              <a:r>
-                <a:rPr lang="pt-BR" sz="1200" dirty="0">
-                  <a:solidFill>
-                    <a:schemeClr val="bg1"/>
-                  </a:solidFill>
-                  <a:latin typeface="Consolas" pitchFamily="49" charset="0"/>
-                  <a:cs typeface="Consolas" pitchFamily="49" charset="0"/>
-                </a:rPr>
-                <a:t>  </a:t>
-              </a:r>
-              <a:r>
-                <a:rPr lang="pt-BR" sz="1200" dirty="0" err="1">
-                  <a:solidFill>
-                    <a:schemeClr val="bg1"/>
-                  </a:solidFill>
-                  <a:latin typeface="Consolas" pitchFamily="49" charset="0"/>
-                  <a:cs typeface="Consolas" pitchFamily="49" charset="0"/>
-                </a:rPr>
-                <a:t>MoveTo</a:t>
-              </a:r>
-              <a:r>
-                <a:rPr lang="pt-BR" sz="1200" dirty="0">
-                  <a:solidFill>
-                    <a:schemeClr val="bg1"/>
-                  </a:solidFill>
-                  <a:latin typeface="Consolas" pitchFamily="49" charset="0"/>
-                  <a:cs typeface="Consolas" pitchFamily="49" charset="0"/>
-                </a:rPr>
-                <a:t>()</a:t>
-              </a:r>
-            </a:p>
-            <a:p>
-              <a:r>
-                <a:rPr lang="pt-BR" sz="1200" dirty="0">
-                  <a:solidFill>
-                    <a:schemeClr val="bg1"/>
-                  </a:solidFill>
-                  <a:latin typeface="Consolas" pitchFamily="49" charset="0"/>
-                  <a:cs typeface="Consolas" pitchFamily="49" charset="0"/>
-                </a:rPr>
-                <a:t>  </a:t>
-              </a:r>
-            </a:p>
-            <a:p>
-              <a:r>
-                <a:rPr lang="pt-BR" sz="1200" dirty="0">
-                  <a:solidFill>
-                    <a:schemeClr val="bg1"/>
-                  </a:solidFill>
-                  <a:latin typeface="Consolas" pitchFamily="49" charset="0"/>
-                  <a:cs typeface="Consolas" pitchFamily="49" charset="0"/>
-                </a:rPr>
-                <a:t>  Update()</a:t>
-              </a:r>
-            </a:p>
-            <a:p>
-              <a:r>
-                <a:rPr lang="pt-BR" sz="1200" dirty="0">
-                  <a:solidFill>
-                    <a:schemeClr val="bg1"/>
-                  </a:solidFill>
-                  <a:latin typeface="Consolas" pitchFamily="49" charset="0"/>
-                  <a:cs typeface="Consolas" pitchFamily="49" charset="0"/>
-                </a:rPr>
-                <a:t>  Draw()</a:t>
-              </a:r>
+              <a:pPr algn="ctr"/>
+              <a:endParaRPr lang="pt-BR"/>
             </a:p>
           </p:txBody>
         </p:sp>
         <p:sp>
           <p:nvSpPr>
-            <p:cNvPr id="13" name="Retângulo 12"/>
+            <p:cNvPr id="8" name="Retângulo 7"/>
             <p:cNvSpPr/>
             <p:nvPr/>
           </p:nvSpPr>
           <p:spPr>
             <a:xfrm>
-              <a:off x="7951944" y="4104865"/>
-              <a:ext cx="1332148" cy="547771"/>
+              <a:off x="8630878" y="2924944"/>
+              <a:ext cx="648072" cy="312510"/>
+            </a:xfrm>
+            <a:prstGeom prst="rect">
+              <a:avLst/>
+            </a:prstGeom>
+            <a:solidFill>
+              <a:schemeClr val="accent1">
+                <a:lumMod val="50000"/>
+              </a:schemeClr>
+            </a:solidFill>
+          </p:spPr>
+          <p:style>
+            <a:lnRef idx="1">
+              <a:schemeClr val="accent1"/>
+            </a:lnRef>
+            <a:fillRef idx="2">
+              <a:schemeClr val="accent1"/>
+            </a:fillRef>
+            <a:effectRef idx="1">
+              <a:schemeClr val="accent1"/>
+            </a:effectRef>
+            <a:fontRef idx="minor">
+              <a:schemeClr val="dk1"/>
+            </a:fontRef>
+          </p:style>
+          <p:txBody>
+            <a:bodyPr rtlCol="0" anchor="ctr"/>
+            <a:lstStyle/>
+            <a:p>
+              <a:pPr algn="ctr"/>
+              <a:endParaRPr lang="pt-BR"/>
+            </a:p>
+          </p:txBody>
+        </p:sp>
+        <p:sp>
+          <p:nvSpPr>
+            <p:cNvPr id="9" name="Retângulo 8"/>
+            <p:cNvSpPr/>
+            <p:nvPr/>
+          </p:nvSpPr>
+          <p:spPr>
+            <a:xfrm>
+              <a:off x="9285846" y="2924944"/>
+              <a:ext cx="648072" cy="312510"/>
             </a:xfrm>
             <a:prstGeom prst="rect">
               <a:avLst/>
@@ -8319,732 +9139,965 @@
               <a:r>
                 <a:rPr lang="pt-BR" dirty="0">
                   <a:solidFill>
+                    <a:schemeClr val="tx1"/>
+                  </a:solidFill>
+                </a:rPr>
+                <a:t>...</a:t>
+              </a:r>
+            </a:p>
+          </p:txBody>
+        </p:sp>
+        <p:grpSp>
+          <p:nvGrpSpPr>
+            <p:cNvPr id="22" name="Grupo 21"/>
+            <p:cNvGrpSpPr/>
+            <p:nvPr/>
+          </p:nvGrpSpPr>
+          <p:grpSpPr>
+            <a:xfrm>
+              <a:off x="7543861" y="4032419"/>
+              <a:ext cx="1512169" cy="2186894"/>
+              <a:chOff x="7843931" y="4005064"/>
+              <a:chExt cx="1512169" cy="2186894"/>
+            </a:xfrm>
+          </p:grpSpPr>
+          <p:sp>
+            <p:nvSpPr>
+              <p:cNvPr id="17" name="Retângulo 16"/>
+              <p:cNvSpPr/>
+              <p:nvPr/>
+            </p:nvSpPr>
+            <p:spPr>
+              <a:xfrm>
+                <a:off x="7843931" y="4005064"/>
+                <a:ext cx="1512169" cy="2186894"/>
+              </a:xfrm>
+              <a:prstGeom prst="rect">
+                <a:avLst/>
+              </a:prstGeom>
+              <a:solidFill>
+                <a:schemeClr val="accent1">
+                  <a:lumMod val="50000"/>
+                </a:schemeClr>
+              </a:solidFill>
+            </p:spPr>
+            <p:style>
+              <a:lnRef idx="1">
+                <a:schemeClr val="accent1"/>
+              </a:lnRef>
+              <a:fillRef idx="2">
+                <a:schemeClr val="accent1"/>
+              </a:fillRef>
+              <a:effectRef idx="1">
+                <a:schemeClr val="accent1"/>
+              </a:effectRef>
+              <a:fontRef idx="minor">
+                <a:schemeClr val="dk1"/>
+              </a:fontRef>
+            </p:style>
+            <p:txBody>
+              <a:bodyPr lIns="288000" tIns="144000" rIns="288000" rtlCol="0" anchor="t"/>
+              <a:lstStyle/>
+              <a:p>
+                <a:pPr algn="ctr"/>
+                <a:endParaRPr lang="pt-BR" sz="1200" dirty="0">
+                  <a:solidFill>
                     <a:schemeClr val="bg1">
                       <a:lumMod val="85000"/>
                     </a:schemeClr>
                   </a:solidFill>
-                </a:rPr>
-                <a:t>Ball</a:t>
-              </a:r>
-            </a:p>
-          </p:txBody>
-        </p:sp>
-      </p:grpSp>
-      <p:grpSp>
-        <p:nvGrpSpPr>
-          <p:cNvPr id="21" name="Grupo 20"/>
-          <p:cNvGrpSpPr/>
-          <p:nvPr/>
-        </p:nvGrpSpPr>
-        <p:grpSpPr>
-          <a:xfrm>
-            <a:off x="9218187" y="4024588"/>
-            <a:ext cx="1512169" cy="2186894"/>
-            <a:chOff x="9908074" y="4005064"/>
-            <a:chExt cx="1512169" cy="2186894"/>
-          </a:xfrm>
-        </p:grpSpPr>
+                  <a:latin typeface="Consolas" pitchFamily="49" charset="0"/>
+                  <a:cs typeface="Consolas" pitchFamily="49" charset="0"/>
+                </a:endParaRPr>
+              </a:p>
+            </p:txBody>
+          </p:sp>
+          <p:sp>
+            <p:nvSpPr>
+              <p:cNvPr id="18" name="Retângulo 17"/>
+              <p:cNvSpPr/>
+              <p:nvPr/>
+            </p:nvSpPr>
+            <p:spPr>
+              <a:xfrm>
+                <a:off x="7951944" y="4767450"/>
+                <a:ext cx="1332148" cy="1303533"/>
+              </a:xfrm>
+              <a:prstGeom prst="rect">
+                <a:avLst/>
+              </a:prstGeom>
+              <a:solidFill>
+                <a:schemeClr val="accent1">
+                  <a:lumMod val="75000"/>
+                </a:schemeClr>
+              </a:solidFill>
+            </p:spPr>
+            <p:style>
+              <a:lnRef idx="1">
+                <a:schemeClr val="accent1"/>
+              </a:lnRef>
+              <a:fillRef idx="2">
+                <a:schemeClr val="accent1"/>
+              </a:fillRef>
+              <a:effectRef idx="1">
+                <a:schemeClr val="accent1"/>
+              </a:effectRef>
+              <a:fontRef idx="minor">
+                <a:schemeClr val="dk1"/>
+              </a:fontRef>
+            </p:style>
+            <p:txBody>
+              <a:bodyPr lIns="0" tIns="0" rIns="0" bIns="0" rtlCol="0" anchor="ctr" anchorCtr="0"/>
+              <a:lstStyle/>
+              <a:p>
+                <a:r>
+                  <a:rPr lang="pt-BR" sz="1200" dirty="0">
+                    <a:solidFill>
+                      <a:schemeClr val="bg1"/>
+                    </a:solidFill>
+                    <a:latin typeface="Consolas" pitchFamily="49" charset="0"/>
+                    <a:cs typeface="Consolas" pitchFamily="49" charset="0"/>
+                  </a:rPr>
+                  <a:t>  </a:t>
+                </a:r>
+                <a:r>
+                  <a:rPr lang="pt-BR" sz="1200" dirty="0" err="1">
+                    <a:solidFill>
+                      <a:schemeClr val="bg1"/>
+                    </a:solidFill>
+                    <a:latin typeface="Consolas" pitchFamily="49" charset="0"/>
+                    <a:cs typeface="Consolas" pitchFamily="49" charset="0"/>
+                  </a:rPr>
+                  <a:t>Translate</a:t>
+                </a:r>
+                <a:r>
+                  <a:rPr lang="pt-BR" sz="1200" dirty="0">
+                    <a:solidFill>
+                      <a:schemeClr val="bg1"/>
+                    </a:solidFill>
+                    <a:latin typeface="Consolas" pitchFamily="49" charset="0"/>
+                    <a:cs typeface="Consolas" pitchFamily="49" charset="0"/>
+                  </a:rPr>
+                  <a:t>()</a:t>
+                </a:r>
+              </a:p>
+              <a:p>
+                <a:r>
+                  <a:rPr lang="pt-BR" sz="1200" dirty="0">
+                    <a:solidFill>
+                      <a:schemeClr val="bg1"/>
+                    </a:solidFill>
+                    <a:latin typeface="Consolas" pitchFamily="49" charset="0"/>
+                    <a:cs typeface="Consolas" pitchFamily="49" charset="0"/>
+                  </a:rPr>
+                  <a:t>  </a:t>
+                </a:r>
+                <a:r>
+                  <a:rPr lang="pt-BR" sz="1200" dirty="0" err="1">
+                    <a:solidFill>
+                      <a:schemeClr val="bg1"/>
+                    </a:solidFill>
+                    <a:latin typeface="Consolas" pitchFamily="49" charset="0"/>
+                    <a:cs typeface="Consolas" pitchFamily="49" charset="0"/>
+                  </a:rPr>
+                  <a:t>MoveTo</a:t>
+                </a:r>
+                <a:r>
+                  <a:rPr lang="pt-BR" sz="1200" dirty="0">
+                    <a:solidFill>
+                      <a:schemeClr val="bg1"/>
+                    </a:solidFill>
+                    <a:latin typeface="Consolas" pitchFamily="49" charset="0"/>
+                    <a:cs typeface="Consolas" pitchFamily="49" charset="0"/>
+                  </a:rPr>
+                  <a:t>()</a:t>
+                </a:r>
+              </a:p>
+              <a:p>
+                <a:r>
+                  <a:rPr lang="pt-BR" sz="1200" dirty="0">
+                    <a:solidFill>
+                      <a:schemeClr val="bg1"/>
+                    </a:solidFill>
+                    <a:latin typeface="Consolas" pitchFamily="49" charset="0"/>
+                    <a:cs typeface="Consolas" pitchFamily="49" charset="0"/>
+                  </a:rPr>
+                  <a:t>  </a:t>
+                </a:r>
+              </a:p>
+              <a:p>
+                <a:r>
+                  <a:rPr lang="pt-BR" sz="1200" dirty="0">
+                    <a:solidFill>
+                      <a:schemeClr val="bg1"/>
+                    </a:solidFill>
+                    <a:latin typeface="Consolas" pitchFamily="49" charset="0"/>
+                    <a:cs typeface="Consolas" pitchFamily="49" charset="0"/>
+                  </a:rPr>
+                  <a:t>  Update()</a:t>
+                </a:r>
+              </a:p>
+              <a:p>
+                <a:r>
+                  <a:rPr lang="pt-BR" sz="1200" dirty="0">
+                    <a:solidFill>
+                      <a:schemeClr val="bg1"/>
+                    </a:solidFill>
+                    <a:latin typeface="Consolas" pitchFamily="49" charset="0"/>
+                    <a:cs typeface="Consolas" pitchFamily="49" charset="0"/>
+                  </a:rPr>
+                  <a:t>  Draw()</a:t>
+                </a:r>
+              </a:p>
+            </p:txBody>
+          </p:sp>
+          <p:sp>
+            <p:nvSpPr>
+              <p:cNvPr id="13" name="Retângulo 12"/>
+              <p:cNvSpPr/>
+              <p:nvPr/>
+            </p:nvSpPr>
+            <p:spPr>
+              <a:xfrm>
+                <a:off x="7951944" y="4104865"/>
+                <a:ext cx="1332148" cy="547771"/>
+              </a:xfrm>
+              <a:prstGeom prst="rect">
+                <a:avLst/>
+              </a:prstGeom>
+              <a:solidFill>
+                <a:schemeClr val="accent1">
+                  <a:lumMod val="50000"/>
+                </a:schemeClr>
+              </a:solidFill>
+            </p:spPr>
+            <p:style>
+              <a:lnRef idx="1">
+                <a:schemeClr val="accent1"/>
+              </a:lnRef>
+              <a:fillRef idx="2">
+                <a:schemeClr val="accent1"/>
+              </a:fillRef>
+              <a:effectRef idx="1">
+                <a:schemeClr val="accent1"/>
+              </a:effectRef>
+              <a:fontRef idx="minor">
+                <a:schemeClr val="dk1"/>
+              </a:fontRef>
+            </p:style>
+            <p:txBody>
+              <a:bodyPr rtlCol="0" anchor="ctr"/>
+              <a:lstStyle/>
+              <a:p>
+                <a:pPr algn="ctr"/>
+                <a:r>
+                  <a:rPr lang="pt-BR" dirty="0">
+                    <a:solidFill>
+                      <a:schemeClr val="bg1">
+                        <a:lumMod val="85000"/>
+                      </a:schemeClr>
+                    </a:solidFill>
+                  </a:rPr>
+                  <a:t>Ball</a:t>
+                </a:r>
+              </a:p>
+            </p:txBody>
+          </p:sp>
+        </p:grpSp>
+        <p:grpSp>
+          <p:nvGrpSpPr>
+            <p:cNvPr id="21" name="Grupo 20"/>
+            <p:cNvGrpSpPr/>
+            <p:nvPr/>
+          </p:nvGrpSpPr>
+          <p:grpSpPr>
+            <a:xfrm>
+              <a:off x="9218187" y="4024588"/>
+              <a:ext cx="1512169" cy="2186894"/>
+              <a:chOff x="9908074" y="4005064"/>
+              <a:chExt cx="1512169" cy="2186894"/>
+            </a:xfrm>
+          </p:grpSpPr>
+          <p:sp>
+            <p:nvSpPr>
+              <p:cNvPr id="19" name="Retângulo 18"/>
+              <p:cNvSpPr/>
+              <p:nvPr/>
+            </p:nvSpPr>
+            <p:spPr>
+              <a:xfrm>
+                <a:off x="9908074" y="4005064"/>
+                <a:ext cx="1512169" cy="2186894"/>
+              </a:xfrm>
+              <a:prstGeom prst="rect">
+                <a:avLst/>
+              </a:prstGeom>
+              <a:solidFill>
+                <a:schemeClr val="accent1">
+                  <a:lumMod val="50000"/>
+                </a:schemeClr>
+              </a:solidFill>
+            </p:spPr>
+            <p:style>
+              <a:lnRef idx="1">
+                <a:schemeClr val="accent1"/>
+              </a:lnRef>
+              <a:fillRef idx="2">
+                <a:schemeClr val="accent1"/>
+              </a:fillRef>
+              <a:effectRef idx="1">
+                <a:schemeClr val="accent1"/>
+              </a:effectRef>
+              <a:fontRef idx="minor">
+                <a:schemeClr val="dk1"/>
+              </a:fontRef>
+            </p:style>
+            <p:txBody>
+              <a:bodyPr lIns="288000" tIns="144000" rIns="288000" rtlCol="0" anchor="t"/>
+              <a:lstStyle/>
+              <a:p>
+                <a:pPr algn="ctr"/>
+                <a:endParaRPr lang="pt-BR" sz="1200" dirty="0">
+                  <a:solidFill>
+                    <a:schemeClr val="bg1">
+                      <a:lumMod val="85000"/>
+                    </a:schemeClr>
+                  </a:solidFill>
+                  <a:latin typeface="Consolas" pitchFamily="49" charset="0"/>
+                  <a:cs typeface="Consolas" pitchFamily="49" charset="0"/>
+                </a:endParaRPr>
+              </a:p>
+            </p:txBody>
+          </p:sp>
+          <p:sp>
+            <p:nvSpPr>
+              <p:cNvPr id="20" name="Retângulo 19"/>
+              <p:cNvSpPr/>
+              <p:nvPr/>
+            </p:nvSpPr>
+            <p:spPr>
+              <a:xfrm>
+                <a:off x="10016087" y="4767450"/>
+                <a:ext cx="1332148" cy="1303533"/>
+              </a:xfrm>
+              <a:prstGeom prst="rect">
+                <a:avLst/>
+              </a:prstGeom>
+              <a:solidFill>
+                <a:schemeClr val="accent1">
+                  <a:lumMod val="75000"/>
+                </a:schemeClr>
+              </a:solidFill>
+            </p:spPr>
+            <p:style>
+              <a:lnRef idx="1">
+                <a:schemeClr val="accent1"/>
+              </a:lnRef>
+              <a:fillRef idx="2">
+                <a:schemeClr val="accent1"/>
+              </a:fillRef>
+              <a:effectRef idx="1">
+                <a:schemeClr val="accent1"/>
+              </a:effectRef>
+              <a:fontRef idx="minor">
+                <a:schemeClr val="dk1"/>
+              </a:fontRef>
+            </p:style>
+            <p:txBody>
+              <a:bodyPr lIns="0" tIns="0" rIns="0" bIns="0" rtlCol="0" anchor="ctr" anchorCtr="0"/>
+              <a:lstStyle/>
+              <a:p>
+                <a:r>
+                  <a:rPr lang="pt-BR" sz="1200" dirty="0">
+                    <a:solidFill>
+                      <a:schemeClr val="bg1"/>
+                    </a:solidFill>
+                    <a:latin typeface="Consolas" pitchFamily="49" charset="0"/>
+                    <a:cs typeface="Consolas" pitchFamily="49" charset="0"/>
+                  </a:rPr>
+                  <a:t>  </a:t>
+                </a:r>
+                <a:r>
+                  <a:rPr lang="pt-BR" sz="1200" dirty="0" err="1">
+                    <a:solidFill>
+                      <a:schemeClr val="bg1"/>
+                    </a:solidFill>
+                    <a:latin typeface="Consolas" pitchFamily="49" charset="0"/>
+                    <a:cs typeface="Consolas" pitchFamily="49" charset="0"/>
+                  </a:rPr>
+                  <a:t>Translate</a:t>
+                </a:r>
+                <a:r>
+                  <a:rPr lang="pt-BR" sz="1200" dirty="0">
+                    <a:solidFill>
+                      <a:schemeClr val="bg1"/>
+                    </a:solidFill>
+                    <a:latin typeface="Consolas" pitchFamily="49" charset="0"/>
+                    <a:cs typeface="Consolas" pitchFamily="49" charset="0"/>
+                  </a:rPr>
+                  <a:t>()</a:t>
+                </a:r>
+              </a:p>
+              <a:p>
+                <a:r>
+                  <a:rPr lang="pt-BR" sz="1200" dirty="0">
+                    <a:solidFill>
+                      <a:schemeClr val="bg1"/>
+                    </a:solidFill>
+                    <a:latin typeface="Consolas" pitchFamily="49" charset="0"/>
+                    <a:cs typeface="Consolas" pitchFamily="49" charset="0"/>
+                  </a:rPr>
+                  <a:t>  </a:t>
+                </a:r>
+                <a:r>
+                  <a:rPr lang="pt-BR" sz="1200" dirty="0" err="1">
+                    <a:solidFill>
+                      <a:schemeClr val="bg1"/>
+                    </a:solidFill>
+                    <a:latin typeface="Consolas" pitchFamily="49" charset="0"/>
+                    <a:cs typeface="Consolas" pitchFamily="49" charset="0"/>
+                  </a:rPr>
+                  <a:t>MoveTo</a:t>
+                </a:r>
+                <a:r>
+                  <a:rPr lang="pt-BR" sz="1200" dirty="0">
+                    <a:solidFill>
+                      <a:schemeClr val="bg1"/>
+                    </a:solidFill>
+                    <a:latin typeface="Consolas" pitchFamily="49" charset="0"/>
+                    <a:cs typeface="Consolas" pitchFamily="49" charset="0"/>
+                  </a:rPr>
+                  <a:t>()</a:t>
+                </a:r>
+              </a:p>
+              <a:p>
+                <a:r>
+                  <a:rPr lang="pt-BR" sz="1200" dirty="0">
+                    <a:solidFill>
+                      <a:schemeClr val="bg1"/>
+                    </a:solidFill>
+                    <a:latin typeface="Consolas" pitchFamily="49" charset="0"/>
+                    <a:cs typeface="Consolas" pitchFamily="49" charset="0"/>
+                  </a:rPr>
+                  <a:t>  </a:t>
+                </a:r>
+              </a:p>
+              <a:p>
+                <a:r>
+                  <a:rPr lang="pt-BR" sz="1200" dirty="0">
+                    <a:solidFill>
+                      <a:schemeClr val="bg1"/>
+                    </a:solidFill>
+                    <a:latin typeface="Consolas" pitchFamily="49" charset="0"/>
+                    <a:cs typeface="Consolas" pitchFamily="49" charset="0"/>
+                  </a:rPr>
+                  <a:t>  Update()</a:t>
+                </a:r>
+              </a:p>
+              <a:p>
+                <a:r>
+                  <a:rPr lang="pt-BR" sz="1200" dirty="0">
+                    <a:solidFill>
+                      <a:schemeClr val="bg1"/>
+                    </a:solidFill>
+                    <a:latin typeface="Consolas" pitchFamily="49" charset="0"/>
+                    <a:cs typeface="Consolas" pitchFamily="49" charset="0"/>
+                  </a:rPr>
+                  <a:t>  Draw()</a:t>
+                </a:r>
+              </a:p>
+            </p:txBody>
+          </p:sp>
+          <p:sp>
+            <p:nvSpPr>
+              <p:cNvPr id="14" name="Retângulo 13"/>
+              <p:cNvSpPr/>
+              <p:nvPr/>
+            </p:nvSpPr>
+            <p:spPr>
+              <a:xfrm>
+                <a:off x="10016087" y="4104866"/>
+                <a:ext cx="1332148" cy="547771"/>
+              </a:xfrm>
+              <a:prstGeom prst="rect">
+                <a:avLst/>
+              </a:prstGeom>
+              <a:solidFill>
+                <a:schemeClr val="accent1">
+                  <a:lumMod val="50000"/>
+                </a:schemeClr>
+              </a:solidFill>
+            </p:spPr>
+            <p:style>
+              <a:lnRef idx="1">
+                <a:schemeClr val="accent1"/>
+              </a:lnRef>
+              <a:fillRef idx="2">
+                <a:schemeClr val="accent1"/>
+              </a:fillRef>
+              <a:effectRef idx="1">
+                <a:schemeClr val="accent1"/>
+              </a:effectRef>
+              <a:fontRef idx="minor">
+                <a:schemeClr val="dk1"/>
+              </a:fontRef>
+            </p:style>
+            <p:txBody>
+              <a:bodyPr rtlCol="0" anchor="ctr"/>
+              <a:lstStyle/>
+              <a:p>
+                <a:pPr algn="ctr"/>
+                <a:r>
+                  <a:rPr lang="pt-BR" dirty="0" err="1">
+                    <a:solidFill>
+                      <a:schemeClr val="bg1">
+                        <a:lumMod val="85000"/>
+                      </a:schemeClr>
+                    </a:solidFill>
+                  </a:rPr>
+                  <a:t>Block</a:t>
+                </a:r>
+                <a:endParaRPr lang="pt-BR" dirty="0">
+                  <a:solidFill>
+                    <a:schemeClr val="bg1">
+                      <a:lumMod val="85000"/>
+                    </a:schemeClr>
+                  </a:solidFill>
+                </a:endParaRPr>
+              </a:p>
+            </p:txBody>
+          </p:sp>
+        </p:grpSp>
+        <p:grpSp>
+          <p:nvGrpSpPr>
+            <p:cNvPr id="23" name="Grupo 22"/>
+            <p:cNvGrpSpPr/>
+            <p:nvPr/>
+          </p:nvGrpSpPr>
+          <p:grpSpPr>
+            <a:xfrm>
+              <a:off x="5869535" y="4022832"/>
+              <a:ext cx="1512169" cy="2186894"/>
+              <a:chOff x="6095999" y="4005064"/>
+              <a:chExt cx="1512169" cy="2186894"/>
+            </a:xfrm>
+          </p:grpSpPr>
+          <p:sp>
+            <p:nvSpPr>
+              <p:cNvPr id="16" name="Retângulo 15"/>
+              <p:cNvSpPr/>
+              <p:nvPr/>
+            </p:nvSpPr>
+            <p:spPr>
+              <a:xfrm>
+                <a:off x="6095999" y="4005064"/>
+                <a:ext cx="1512169" cy="2186894"/>
+              </a:xfrm>
+              <a:prstGeom prst="rect">
+                <a:avLst/>
+              </a:prstGeom>
+              <a:solidFill>
+                <a:schemeClr val="accent1">
+                  <a:lumMod val="50000"/>
+                </a:schemeClr>
+              </a:solidFill>
+            </p:spPr>
+            <p:style>
+              <a:lnRef idx="1">
+                <a:schemeClr val="accent1"/>
+              </a:lnRef>
+              <a:fillRef idx="2">
+                <a:schemeClr val="accent1"/>
+              </a:fillRef>
+              <a:effectRef idx="1">
+                <a:schemeClr val="accent1"/>
+              </a:effectRef>
+              <a:fontRef idx="minor">
+                <a:schemeClr val="dk1"/>
+              </a:fontRef>
+            </p:style>
+            <p:txBody>
+              <a:bodyPr lIns="288000" tIns="144000" rIns="288000" rtlCol="0" anchor="t"/>
+              <a:lstStyle/>
+              <a:p>
+                <a:pPr algn="ctr"/>
+                <a:endParaRPr lang="pt-BR" sz="1200" dirty="0">
+                  <a:solidFill>
+                    <a:schemeClr val="bg1">
+                      <a:lumMod val="85000"/>
+                    </a:schemeClr>
+                  </a:solidFill>
+                  <a:latin typeface="Consolas" pitchFamily="49" charset="0"/>
+                  <a:cs typeface="Consolas" pitchFamily="49" charset="0"/>
+                </a:endParaRPr>
+              </a:p>
+            </p:txBody>
+          </p:sp>
+          <p:sp>
+            <p:nvSpPr>
+              <p:cNvPr id="12" name="Retângulo 11"/>
+              <p:cNvSpPr/>
+              <p:nvPr/>
+            </p:nvSpPr>
+            <p:spPr>
+              <a:xfrm>
+                <a:off x="6204012" y="4105364"/>
+                <a:ext cx="1332148" cy="547771"/>
+              </a:xfrm>
+              <a:prstGeom prst="rect">
+                <a:avLst/>
+              </a:prstGeom>
+              <a:solidFill>
+                <a:schemeClr val="accent1">
+                  <a:lumMod val="50000"/>
+                </a:schemeClr>
+              </a:solidFill>
+            </p:spPr>
+            <p:style>
+              <a:lnRef idx="1">
+                <a:schemeClr val="accent1"/>
+              </a:lnRef>
+              <a:fillRef idx="2">
+                <a:schemeClr val="accent1"/>
+              </a:fillRef>
+              <a:effectRef idx="1">
+                <a:schemeClr val="accent1"/>
+              </a:effectRef>
+              <a:fontRef idx="minor">
+                <a:schemeClr val="dk1"/>
+              </a:fontRef>
+            </p:style>
+            <p:txBody>
+              <a:bodyPr rtlCol="0" anchor="ctr"/>
+              <a:lstStyle/>
+              <a:p>
+                <a:pPr algn="ctr"/>
+                <a:r>
+                  <a:rPr lang="pt-BR" dirty="0">
+                    <a:solidFill>
+                      <a:schemeClr val="bg1">
+                        <a:lumMod val="85000"/>
+                      </a:schemeClr>
+                    </a:solidFill>
+                  </a:rPr>
+                  <a:t>Player</a:t>
+                </a:r>
+              </a:p>
+            </p:txBody>
+          </p:sp>
+          <p:sp>
+            <p:nvSpPr>
+              <p:cNvPr id="15" name="Retângulo 14"/>
+              <p:cNvSpPr/>
+              <p:nvPr/>
+            </p:nvSpPr>
+            <p:spPr>
+              <a:xfrm>
+                <a:off x="6204012" y="4767450"/>
+                <a:ext cx="1332148" cy="1303533"/>
+              </a:xfrm>
+              <a:prstGeom prst="rect">
+                <a:avLst/>
+              </a:prstGeom>
+              <a:solidFill>
+                <a:schemeClr val="accent1">
+                  <a:lumMod val="75000"/>
+                </a:schemeClr>
+              </a:solidFill>
+            </p:spPr>
+            <p:style>
+              <a:lnRef idx="1">
+                <a:schemeClr val="accent1"/>
+              </a:lnRef>
+              <a:fillRef idx="2">
+                <a:schemeClr val="accent1"/>
+              </a:fillRef>
+              <a:effectRef idx="1">
+                <a:schemeClr val="accent1"/>
+              </a:effectRef>
+              <a:fontRef idx="minor">
+                <a:schemeClr val="dk1"/>
+              </a:fontRef>
+            </p:style>
+            <p:txBody>
+              <a:bodyPr lIns="0" tIns="0" rIns="0" bIns="0" rtlCol="0" anchor="ctr" anchorCtr="0"/>
+              <a:lstStyle/>
+              <a:p>
+                <a:r>
+                  <a:rPr lang="pt-BR" sz="1200" dirty="0">
+                    <a:solidFill>
+                      <a:schemeClr val="bg1"/>
+                    </a:solidFill>
+                    <a:latin typeface="Consolas" pitchFamily="49" charset="0"/>
+                    <a:cs typeface="Consolas" pitchFamily="49" charset="0"/>
+                  </a:rPr>
+                  <a:t>  </a:t>
+                </a:r>
+                <a:r>
+                  <a:rPr lang="pt-BR" sz="1200" dirty="0" err="1">
+                    <a:solidFill>
+                      <a:schemeClr val="bg1"/>
+                    </a:solidFill>
+                    <a:latin typeface="Consolas" pitchFamily="49" charset="0"/>
+                    <a:cs typeface="Consolas" pitchFamily="49" charset="0"/>
+                  </a:rPr>
+                  <a:t>Translate</a:t>
+                </a:r>
+                <a:r>
+                  <a:rPr lang="pt-BR" sz="1200" dirty="0">
+                    <a:solidFill>
+                      <a:schemeClr val="bg1"/>
+                    </a:solidFill>
+                    <a:latin typeface="Consolas" pitchFamily="49" charset="0"/>
+                    <a:cs typeface="Consolas" pitchFamily="49" charset="0"/>
+                  </a:rPr>
+                  <a:t>()</a:t>
+                </a:r>
+              </a:p>
+              <a:p>
+                <a:r>
+                  <a:rPr lang="pt-BR" sz="1200" dirty="0">
+                    <a:solidFill>
+                      <a:schemeClr val="bg1"/>
+                    </a:solidFill>
+                    <a:latin typeface="Consolas" pitchFamily="49" charset="0"/>
+                    <a:cs typeface="Consolas" pitchFamily="49" charset="0"/>
+                  </a:rPr>
+                  <a:t>  </a:t>
+                </a:r>
+                <a:r>
+                  <a:rPr lang="pt-BR" sz="1200" dirty="0" err="1">
+                    <a:solidFill>
+                      <a:schemeClr val="bg1"/>
+                    </a:solidFill>
+                    <a:latin typeface="Consolas" pitchFamily="49" charset="0"/>
+                    <a:cs typeface="Consolas" pitchFamily="49" charset="0"/>
+                  </a:rPr>
+                  <a:t>MoveTo</a:t>
+                </a:r>
+                <a:r>
+                  <a:rPr lang="pt-BR" sz="1200" dirty="0">
+                    <a:solidFill>
+                      <a:schemeClr val="bg1"/>
+                    </a:solidFill>
+                    <a:latin typeface="Consolas" pitchFamily="49" charset="0"/>
+                    <a:cs typeface="Consolas" pitchFamily="49" charset="0"/>
+                  </a:rPr>
+                  <a:t>()</a:t>
+                </a:r>
+              </a:p>
+              <a:p>
+                <a:r>
+                  <a:rPr lang="pt-BR" sz="1200" dirty="0">
+                    <a:solidFill>
+                      <a:schemeClr val="bg1"/>
+                    </a:solidFill>
+                    <a:latin typeface="Consolas" pitchFamily="49" charset="0"/>
+                    <a:cs typeface="Consolas" pitchFamily="49" charset="0"/>
+                  </a:rPr>
+                  <a:t>  </a:t>
+                </a:r>
+              </a:p>
+              <a:p>
+                <a:r>
+                  <a:rPr lang="pt-BR" sz="1200" dirty="0">
+                    <a:solidFill>
+                      <a:schemeClr val="bg1"/>
+                    </a:solidFill>
+                    <a:latin typeface="Consolas" pitchFamily="49" charset="0"/>
+                    <a:cs typeface="Consolas" pitchFamily="49" charset="0"/>
+                  </a:rPr>
+                  <a:t>  Update()</a:t>
+                </a:r>
+              </a:p>
+              <a:p>
+                <a:r>
+                  <a:rPr lang="pt-BR" sz="1200" dirty="0">
+                    <a:solidFill>
+                      <a:schemeClr val="bg1"/>
+                    </a:solidFill>
+                    <a:latin typeface="Consolas" pitchFamily="49" charset="0"/>
+                    <a:cs typeface="Consolas" pitchFamily="49" charset="0"/>
+                  </a:rPr>
+                  <a:t>  Draw()</a:t>
+                </a:r>
+              </a:p>
+            </p:txBody>
+          </p:sp>
+        </p:grpSp>
         <p:sp>
           <p:nvSpPr>
-            <p:cNvPr id="19" name="Retângulo 18"/>
+            <p:cNvPr id="5" name="Retângulo 4">
+              <a:extLst>
+                <a:ext uri="{FF2B5EF4-FFF2-40B4-BE49-F238E27FC236}">
+                  <a16:creationId xmlns:a16="http://schemas.microsoft.com/office/drawing/2014/main" id="{8C80BC7D-8D85-4E31-96B7-18B7CD28E364}"/>
+                </a:ext>
+              </a:extLst>
+            </p:cNvPr>
             <p:cNvSpPr/>
             <p:nvPr/>
           </p:nvSpPr>
           <p:spPr>
             <a:xfrm>
-              <a:off x="9908074" y="4005064"/>
-              <a:ext cx="1512169" cy="2186894"/>
+              <a:off x="7309696" y="2536240"/>
+              <a:ext cx="2204450" cy="338554"/>
             </a:xfrm>
             <a:prstGeom prst="rect">
               <a:avLst/>
             </a:prstGeom>
-            <a:solidFill>
-              <a:schemeClr val="accent1">
-                <a:lumMod val="50000"/>
-              </a:schemeClr>
-            </a:solidFill>
+          </p:spPr>
+          <p:txBody>
+            <a:bodyPr wrap="none">
+              <a:spAutoFit/>
+            </a:bodyPr>
+            <a:lstStyle/>
+            <a:p>
+              <a:r>
+                <a:rPr lang="pt-BR" sz="1600" dirty="0">
+                  <a:solidFill>
+                    <a:schemeClr val="bg1">
+                      <a:lumMod val="85000"/>
+                    </a:schemeClr>
+                  </a:solidFill>
+                  <a:latin typeface="Consolas" panose="020B0609020204030204" pitchFamily="49" charset="0"/>
+                  <a:cs typeface="Consolas" panose="020B0609020204030204" pitchFamily="49" charset="0"/>
+                </a:rPr>
+                <a:t>Lista de &lt;Object*&gt;</a:t>
+              </a:r>
+              <a:endParaRPr lang="pt-BR" sz="1600" dirty="0"/>
+            </a:p>
+          </p:txBody>
+        </p:sp>
+        <p:cxnSp>
+          <p:nvCxnSpPr>
+            <p:cNvPr id="24" name="Conector de Seta Reta 23">
+              <a:extLst>
+                <a:ext uri="{FF2B5EF4-FFF2-40B4-BE49-F238E27FC236}">
+                  <a16:creationId xmlns:a16="http://schemas.microsoft.com/office/drawing/2014/main" id="{0AF69A0C-403A-4789-8BFE-66B15D7131DC}"/>
+                </a:ext>
+              </a:extLst>
+            </p:cNvPr>
+            <p:cNvCxnSpPr>
+              <a:cxnSpLocks/>
+              <a:endCxn id="16" idx="0"/>
+            </p:cNvCxnSpPr>
+            <p:nvPr/>
+          </p:nvCxnSpPr>
+          <p:spPr>
+            <a:xfrm flipH="1">
+              <a:off x="6625620" y="3095897"/>
+              <a:ext cx="1003089" cy="926935"/>
+            </a:xfrm>
+            <a:prstGeom prst="straightConnector1">
+              <a:avLst/>
+            </a:prstGeom>
+            <a:ln>
+              <a:headEnd type="oval"/>
+              <a:tailEnd type="triangle"/>
+            </a:ln>
           </p:spPr>
           <p:style>
             <a:lnRef idx="1">
               <a:schemeClr val="accent1"/>
             </a:lnRef>
-            <a:fillRef idx="2">
+            <a:fillRef idx="0">
               <a:schemeClr val="accent1"/>
             </a:fillRef>
-            <a:effectRef idx="1">
+            <a:effectRef idx="0">
               <a:schemeClr val="accent1"/>
             </a:effectRef>
             <a:fontRef idx="minor">
-              <a:schemeClr val="dk1"/>
+              <a:schemeClr val="tx1"/>
             </a:fontRef>
           </p:style>
-          <p:txBody>
-            <a:bodyPr lIns="288000" tIns="144000" rIns="288000" rtlCol="0" anchor="t"/>
-            <a:lstStyle/>
-            <a:p>
-              <a:pPr algn="ctr"/>
-              <a:endParaRPr lang="pt-BR" sz="1200" dirty="0">
-                <a:solidFill>
-                  <a:schemeClr val="bg1">
-                    <a:lumMod val="85000"/>
-                  </a:schemeClr>
-                </a:solidFill>
-                <a:latin typeface="Consolas" pitchFamily="49" charset="0"/>
-                <a:cs typeface="Consolas" pitchFamily="49" charset="0"/>
-              </a:endParaRPr>
-            </a:p>
-          </p:txBody>
-        </p:sp>
-        <p:sp>
-          <p:nvSpPr>
-            <p:cNvPr id="20" name="Retângulo 19"/>
-            <p:cNvSpPr/>
+        </p:cxnSp>
+        <p:cxnSp>
+          <p:nvCxnSpPr>
+            <p:cNvPr id="28" name="Conector de Seta Reta 27">
+              <a:extLst>
+                <a:ext uri="{FF2B5EF4-FFF2-40B4-BE49-F238E27FC236}">
+                  <a16:creationId xmlns:a16="http://schemas.microsoft.com/office/drawing/2014/main" id="{685042CA-60AE-40C6-B611-6D9C81805275}"/>
+                </a:ext>
+              </a:extLst>
+            </p:cNvPr>
+            <p:cNvCxnSpPr>
+              <a:cxnSpLocks/>
+              <a:endCxn id="17" idx="0"/>
+            </p:cNvCxnSpPr>
             <p:nvPr/>
-          </p:nvSpPr>
+          </p:nvCxnSpPr>
           <p:spPr>
             <a:xfrm>
-              <a:off x="10016087" y="4767450"/>
-              <a:ext cx="1332148" cy="1303533"/>
+              <a:off x="8299946" y="3095897"/>
+              <a:ext cx="0" cy="936522"/>
             </a:xfrm>
-            <a:prstGeom prst="rect">
+            <a:prstGeom prst="straightConnector1">
               <a:avLst/>
             </a:prstGeom>
-            <a:solidFill>
-              <a:schemeClr val="accent1">
-                <a:lumMod val="75000"/>
-              </a:schemeClr>
-            </a:solidFill>
+            <a:ln>
+              <a:headEnd type="oval"/>
+              <a:tailEnd type="triangle"/>
+            </a:ln>
           </p:spPr>
           <p:style>
             <a:lnRef idx="1">
               <a:schemeClr val="accent1"/>
             </a:lnRef>
-            <a:fillRef idx="2">
+            <a:fillRef idx="0">
               <a:schemeClr val="accent1"/>
             </a:fillRef>
-            <a:effectRef idx="1">
+            <a:effectRef idx="0">
               <a:schemeClr val="accent1"/>
             </a:effectRef>
             <a:fontRef idx="minor">
-              <a:schemeClr val="dk1"/>
+              <a:schemeClr val="tx1"/>
             </a:fontRef>
           </p:style>
-          <p:txBody>
-            <a:bodyPr lIns="0" tIns="0" rIns="0" bIns="0" rtlCol="0" anchor="ctr" anchorCtr="0"/>
-            <a:lstStyle/>
-            <a:p>
-              <a:r>
-                <a:rPr lang="pt-BR" sz="1200" dirty="0">
-                  <a:solidFill>
-                    <a:schemeClr val="bg1"/>
-                  </a:solidFill>
-                  <a:latin typeface="Consolas" pitchFamily="49" charset="0"/>
-                  <a:cs typeface="Consolas" pitchFamily="49" charset="0"/>
-                </a:rPr>
-                <a:t>  </a:t>
-              </a:r>
-              <a:r>
-                <a:rPr lang="pt-BR" sz="1200" dirty="0" err="1">
-                  <a:solidFill>
-                    <a:schemeClr val="bg1"/>
-                  </a:solidFill>
-                  <a:latin typeface="Consolas" pitchFamily="49" charset="0"/>
-                  <a:cs typeface="Consolas" pitchFamily="49" charset="0"/>
-                </a:rPr>
-                <a:t>Translate</a:t>
-              </a:r>
-              <a:r>
-                <a:rPr lang="pt-BR" sz="1200" dirty="0">
-                  <a:solidFill>
-                    <a:schemeClr val="bg1"/>
-                  </a:solidFill>
-                  <a:latin typeface="Consolas" pitchFamily="49" charset="0"/>
-                  <a:cs typeface="Consolas" pitchFamily="49" charset="0"/>
-                </a:rPr>
-                <a:t>()</a:t>
-              </a:r>
-            </a:p>
-            <a:p>
-              <a:r>
-                <a:rPr lang="pt-BR" sz="1200" dirty="0">
-                  <a:solidFill>
-                    <a:schemeClr val="bg1"/>
-                  </a:solidFill>
-                  <a:latin typeface="Consolas" pitchFamily="49" charset="0"/>
-                  <a:cs typeface="Consolas" pitchFamily="49" charset="0"/>
-                </a:rPr>
-                <a:t>  </a:t>
-              </a:r>
-              <a:r>
-                <a:rPr lang="pt-BR" sz="1200" dirty="0" err="1">
-                  <a:solidFill>
-                    <a:schemeClr val="bg1"/>
-                  </a:solidFill>
-                  <a:latin typeface="Consolas" pitchFamily="49" charset="0"/>
-                  <a:cs typeface="Consolas" pitchFamily="49" charset="0"/>
-                </a:rPr>
-                <a:t>MoveTo</a:t>
-              </a:r>
-              <a:r>
-                <a:rPr lang="pt-BR" sz="1200" dirty="0">
-                  <a:solidFill>
-                    <a:schemeClr val="bg1"/>
-                  </a:solidFill>
-                  <a:latin typeface="Consolas" pitchFamily="49" charset="0"/>
-                  <a:cs typeface="Consolas" pitchFamily="49" charset="0"/>
-                </a:rPr>
-                <a:t>()</a:t>
-              </a:r>
-            </a:p>
-            <a:p>
-              <a:r>
-                <a:rPr lang="pt-BR" sz="1200" dirty="0">
-                  <a:solidFill>
-                    <a:schemeClr val="bg1"/>
-                  </a:solidFill>
-                  <a:latin typeface="Consolas" pitchFamily="49" charset="0"/>
-                  <a:cs typeface="Consolas" pitchFamily="49" charset="0"/>
-                </a:rPr>
-                <a:t>  </a:t>
-              </a:r>
-            </a:p>
-            <a:p>
-              <a:r>
-                <a:rPr lang="pt-BR" sz="1200" dirty="0">
-                  <a:solidFill>
-                    <a:schemeClr val="bg1"/>
-                  </a:solidFill>
-                  <a:latin typeface="Consolas" pitchFamily="49" charset="0"/>
-                  <a:cs typeface="Consolas" pitchFamily="49" charset="0"/>
-                </a:rPr>
-                <a:t>  Update()</a:t>
-              </a:r>
-            </a:p>
-            <a:p>
-              <a:r>
-                <a:rPr lang="pt-BR" sz="1200" dirty="0">
-                  <a:solidFill>
-                    <a:schemeClr val="bg1"/>
-                  </a:solidFill>
-                  <a:latin typeface="Consolas" pitchFamily="49" charset="0"/>
-                  <a:cs typeface="Consolas" pitchFamily="49" charset="0"/>
-                </a:rPr>
-                <a:t>  Draw()</a:t>
-              </a:r>
-            </a:p>
-          </p:txBody>
-        </p:sp>
-        <p:sp>
-          <p:nvSpPr>
-            <p:cNvPr id="14" name="Retângulo 13"/>
-            <p:cNvSpPr/>
+        </p:cxnSp>
+        <p:cxnSp>
+          <p:nvCxnSpPr>
+            <p:cNvPr id="31" name="Conector de Seta Reta 30">
+              <a:extLst>
+                <a:ext uri="{FF2B5EF4-FFF2-40B4-BE49-F238E27FC236}">
+                  <a16:creationId xmlns:a16="http://schemas.microsoft.com/office/drawing/2014/main" id="{627124EC-0328-4B32-9E1C-963A824750D7}"/>
+                </a:ext>
+              </a:extLst>
+            </p:cNvPr>
+            <p:cNvCxnSpPr>
+              <a:cxnSpLocks/>
+              <a:endCxn id="19" idx="0"/>
+            </p:cNvCxnSpPr>
             <p:nvPr/>
-          </p:nvSpPr>
+          </p:nvCxnSpPr>
           <p:spPr>
             <a:xfrm>
-              <a:off x="10016087" y="4104866"/>
-              <a:ext cx="1332148" cy="547771"/>
+              <a:off x="8954915" y="3088066"/>
+              <a:ext cx="1019357" cy="936522"/>
             </a:xfrm>
-            <a:prstGeom prst="rect">
+            <a:prstGeom prst="straightConnector1">
               <a:avLst/>
             </a:prstGeom>
-            <a:solidFill>
-              <a:schemeClr val="accent1">
-                <a:lumMod val="50000"/>
-              </a:schemeClr>
-            </a:solidFill>
+            <a:ln>
+              <a:headEnd type="oval"/>
+              <a:tailEnd type="triangle"/>
+            </a:ln>
           </p:spPr>
           <p:style>
             <a:lnRef idx="1">
               <a:schemeClr val="accent1"/>
             </a:lnRef>
-            <a:fillRef idx="2">
+            <a:fillRef idx="0">
               <a:schemeClr val="accent1"/>
             </a:fillRef>
-            <a:effectRef idx="1">
+            <a:effectRef idx="0">
               <a:schemeClr val="accent1"/>
             </a:effectRef>
             <a:fontRef idx="minor">
-              <a:schemeClr val="dk1"/>
+              <a:schemeClr val="tx1"/>
             </a:fontRef>
           </p:style>
-          <p:txBody>
-            <a:bodyPr rtlCol="0" anchor="ctr"/>
-            <a:lstStyle/>
-            <a:p>
-              <a:pPr algn="ctr"/>
-              <a:r>
-                <a:rPr lang="pt-BR" dirty="0" err="1">
-                  <a:solidFill>
-                    <a:schemeClr val="bg1">
-                      <a:lumMod val="85000"/>
-                    </a:schemeClr>
-                  </a:solidFill>
-                </a:rPr>
-                <a:t>Block</a:t>
-              </a:r>
-              <a:endParaRPr lang="pt-BR" dirty="0">
-                <a:solidFill>
-                  <a:schemeClr val="bg1">
-                    <a:lumMod val="85000"/>
-                  </a:schemeClr>
-                </a:solidFill>
-              </a:endParaRPr>
-            </a:p>
-          </p:txBody>
-        </p:sp>
+        </p:cxnSp>
       </p:grpSp>
-      <p:grpSp>
-        <p:nvGrpSpPr>
-          <p:cNvPr id="23" name="Grupo 22"/>
-          <p:cNvGrpSpPr/>
-          <p:nvPr/>
-        </p:nvGrpSpPr>
-        <p:grpSpPr>
-          <a:xfrm>
-            <a:off x="5869535" y="4022832"/>
-            <a:ext cx="1512169" cy="2186894"/>
-            <a:chOff x="6095999" y="4005064"/>
-            <a:chExt cx="1512169" cy="2186894"/>
-          </a:xfrm>
-        </p:grpSpPr>
-        <p:sp>
-          <p:nvSpPr>
-            <p:cNvPr id="16" name="Retângulo 15"/>
-            <p:cNvSpPr/>
-            <p:nvPr/>
-          </p:nvSpPr>
-          <p:spPr>
-            <a:xfrm>
-              <a:off x="6095999" y="4005064"/>
-              <a:ext cx="1512169" cy="2186894"/>
-            </a:xfrm>
-            <a:prstGeom prst="rect">
-              <a:avLst/>
-            </a:prstGeom>
-            <a:solidFill>
-              <a:schemeClr val="accent1">
-                <a:lumMod val="50000"/>
-              </a:schemeClr>
-            </a:solidFill>
-          </p:spPr>
-          <p:style>
-            <a:lnRef idx="1">
-              <a:schemeClr val="accent1"/>
-            </a:lnRef>
-            <a:fillRef idx="2">
-              <a:schemeClr val="accent1"/>
-            </a:fillRef>
-            <a:effectRef idx="1">
-              <a:schemeClr val="accent1"/>
-            </a:effectRef>
-            <a:fontRef idx="minor">
-              <a:schemeClr val="dk1"/>
-            </a:fontRef>
-          </p:style>
-          <p:txBody>
-            <a:bodyPr lIns="288000" tIns="144000" rIns="288000" rtlCol="0" anchor="t"/>
-            <a:lstStyle/>
-            <a:p>
-              <a:pPr algn="ctr"/>
-              <a:endParaRPr lang="pt-BR" sz="1200" dirty="0">
-                <a:solidFill>
-                  <a:schemeClr val="bg1">
-                    <a:lumMod val="85000"/>
-                  </a:schemeClr>
-                </a:solidFill>
-                <a:latin typeface="Consolas" pitchFamily="49" charset="0"/>
-                <a:cs typeface="Consolas" pitchFamily="49" charset="0"/>
-              </a:endParaRPr>
-            </a:p>
-          </p:txBody>
-        </p:sp>
-        <p:sp>
-          <p:nvSpPr>
-            <p:cNvPr id="12" name="Retângulo 11"/>
-            <p:cNvSpPr/>
-            <p:nvPr/>
-          </p:nvSpPr>
-          <p:spPr>
-            <a:xfrm>
-              <a:off x="6204012" y="4105364"/>
-              <a:ext cx="1332148" cy="547771"/>
-            </a:xfrm>
-            <a:prstGeom prst="rect">
-              <a:avLst/>
-            </a:prstGeom>
-            <a:solidFill>
-              <a:schemeClr val="accent1">
-                <a:lumMod val="50000"/>
-              </a:schemeClr>
-            </a:solidFill>
-          </p:spPr>
-          <p:style>
-            <a:lnRef idx="1">
-              <a:schemeClr val="accent1"/>
-            </a:lnRef>
-            <a:fillRef idx="2">
-              <a:schemeClr val="accent1"/>
-            </a:fillRef>
-            <a:effectRef idx="1">
-              <a:schemeClr val="accent1"/>
-            </a:effectRef>
-            <a:fontRef idx="minor">
-              <a:schemeClr val="dk1"/>
-            </a:fontRef>
-          </p:style>
-          <p:txBody>
-            <a:bodyPr rtlCol="0" anchor="ctr"/>
-            <a:lstStyle/>
-            <a:p>
-              <a:pPr algn="ctr"/>
-              <a:r>
-                <a:rPr lang="pt-BR" dirty="0">
-                  <a:solidFill>
-                    <a:schemeClr val="bg1">
-                      <a:lumMod val="85000"/>
-                    </a:schemeClr>
-                  </a:solidFill>
-                </a:rPr>
-                <a:t>Player</a:t>
-              </a:r>
-            </a:p>
-          </p:txBody>
-        </p:sp>
-        <p:sp>
-          <p:nvSpPr>
-            <p:cNvPr id="15" name="Retângulo 14"/>
-            <p:cNvSpPr/>
-            <p:nvPr/>
-          </p:nvSpPr>
-          <p:spPr>
-            <a:xfrm>
-              <a:off x="6204012" y="4767450"/>
-              <a:ext cx="1332148" cy="1303533"/>
-            </a:xfrm>
-            <a:prstGeom prst="rect">
-              <a:avLst/>
-            </a:prstGeom>
-            <a:solidFill>
-              <a:schemeClr val="accent1">
-                <a:lumMod val="75000"/>
-              </a:schemeClr>
-            </a:solidFill>
-          </p:spPr>
-          <p:style>
-            <a:lnRef idx="1">
-              <a:schemeClr val="accent1"/>
-            </a:lnRef>
-            <a:fillRef idx="2">
-              <a:schemeClr val="accent1"/>
-            </a:fillRef>
-            <a:effectRef idx="1">
-              <a:schemeClr val="accent1"/>
-            </a:effectRef>
-            <a:fontRef idx="minor">
-              <a:schemeClr val="dk1"/>
-            </a:fontRef>
-          </p:style>
-          <p:txBody>
-            <a:bodyPr lIns="0" tIns="0" rIns="0" bIns="0" rtlCol="0" anchor="ctr" anchorCtr="0"/>
-            <a:lstStyle/>
-            <a:p>
-              <a:r>
-                <a:rPr lang="pt-BR" sz="1200" dirty="0">
-                  <a:solidFill>
-                    <a:schemeClr val="bg1"/>
-                  </a:solidFill>
-                  <a:latin typeface="Consolas" pitchFamily="49" charset="0"/>
-                  <a:cs typeface="Consolas" pitchFamily="49" charset="0"/>
-                </a:rPr>
-                <a:t>  </a:t>
-              </a:r>
-              <a:r>
-                <a:rPr lang="pt-BR" sz="1200" dirty="0" err="1">
-                  <a:solidFill>
-                    <a:schemeClr val="bg1"/>
-                  </a:solidFill>
-                  <a:latin typeface="Consolas" pitchFamily="49" charset="0"/>
-                  <a:cs typeface="Consolas" pitchFamily="49" charset="0"/>
-                </a:rPr>
-                <a:t>Translate</a:t>
-              </a:r>
-              <a:r>
-                <a:rPr lang="pt-BR" sz="1200" dirty="0">
-                  <a:solidFill>
-                    <a:schemeClr val="bg1"/>
-                  </a:solidFill>
-                  <a:latin typeface="Consolas" pitchFamily="49" charset="0"/>
-                  <a:cs typeface="Consolas" pitchFamily="49" charset="0"/>
-                </a:rPr>
-                <a:t>()</a:t>
-              </a:r>
-            </a:p>
-            <a:p>
-              <a:r>
-                <a:rPr lang="pt-BR" sz="1200" dirty="0">
-                  <a:solidFill>
-                    <a:schemeClr val="bg1"/>
-                  </a:solidFill>
-                  <a:latin typeface="Consolas" pitchFamily="49" charset="0"/>
-                  <a:cs typeface="Consolas" pitchFamily="49" charset="0"/>
-                </a:rPr>
-                <a:t>  </a:t>
-              </a:r>
-              <a:r>
-                <a:rPr lang="pt-BR" sz="1200" dirty="0" err="1">
-                  <a:solidFill>
-                    <a:schemeClr val="bg1"/>
-                  </a:solidFill>
-                  <a:latin typeface="Consolas" pitchFamily="49" charset="0"/>
-                  <a:cs typeface="Consolas" pitchFamily="49" charset="0"/>
-                </a:rPr>
-                <a:t>MoveTo</a:t>
-              </a:r>
-              <a:r>
-                <a:rPr lang="pt-BR" sz="1200" dirty="0">
-                  <a:solidFill>
-                    <a:schemeClr val="bg1"/>
-                  </a:solidFill>
-                  <a:latin typeface="Consolas" pitchFamily="49" charset="0"/>
-                  <a:cs typeface="Consolas" pitchFamily="49" charset="0"/>
-                </a:rPr>
-                <a:t>()</a:t>
-              </a:r>
-            </a:p>
-            <a:p>
-              <a:r>
-                <a:rPr lang="pt-BR" sz="1200" dirty="0">
-                  <a:solidFill>
-                    <a:schemeClr val="bg1"/>
-                  </a:solidFill>
-                  <a:latin typeface="Consolas" pitchFamily="49" charset="0"/>
-                  <a:cs typeface="Consolas" pitchFamily="49" charset="0"/>
-                </a:rPr>
-                <a:t>  </a:t>
-              </a:r>
-            </a:p>
-            <a:p>
-              <a:r>
-                <a:rPr lang="pt-BR" sz="1200" dirty="0">
-                  <a:solidFill>
-                    <a:schemeClr val="bg1"/>
-                  </a:solidFill>
-                  <a:latin typeface="Consolas" pitchFamily="49" charset="0"/>
-                  <a:cs typeface="Consolas" pitchFamily="49" charset="0"/>
-                </a:rPr>
-                <a:t>  Update()</a:t>
-              </a:r>
-            </a:p>
-            <a:p>
-              <a:r>
-                <a:rPr lang="pt-BR" sz="1200" dirty="0">
-                  <a:solidFill>
-                    <a:schemeClr val="bg1"/>
-                  </a:solidFill>
-                  <a:latin typeface="Consolas" pitchFamily="49" charset="0"/>
-                  <a:cs typeface="Consolas" pitchFamily="49" charset="0"/>
-                </a:rPr>
-                <a:t>  Draw()</a:t>
-              </a:r>
-            </a:p>
-          </p:txBody>
-        </p:sp>
-      </p:grpSp>
-      <p:sp>
-        <p:nvSpPr>
-          <p:cNvPr id="5" name="Retângulo 4">
-            <a:extLst>
-              <a:ext uri="{FF2B5EF4-FFF2-40B4-BE49-F238E27FC236}">
-                <a16:creationId xmlns:a16="http://schemas.microsoft.com/office/drawing/2014/main" id="{8C80BC7D-8D85-4E31-96B7-18B7CD28E364}"/>
-              </a:ext>
-            </a:extLst>
-          </p:cNvPr>
-          <p:cNvSpPr/>
-          <p:nvPr/>
-        </p:nvSpPr>
-        <p:spPr>
-          <a:xfrm>
-            <a:off x="7309696" y="2536240"/>
-            <a:ext cx="1980029" cy="338554"/>
-          </a:xfrm>
-          <a:prstGeom prst="rect">
-            <a:avLst/>
-          </a:prstGeom>
-        </p:spPr>
-        <p:txBody>
-          <a:bodyPr wrap="none">
-            <a:spAutoFit/>
-          </a:bodyPr>
-          <a:lstStyle/>
-          <a:p>
-            <a:r>
-              <a:rPr lang="pt-BR" sz="1600" dirty="0">
-                <a:solidFill>
-                  <a:schemeClr val="bg1">
-                    <a:lumMod val="85000"/>
-                  </a:schemeClr>
-                </a:solidFill>
-                <a:latin typeface="Consolas" panose="020B0609020204030204" pitchFamily="49" charset="0"/>
-                <a:cs typeface="Consolas" panose="020B0609020204030204" pitchFamily="49" charset="0"/>
-              </a:rPr>
-              <a:t>Lista de </a:t>
-            </a:r>
-            <a:r>
-              <a:rPr lang="pt-BR" sz="1600" dirty="0" err="1">
-                <a:solidFill>
-                  <a:schemeClr val="bg1">
-                    <a:lumMod val="85000"/>
-                  </a:schemeClr>
-                </a:solidFill>
-                <a:latin typeface="Consolas" panose="020B0609020204030204" pitchFamily="49" charset="0"/>
-                <a:cs typeface="Consolas" panose="020B0609020204030204" pitchFamily="49" charset="0"/>
-              </a:rPr>
-              <a:t>Object</a:t>
-            </a:r>
-            <a:r>
-              <a:rPr lang="pt-BR" sz="1600" dirty="0">
-                <a:solidFill>
-                  <a:schemeClr val="bg1">
-                    <a:lumMod val="85000"/>
-                  </a:schemeClr>
-                </a:solidFill>
-                <a:latin typeface="Consolas" panose="020B0609020204030204" pitchFamily="49" charset="0"/>
-                <a:cs typeface="Consolas" panose="020B0609020204030204" pitchFamily="49" charset="0"/>
-              </a:rPr>
-              <a:t>*</a:t>
-            </a:r>
-            <a:endParaRPr lang="pt-BR" sz="1600" dirty="0"/>
-          </a:p>
-        </p:txBody>
-      </p:sp>
-      <p:cxnSp>
-        <p:nvCxnSpPr>
-          <p:cNvPr id="24" name="Conector de Seta Reta 23">
-            <a:extLst>
-              <a:ext uri="{FF2B5EF4-FFF2-40B4-BE49-F238E27FC236}">
-                <a16:creationId xmlns:a16="http://schemas.microsoft.com/office/drawing/2014/main" id="{0AF69A0C-403A-4789-8BFE-66B15D7131DC}"/>
-              </a:ext>
-            </a:extLst>
-          </p:cNvPr>
-          <p:cNvCxnSpPr>
-            <a:stCxn id="4" idx="2"/>
-            <a:endCxn id="16" idx="0"/>
-          </p:cNvCxnSpPr>
-          <p:nvPr/>
-        </p:nvCxnSpPr>
-        <p:spPr>
-          <a:xfrm flipH="1">
-            <a:off x="6625620" y="3237454"/>
-            <a:ext cx="1018552" cy="785378"/>
-          </a:xfrm>
-          <a:prstGeom prst="straightConnector1">
-            <a:avLst/>
-          </a:prstGeom>
-          <a:ln>
-            <a:tailEnd type="triangle"/>
-          </a:ln>
-        </p:spPr>
-        <p:style>
-          <a:lnRef idx="1">
-            <a:schemeClr val="accent1"/>
-          </a:lnRef>
-          <a:fillRef idx="0">
-            <a:schemeClr val="accent1"/>
-          </a:fillRef>
-          <a:effectRef idx="0">
-            <a:schemeClr val="accent1"/>
-          </a:effectRef>
-          <a:fontRef idx="minor">
-            <a:schemeClr val="tx1"/>
-          </a:fontRef>
-        </p:style>
-      </p:cxnSp>
-      <p:cxnSp>
-        <p:nvCxnSpPr>
-          <p:cNvPr id="28" name="Conector de Seta Reta 27">
-            <a:extLst>
-              <a:ext uri="{FF2B5EF4-FFF2-40B4-BE49-F238E27FC236}">
-                <a16:creationId xmlns:a16="http://schemas.microsoft.com/office/drawing/2014/main" id="{685042CA-60AE-40C6-B611-6D9C81805275}"/>
-              </a:ext>
-            </a:extLst>
-          </p:cNvPr>
-          <p:cNvCxnSpPr>
-            <a:cxnSpLocks/>
-            <a:stCxn id="7" idx="2"/>
-            <a:endCxn id="17" idx="0"/>
-          </p:cNvCxnSpPr>
-          <p:nvPr/>
-        </p:nvCxnSpPr>
-        <p:spPr>
-          <a:xfrm>
-            <a:off x="8299946" y="3237454"/>
-            <a:ext cx="0" cy="794965"/>
-          </a:xfrm>
-          <a:prstGeom prst="straightConnector1">
-            <a:avLst/>
-          </a:prstGeom>
-          <a:ln>
-            <a:tailEnd type="triangle"/>
-          </a:ln>
-        </p:spPr>
-        <p:style>
-          <a:lnRef idx="1">
-            <a:schemeClr val="accent1"/>
-          </a:lnRef>
-          <a:fillRef idx="0">
-            <a:schemeClr val="accent1"/>
-          </a:fillRef>
-          <a:effectRef idx="0">
-            <a:schemeClr val="accent1"/>
-          </a:effectRef>
-          <a:fontRef idx="minor">
-            <a:schemeClr val="tx1"/>
-          </a:fontRef>
-        </p:style>
-      </p:cxnSp>
-      <p:cxnSp>
-        <p:nvCxnSpPr>
-          <p:cNvPr id="31" name="Conector de Seta Reta 30">
-            <a:extLst>
-              <a:ext uri="{FF2B5EF4-FFF2-40B4-BE49-F238E27FC236}">
-                <a16:creationId xmlns:a16="http://schemas.microsoft.com/office/drawing/2014/main" id="{627124EC-0328-4B32-9E1C-963A824750D7}"/>
-              </a:ext>
-            </a:extLst>
-          </p:cNvPr>
-          <p:cNvCxnSpPr>
-            <a:stCxn id="8" idx="2"/>
-            <a:endCxn id="19" idx="0"/>
-          </p:cNvCxnSpPr>
-          <p:nvPr/>
-        </p:nvCxnSpPr>
-        <p:spPr>
-          <a:xfrm>
-            <a:off x="8954914" y="3237454"/>
-            <a:ext cx="1019358" cy="787134"/>
-          </a:xfrm>
-          <a:prstGeom prst="straightConnector1">
-            <a:avLst/>
-          </a:prstGeom>
-          <a:ln>
-            <a:tailEnd type="triangle"/>
-          </a:ln>
-        </p:spPr>
-        <p:style>
-          <a:lnRef idx="1">
-            <a:schemeClr val="accent1"/>
-          </a:lnRef>
-          <a:fillRef idx="0">
-            <a:schemeClr val="accent1"/>
-          </a:fillRef>
-          <a:effectRef idx="0">
-            <a:schemeClr val="accent1"/>
-          </a:effectRef>
-          <a:fontRef idx="minor">
-            <a:schemeClr val="tx1"/>
-          </a:fontRef>
-        </p:style>
-      </p:cxnSp>
     </p:spTree>
     <p:extLst>
       <p:ext uri="{BB962C8B-B14F-4D97-AF65-F5344CB8AC3E}">
@@ -9055,6 +10108,9 @@
   <p:clrMapOvr>
     <a:masterClrMapping/>
   </p:clrMapOvr>
+  <p:transition spd="slow">
+    <p:wipe/>
+  </p:transition>
 </p:sld>
 </file>
 
@@ -9097,16 +10153,14 @@
           </a:bodyPr>
           <a:lstStyle/>
           <a:p>
+            <a:pPr>
+              <a:spcAft>
+                <a:spcPts val="1800"/>
+              </a:spcAft>
+            </a:pPr>
             <a:r>
               <a:rPr lang="pt-BR" dirty="0"/>
-              <a:t>Os jogos são compostos por coleções de objetos </a:t>
-            </a:r>
-          </a:p>
-          <a:p>
-            <a:pPr lvl="1"/>
-            <a:r>
-              <a:rPr lang="pt-BR" dirty="0"/>
-              <a:t>Para simplificar as operações comumente realizadas sobre estas coleções, podemos criar um </a:t>
+              <a:t>Os jogos são compostos por </a:t>
             </a:r>
             <a:r>
               <a:rPr lang="pt-BR" dirty="0">
@@ -9116,44 +10170,72 @@
                   </a:schemeClr>
                 </a:solidFill>
               </a:rPr>
-              <a:t>gerenciador de cena</a:t>
-            </a:r>
+              <a:t>coleções de objetos </a:t>
+            </a:r>
+          </a:p>
+          <a:p>
+            <a:pPr lvl="1">
+              <a:spcAft>
+                <a:spcPts val="1800"/>
+              </a:spcAft>
+            </a:pPr>
             <a:r>
               <a:rPr lang="pt-BR" dirty="0"/>
-              <a:t>:</a:t>
-            </a:r>
-          </a:p>
-          <a:p>
-            <a:pPr lvl="1"/>
-            <a:endParaRPr lang="pt-BR" dirty="0"/>
-          </a:p>
-          <a:p>
-            <a:pPr lvl="2"/>
-            <a:r>
-              <a:rPr lang="pt-BR" dirty="0"/>
-              <a:t>Encapsula a estrutura de dados </a:t>
+              <a:t>Para simplificar as operações comumente realizadas sobre </a:t>
             </a:r>
             <a:br>
               <a:rPr lang="pt-BR" dirty="0"/>
             </a:br>
             <a:r>
               <a:rPr lang="pt-BR" dirty="0"/>
-              <a:t>utilizada para organizar</a:t>
+              <a:t>estas coleções, podemos criar um </a:t>
+            </a:r>
+            <a:r>
+              <a:rPr lang="pt-BR" dirty="0">
+                <a:solidFill>
+                  <a:schemeClr val="accent1">
+                    <a:lumMod val="75000"/>
+                  </a:schemeClr>
+                </a:solidFill>
+              </a:rPr>
+              <a:t>gerenciador de cena</a:t>
+            </a:r>
+            <a:r>
+              <a:rPr lang="pt-BR" dirty="0"/>
+              <a:t>:</a:t>
+            </a:r>
+          </a:p>
+          <a:p>
+            <a:pPr lvl="2">
+              <a:spcAft>
+                <a:spcPts val="600"/>
+              </a:spcAft>
+            </a:pPr>
+            <a:r>
+              <a:rPr lang="pt-BR" dirty="0"/>
+              <a:t>Encapsula a estrutura de dados </a:t>
             </a:r>
             <a:br>
               <a:rPr lang="pt-BR" dirty="0"/>
             </a:br>
             <a:r>
               <a:rPr lang="pt-BR" dirty="0"/>
-              <a:t>a coleção de objetos</a:t>
+              <a:t>utilizada para organizar</a:t>
             </a:r>
             <a:br>
               <a:rPr lang="pt-BR" dirty="0"/>
             </a:br>
-            <a:endParaRPr lang="pt-BR" dirty="0"/>
-          </a:p>
-          <a:p>
-            <a:pPr lvl="2"/>
+            <a:r>
+              <a:rPr lang="pt-BR" dirty="0"/>
+              <a:t>a coleção de objetos</a:t>
+            </a:r>
+          </a:p>
+          <a:p>
+            <a:pPr lvl="2">
+              <a:spcAft>
+                <a:spcPts val="600"/>
+              </a:spcAft>
+            </a:pPr>
             <a:r>
               <a:rPr lang="pt-BR" dirty="0"/>
               <a:t>Um jogo pode ser composto </a:t>
@@ -9165,10 +10247,6 @@
               <a:rPr lang="pt-BR" dirty="0"/>
               <a:t>por várias cenas</a:t>
             </a:r>
-            <a:br>
-              <a:rPr lang="pt-BR" dirty="0"/>
-            </a:br>
-            <a:endParaRPr lang="pt-BR" dirty="0"/>
           </a:p>
           <a:p>
             <a:pPr lvl="2"/>
@@ -9224,7 +10302,7 @@
         </p:nvSpPr>
         <p:spPr>
           <a:xfrm>
-            <a:off x="6456040" y="3068960"/>
+            <a:off x="6456040" y="3140968"/>
             <a:ext cx="3312368" cy="3108543"/>
           </a:xfrm>
           <a:prstGeom prst="rect">
@@ -9373,7 +10451,7 @@
               <a:t>&lt;</a:t>
             </a:r>
             <a:r>
-              <a:rPr lang="pt-BR" sz="1600" dirty="0" err="1">
+              <a:rPr lang="pt-BR" sz="1600" dirty="0">
                 <a:solidFill>
                   <a:schemeClr val="accent1">
                     <a:lumMod val="75000"/>
@@ -9548,79 +10626,31 @@
                 <a:latin typeface="Consolas" panose="020B0609020204030204" pitchFamily="49" charset="0"/>
                 <a:cs typeface="Consolas" panose="020B0609020204030204" pitchFamily="49" charset="0"/>
               </a:rPr>
-              <a:t>    </a:t>
+              <a:t>    void </a:t>
             </a:r>
             <a:r>
               <a:rPr lang="pt-BR" sz="1600" dirty="0" err="1">
                 <a:solidFill>
-                  <a:schemeClr val="accent1">
-                    <a:lumMod val="75000"/>
+                  <a:schemeClr val="bg1">
+                    <a:lumMod val="85000"/>
                   </a:schemeClr>
                 </a:solidFill>
                 <a:latin typeface="Consolas" panose="020B0609020204030204" pitchFamily="49" charset="0"/>
                 <a:cs typeface="Consolas" panose="020B0609020204030204" pitchFamily="49" charset="0"/>
               </a:rPr>
-              <a:t>void</a:t>
+              <a:t>Add</a:t>
             </a:r>
             <a:r>
               <a:rPr lang="pt-BR" sz="1600" dirty="0">
                 <a:solidFill>
-                  <a:schemeClr val="accent1">
-                    <a:lumMod val="75000"/>
+                  <a:schemeClr val="bg1">
+                    <a:lumMod val="85000"/>
                   </a:schemeClr>
                 </a:solidFill>
                 <a:latin typeface="Consolas" panose="020B0609020204030204" pitchFamily="49" charset="0"/>
                 <a:cs typeface="Consolas" panose="020B0609020204030204" pitchFamily="49" charset="0"/>
               </a:rPr>
-              <a:t> </a:t>
-            </a:r>
-            <a:r>
-              <a:rPr lang="pt-BR" sz="1600" dirty="0" err="1">
-                <a:solidFill>
-                  <a:schemeClr val="bg1">
-                    <a:lumMod val="85000"/>
-                  </a:schemeClr>
-                </a:solidFill>
-                <a:latin typeface="Consolas" panose="020B0609020204030204" pitchFamily="49" charset="0"/>
-                <a:cs typeface="Consolas" panose="020B0609020204030204" pitchFamily="49" charset="0"/>
-              </a:rPr>
-              <a:t>Add</a:t>
-            </a:r>
-            <a:r>
-              <a:rPr lang="pt-BR" sz="1600" dirty="0">
-                <a:solidFill>
-                  <a:schemeClr val="bg1">
-                    <a:lumMod val="85000"/>
-                  </a:schemeClr>
-                </a:solidFill>
-                <a:latin typeface="Consolas" panose="020B0609020204030204" pitchFamily="49" charset="0"/>
-                <a:cs typeface="Consolas" panose="020B0609020204030204" pitchFamily="49" charset="0"/>
-              </a:rPr>
-              <a:t>(</a:t>
-            </a:r>
-            <a:r>
-              <a:rPr lang="pt-BR" sz="1600" dirty="0" err="1">
-                <a:solidFill>
-                  <a:schemeClr val="bg1">
-                    <a:lumMod val="85000"/>
-                  </a:schemeClr>
-                </a:solidFill>
-                <a:latin typeface="Consolas" panose="020B0609020204030204" pitchFamily="49" charset="0"/>
-                <a:cs typeface="Consolas" panose="020B0609020204030204" pitchFamily="49" charset="0"/>
-              </a:rPr>
-              <a:t>Object</a:t>
-            </a:r>
-            <a:r>
-              <a:rPr lang="pt-BR" sz="1600" dirty="0">
-                <a:solidFill>
-                  <a:schemeClr val="bg1">
-                    <a:lumMod val="85000"/>
-                  </a:schemeClr>
-                </a:solidFill>
-                <a:latin typeface="Consolas" panose="020B0609020204030204" pitchFamily="49" charset="0"/>
-                <a:cs typeface="Consolas" panose="020B0609020204030204" pitchFamily="49" charset="0"/>
-              </a:rPr>
-              <a:t> * </a:t>
+              <a:t>(Object * </a:t>
             </a:r>
             <a:r>
               <a:rPr lang="pt-BR" sz="1600" dirty="0" err="1">
@@ -9963,6 +10993,9 @@
   <p:clrMapOvr>
     <a:masterClrMapping/>
   </p:clrMapOvr>
+  <p:transition spd="slow">
+    <p:wipe/>
+  </p:transition>
 </p:sld>
 </file>
 
@@ -10021,7 +11054,14 @@
             </a:r>
             <a:r>
               <a:rPr lang="pt-BR" dirty="0"/>
-              <a:t> o processo de adicionar, atualizar e desenhar objetos do jogo</a:t>
+              <a:t> o processo </a:t>
+            </a:r>
+            <a:br>
+              <a:rPr lang="pt-BR" dirty="0"/>
+            </a:br>
+            <a:r>
+              <a:rPr lang="pt-BR" dirty="0"/>
+              <a:t>de adicionar, atualizar e desenhar objetos do jogo</a:t>
             </a:r>
           </a:p>
           <a:p>
@@ -10029,7 +11069,11 @@
             <a:endParaRPr lang="pt-BR" dirty="0"/>
           </a:p>
           <a:p>
-            <a:pPr lvl="1"/>
+            <a:pPr lvl="1">
+              <a:spcAft>
+                <a:spcPts val="1200"/>
+              </a:spcAft>
+            </a:pPr>
             <a:r>
               <a:rPr lang="pt-BR" dirty="0"/>
               <a:t>Um gerenciador de cena permite:</a:t>
@@ -10265,7 +11309,7 @@
               <a:t>&lt;</a:t>
             </a:r>
             <a:r>
-              <a:rPr lang="pt-BR" sz="1600" dirty="0" err="1">
+              <a:rPr lang="pt-BR" sz="1600" dirty="0">
                 <a:solidFill>
                   <a:schemeClr val="accent1">
                     <a:lumMod val="75000"/>
@@ -10451,79 +11495,31 @@
                 <a:latin typeface="Consolas" panose="020B0609020204030204" pitchFamily="49" charset="0"/>
                 <a:cs typeface="Consolas" panose="020B0609020204030204" pitchFamily="49" charset="0"/>
               </a:rPr>
-              <a:t>    </a:t>
+              <a:t>    void </a:t>
             </a:r>
             <a:r>
               <a:rPr lang="pt-BR" sz="1600" dirty="0" err="1">
                 <a:solidFill>
-                  <a:schemeClr val="accent1">
-                    <a:lumMod val="75000"/>
+                  <a:schemeClr val="bg1">
+                    <a:lumMod val="85000"/>
                   </a:schemeClr>
                 </a:solidFill>
                 <a:latin typeface="Consolas" panose="020B0609020204030204" pitchFamily="49" charset="0"/>
                 <a:cs typeface="Consolas" panose="020B0609020204030204" pitchFamily="49" charset="0"/>
               </a:rPr>
-              <a:t>void</a:t>
+              <a:t>Add</a:t>
             </a:r>
             <a:r>
               <a:rPr lang="pt-BR" sz="1600" dirty="0">
                 <a:solidFill>
-                  <a:schemeClr val="accent1">
-                    <a:lumMod val="75000"/>
+                  <a:schemeClr val="bg1">
+                    <a:lumMod val="85000"/>
                   </a:schemeClr>
                 </a:solidFill>
                 <a:latin typeface="Consolas" panose="020B0609020204030204" pitchFamily="49" charset="0"/>
                 <a:cs typeface="Consolas" panose="020B0609020204030204" pitchFamily="49" charset="0"/>
               </a:rPr>
-              <a:t> </a:t>
-            </a:r>
-            <a:r>
-              <a:rPr lang="pt-BR" sz="1600" dirty="0" err="1">
-                <a:solidFill>
-                  <a:schemeClr val="bg1">
-                    <a:lumMod val="85000"/>
-                  </a:schemeClr>
-                </a:solidFill>
-                <a:latin typeface="Consolas" panose="020B0609020204030204" pitchFamily="49" charset="0"/>
-                <a:cs typeface="Consolas" panose="020B0609020204030204" pitchFamily="49" charset="0"/>
-              </a:rPr>
-              <a:t>Add</a:t>
-            </a:r>
-            <a:r>
-              <a:rPr lang="pt-BR" sz="1600" dirty="0">
-                <a:solidFill>
-                  <a:schemeClr val="bg1">
-                    <a:lumMod val="85000"/>
-                  </a:schemeClr>
-                </a:solidFill>
-                <a:latin typeface="Consolas" panose="020B0609020204030204" pitchFamily="49" charset="0"/>
-                <a:cs typeface="Consolas" panose="020B0609020204030204" pitchFamily="49" charset="0"/>
-              </a:rPr>
-              <a:t>(</a:t>
-            </a:r>
-            <a:r>
-              <a:rPr lang="pt-BR" sz="1600" dirty="0" err="1">
-                <a:solidFill>
-                  <a:schemeClr val="bg1">
-                    <a:lumMod val="85000"/>
-                  </a:schemeClr>
-                </a:solidFill>
-                <a:latin typeface="Consolas" panose="020B0609020204030204" pitchFamily="49" charset="0"/>
-                <a:cs typeface="Consolas" panose="020B0609020204030204" pitchFamily="49" charset="0"/>
-              </a:rPr>
-              <a:t>Object</a:t>
-            </a:r>
-            <a:r>
-              <a:rPr lang="pt-BR" sz="1600" dirty="0">
-                <a:solidFill>
-                  <a:schemeClr val="bg1">
-                    <a:lumMod val="85000"/>
-                  </a:schemeClr>
-                </a:solidFill>
-                <a:latin typeface="Consolas" panose="020B0609020204030204" pitchFamily="49" charset="0"/>
-                <a:cs typeface="Consolas" panose="020B0609020204030204" pitchFamily="49" charset="0"/>
-              </a:rPr>
-              <a:t> * </a:t>
+              <a:t>(Object * </a:t>
             </a:r>
             <a:r>
               <a:rPr lang="pt-BR" sz="1600" dirty="0" err="1">
@@ -10676,6 +11672,9 @@
   <p:clrMapOvr>
     <a:masterClrMapping/>
   </p:clrMapOvr>
+  <p:transition spd="slow">
+    <p:wipe/>
+  </p:transition>
 </p:sld>
 </file>
 
